--- a/src/Essential Microservices Concepts/Presentation.pptx
+++ b/src/Essential Microservices Concepts/Presentation.pptx
@@ -5,7 +5,7 @@
     <p:sldMasterId id="2147483678" r:id="rId1"/>
   </p:sldMasterIdLst>
   <p:notesMasterIdLst>
-    <p:notesMasterId r:id="rId86"/>
+    <p:notesMasterId r:id="rId96"/>
   </p:notesMasterIdLst>
   <p:sldIdLst>
     <p:sldId id="257" r:id="rId2"/>
@@ -46,52 +46,62 @@
     <p:sldId id="424" r:id="rId37"/>
     <p:sldId id="425" r:id="rId38"/>
     <p:sldId id="426" r:id="rId39"/>
-    <p:sldId id="427" r:id="rId40"/>
-    <p:sldId id="428" r:id="rId41"/>
-    <p:sldId id="429" r:id="rId42"/>
-    <p:sldId id="430" r:id="rId43"/>
-    <p:sldId id="431" r:id="rId44"/>
-    <p:sldId id="432" r:id="rId45"/>
-    <p:sldId id="433" r:id="rId46"/>
-    <p:sldId id="434" r:id="rId47"/>
-    <p:sldId id="435" r:id="rId48"/>
-    <p:sldId id="436" r:id="rId49"/>
-    <p:sldId id="437" r:id="rId50"/>
-    <p:sldId id="438" r:id="rId51"/>
-    <p:sldId id="439" r:id="rId52"/>
-    <p:sldId id="440" r:id="rId53"/>
-    <p:sldId id="441" r:id="rId54"/>
-    <p:sldId id="442" r:id="rId55"/>
-    <p:sldId id="444" r:id="rId56"/>
-    <p:sldId id="445" r:id="rId57"/>
-    <p:sldId id="446" r:id="rId58"/>
-    <p:sldId id="447" r:id="rId59"/>
-    <p:sldId id="449" r:id="rId60"/>
-    <p:sldId id="448" r:id="rId61"/>
-    <p:sldId id="453" r:id="rId62"/>
-    <p:sldId id="454" r:id="rId63"/>
-    <p:sldId id="455" r:id="rId64"/>
-    <p:sldId id="456" r:id="rId65"/>
-    <p:sldId id="457" r:id="rId66"/>
-    <p:sldId id="461" r:id="rId67"/>
-    <p:sldId id="462" r:id="rId68"/>
-    <p:sldId id="463" r:id="rId69"/>
-    <p:sldId id="386" r:id="rId70"/>
-    <p:sldId id="387" r:id="rId71"/>
-    <p:sldId id="388" r:id="rId72"/>
-    <p:sldId id="389" r:id="rId73"/>
-    <p:sldId id="390" r:id="rId74"/>
-    <p:sldId id="391" r:id="rId75"/>
-    <p:sldId id="392" r:id="rId76"/>
-    <p:sldId id="393" r:id="rId77"/>
-    <p:sldId id="458" r:id="rId78"/>
-    <p:sldId id="450" r:id="rId79"/>
-    <p:sldId id="451" r:id="rId80"/>
-    <p:sldId id="460" r:id="rId81"/>
-    <p:sldId id="465" r:id="rId82"/>
-    <p:sldId id="380" r:id="rId83"/>
-    <p:sldId id="466" r:id="rId84"/>
-    <p:sldId id="271" r:id="rId85"/>
+    <p:sldId id="467" r:id="rId40"/>
+    <p:sldId id="468" r:id="rId41"/>
+    <p:sldId id="469" r:id="rId42"/>
+    <p:sldId id="470" r:id="rId43"/>
+    <p:sldId id="427" r:id="rId44"/>
+    <p:sldId id="476" r:id="rId45"/>
+    <p:sldId id="428" r:id="rId46"/>
+    <p:sldId id="429" r:id="rId47"/>
+    <p:sldId id="471" r:id="rId48"/>
+    <p:sldId id="472" r:id="rId49"/>
+    <p:sldId id="473" r:id="rId50"/>
+    <p:sldId id="430" r:id="rId51"/>
+    <p:sldId id="431" r:id="rId52"/>
+    <p:sldId id="432" r:id="rId53"/>
+    <p:sldId id="433" r:id="rId54"/>
+    <p:sldId id="434" r:id="rId55"/>
+    <p:sldId id="435" r:id="rId56"/>
+    <p:sldId id="474" r:id="rId57"/>
+    <p:sldId id="475" r:id="rId58"/>
+    <p:sldId id="436" r:id="rId59"/>
+    <p:sldId id="437" r:id="rId60"/>
+    <p:sldId id="438" r:id="rId61"/>
+    <p:sldId id="439" r:id="rId62"/>
+    <p:sldId id="440" r:id="rId63"/>
+    <p:sldId id="441" r:id="rId64"/>
+    <p:sldId id="442" r:id="rId65"/>
+    <p:sldId id="444" r:id="rId66"/>
+    <p:sldId id="445" r:id="rId67"/>
+    <p:sldId id="446" r:id="rId68"/>
+    <p:sldId id="447" r:id="rId69"/>
+    <p:sldId id="449" r:id="rId70"/>
+    <p:sldId id="448" r:id="rId71"/>
+    <p:sldId id="453" r:id="rId72"/>
+    <p:sldId id="454" r:id="rId73"/>
+    <p:sldId id="455" r:id="rId74"/>
+    <p:sldId id="456" r:id="rId75"/>
+    <p:sldId id="457" r:id="rId76"/>
+    <p:sldId id="461" r:id="rId77"/>
+    <p:sldId id="462" r:id="rId78"/>
+    <p:sldId id="463" r:id="rId79"/>
+    <p:sldId id="386" r:id="rId80"/>
+    <p:sldId id="387" r:id="rId81"/>
+    <p:sldId id="388" r:id="rId82"/>
+    <p:sldId id="389" r:id="rId83"/>
+    <p:sldId id="390" r:id="rId84"/>
+    <p:sldId id="391" r:id="rId85"/>
+    <p:sldId id="392" r:id="rId86"/>
+    <p:sldId id="393" r:id="rId87"/>
+    <p:sldId id="458" r:id="rId88"/>
+    <p:sldId id="450" r:id="rId89"/>
+    <p:sldId id="451" r:id="rId90"/>
+    <p:sldId id="460" r:id="rId91"/>
+    <p:sldId id="465" r:id="rId92"/>
+    <p:sldId id="380" r:id="rId93"/>
+    <p:sldId id="466" r:id="rId94"/>
+    <p:sldId id="271" r:id="rId95"/>
   </p:sldIdLst>
   <p:sldSz cx="12192000" cy="6858000"/>
   <p:notesSz cx="6858000" cy="9144000"/>
@@ -280,7 +290,7 @@
           <a:p>
             <a:fld id="{0F9C471C-5CEB-41C5-B26F-30EBC0FE28CB}" type="datetimeFigureOut">
               <a:rPr lang="en-US" smtClean="0"/>
-              <a:t>3/31/2021</a:t>
+              <a:t>4/6/2021</a:t>
             </a:fld>
             <a:endParaRPr lang="en-US"/>
           </a:p>
@@ -732,7 +742,7 @@
           <a:noFill/>
           <a:extLst>
             <a:ext uri="{909E8E84-426E-40dd-AFC4-6F175D3DCCD1}">
-              <a14:hiddenFill xmlns:a14="http://schemas.microsoft.com/office/drawing/2010/main" xmlns="">
+              <a14:hiddenFill xmlns="" xmlns:a14="http://schemas.microsoft.com/office/drawing/2010/main">
                 <a:solidFill>
                   <a:srgbClr val="FFFFFF"/>
                 </a:solidFill>
@@ -792,7 +802,7 @@
             </a:ln>
             <a:extLst>
               <a:ext uri="{91240B29-F687-4f45-9708-019B960494DF}">
-                <a14:hiddenLine xmlns:a14="http://schemas.microsoft.com/office/drawing/2010/main" xmlns="" w="9525">
+                <a14:hiddenLine xmlns="" xmlns:a14="http://schemas.microsoft.com/office/drawing/2010/main" w="9525">
                   <a:solidFill>
                     <a:srgbClr val="000000"/>
                   </a:solidFill>
@@ -882,7 +892,7 @@
             </a:ln>
             <a:extLst>
               <a:ext uri="{91240B29-F687-4f45-9708-019B960494DF}">
-                <a14:hiddenLine xmlns:a14="http://schemas.microsoft.com/office/drawing/2010/main" xmlns="" w="9525">
+                <a14:hiddenLine xmlns="" xmlns:a14="http://schemas.microsoft.com/office/drawing/2010/main" w="9525">
                   <a:solidFill>
                     <a:srgbClr val="000000"/>
                   </a:solidFill>
@@ -972,7 +982,7 @@
             </a:ln>
             <a:extLst>
               <a:ext uri="{91240B29-F687-4f45-9708-019B960494DF}">
-                <a14:hiddenLine xmlns:a14="http://schemas.microsoft.com/office/drawing/2010/main" xmlns="" w="9525">
+                <a14:hiddenLine xmlns="" xmlns:a14="http://schemas.microsoft.com/office/drawing/2010/main" w="9525">
                   <a:solidFill>
                     <a:srgbClr val="000000"/>
                   </a:solidFill>
@@ -1006,7 +1016,7 @@
             </a:ln>
             <a:extLst>
               <a:ext uri="{91240B29-F687-4f45-9708-019B960494DF}">
-                <a14:hiddenLine xmlns:a14="http://schemas.microsoft.com/office/drawing/2010/main" xmlns="" w="9525">
+                <a14:hiddenLine xmlns="" xmlns:a14="http://schemas.microsoft.com/office/drawing/2010/main" w="9525">
                   <a:solidFill>
                     <a:srgbClr val="000000"/>
                   </a:solidFill>
@@ -1096,7 +1106,7 @@
             </a:ln>
             <a:extLst>
               <a:ext uri="{91240B29-F687-4f45-9708-019B960494DF}">
-                <a14:hiddenLine xmlns:a14="http://schemas.microsoft.com/office/drawing/2010/main" xmlns="" w="9525">
+                <a14:hiddenLine xmlns="" xmlns:a14="http://schemas.microsoft.com/office/drawing/2010/main" w="9525">
                   <a:solidFill>
                     <a:srgbClr val="000000"/>
                   </a:solidFill>
@@ -1158,7 +1168,7 @@
             </a:ln>
             <a:extLst>
               <a:ext uri="{91240B29-F687-4f45-9708-019B960494DF}">
-                <a14:hiddenLine xmlns:a14="http://schemas.microsoft.com/office/drawing/2010/main" xmlns="" w="9525">
+                <a14:hiddenLine xmlns="" xmlns:a14="http://schemas.microsoft.com/office/drawing/2010/main" w="9525">
                   <a:solidFill>
                     <a:srgbClr val="000000"/>
                   </a:solidFill>
@@ -1220,7 +1230,7 @@
             </a:ln>
             <a:extLst>
               <a:ext uri="{91240B29-F687-4f45-9708-019B960494DF}">
-                <a14:hiddenLine xmlns:a14="http://schemas.microsoft.com/office/drawing/2010/main" xmlns="" w="9525">
+                <a14:hiddenLine xmlns="" xmlns:a14="http://schemas.microsoft.com/office/drawing/2010/main" w="9525">
                   <a:solidFill>
                     <a:srgbClr val="000000"/>
                   </a:solidFill>
@@ -1310,7 +1320,7 @@
             </a:ln>
             <a:extLst>
               <a:ext uri="{91240B29-F687-4f45-9708-019B960494DF}">
-                <a14:hiddenLine xmlns:a14="http://schemas.microsoft.com/office/drawing/2010/main" xmlns="" w="9525">
+                <a14:hiddenLine xmlns="" xmlns:a14="http://schemas.microsoft.com/office/drawing/2010/main" w="9525">
                   <a:solidFill>
                     <a:srgbClr val="000000"/>
                   </a:solidFill>
@@ -1372,7 +1382,7 @@
             </a:ln>
             <a:extLst>
               <a:ext uri="{91240B29-F687-4f45-9708-019B960494DF}">
-                <a14:hiddenLine xmlns:a14="http://schemas.microsoft.com/office/drawing/2010/main" xmlns="" w="9525">
+                <a14:hiddenLine xmlns="" xmlns:a14="http://schemas.microsoft.com/office/drawing/2010/main" w="9525">
                   <a:solidFill>
                     <a:srgbClr val="000000"/>
                   </a:solidFill>
@@ -1434,7 +1444,7 @@
             </a:ln>
             <a:extLst>
               <a:ext uri="{91240B29-F687-4f45-9708-019B960494DF}">
-                <a14:hiddenLine xmlns:a14="http://schemas.microsoft.com/office/drawing/2010/main" xmlns="" w="9525">
+                <a14:hiddenLine xmlns="" xmlns:a14="http://schemas.microsoft.com/office/drawing/2010/main" w="9525">
                   <a:solidFill>
                     <a:srgbClr val="000000"/>
                   </a:solidFill>
@@ -1524,7 +1534,7 @@
             </a:ln>
             <a:extLst>
               <a:ext uri="{91240B29-F687-4f45-9708-019B960494DF}">
-                <a14:hiddenLine xmlns:a14="http://schemas.microsoft.com/office/drawing/2010/main" xmlns="" w="9525">
+                <a14:hiddenLine xmlns="" xmlns:a14="http://schemas.microsoft.com/office/drawing/2010/main" w="9525">
                   <a:solidFill>
                     <a:srgbClr val="000000"/>
                   </a:solidFill>
@@ -1614,7 +1624,7 @@
             </a:ln>
             <a:extLst>
               <a:ext uri="{91240B29-F687-4f45-9708-019B960494DF}">
-                <a14:hiddenLine xmlns:a14="http://schemas.microsoft.com/office/drawing/2010/main" xmlns="" w="9525">
+                <a14:hiddenLine xmlns="" xmlns:a14="http://schemas.microsoft.com/office/drawing/2010/main" w="9525">
                   <a:solidFill>
                     <a:srgbClr val="000000"/>
                   </a:solidFill>
@@ -1676,7 +1686,7 @@
             </a:ln>
             <a:extLst>
               <a:ext uri="{91240B29-F687-4f45-9708-019B960494DF}">
-                <a14:hiddenLine xmlns:a14="http://schemas.microsoft.com/office/drawing/2010/main" xmlns="" w="9525">
+                <a14:hiddenLine xmlns="" xmlns:a14="http://schemas.microsoft.com/office/drawing/2010/main" w="9525">
                   <a:solidFill>
                     <a:srgbClr val="000000"/>
                   </a:solidFill>
@@ -1786,7 +1796,7 @@
             </a:ln>
             <a:extLst>
               <a:ext uri="{91240B29-F687-4f45-9708-019B960494DF}">
-                <a14:hiddenLine xmlns:a14="http://schemas.microsoft.com/office/drawing/2010/main" xmlns="" w="9525">
+                <a14:hiddenLine xmlns="" xmlns:a14="http://schemas.microsoft.com/office/drawing/2010/main" w="9525">
                   <a:solidFill>
                     <a:srgbClr val="000000"/>
                   </a:solidFill>
@@ -1848,7 +1858,7 @@
             </a:ln>
             <a:extLst>
               <a:ext uri="{91240B29-F687-4f45-9708-019B960494DF}">
-                <a14:hiddenLine xmlns:a14="http://schemas.microsoft.com/office/drawing/2010/main" xmlns="" w="9525">
+                <a14:hiddenLine xmlns="" xmlns:a14="http://schemas.microsoft.com/office/drawing/2010/main" w="9525">
                   <a:solidFill>
                     <a:srgbClr val="000000"/>
                   </a:solidFill>
@@ -1938,7 +1948,7 @@
             </a:ln>
             <a:extLst>
               <a:ext uri="{91240B29-F687-4f45-9708-019B960494DF}">
-                <a14:hiddenLine xmlns:a14="http://schemas.microsoft.com/office/drawing/2010/main" xmlns="" w="9525">
+                <a14:hiddenLine xmlns="" xmlns:a14="http://schemas.microsoft.com/office/drawing/2010/main" w="9525">
                   <a:solidFill>
                     <a:srgbClr val="000000"/>
                   </a:solidFill>
@@ -2028,7 +2038,7 @@
             </a:ln>
             <a:extLst>
               <a:ext uri="{91240B29-F687-4f45-9708-019B960494DF}">
-                <a14:hiddenLine xmlns:a14="http://schemas.microsoft.com/office/drawing/2010/main" xmlns="" w="9525">
+                <a14:hiddenLine xmlns="" xmlns:a14="http://schemas.microsoft.com/office/drawing/2010/main" w="9525">
                   <a:solidFill>
                     <a:srgbClr val="000000"/>
                   </a:solidFill>
@@ -2090,7 +2100,7 @@
             </a:ln>
             <a:extLst>
               <a:ext uri="{91240B29-F687-4f45-9708-019B960494DF}">
-                <a14:hiddenLine xmlns:a14="http://schemas.microsoft.com/office/drawing/2010/main" xmlns="" w="9525">
+                <a14:hiddenLine xmlns="" xmlns:a14="http://schemas.microsoft.com/office/drawing/2010/main" w="9525">
                   <a:solidFill>
                     <a:srgbClr val="000000"/>
                   </a:solidFill>
@@ -2180,7 +2190,7 @@
             </a:ln>
             <a:extLst>
               <a:ext uri="{91240B29-F687-4f45-9708-019B960494DF}">
-                <a14:hiddenLine xmlns:a14="http://schemas.microsoft.com/office/drawing/2010/main" xmlns="" w="9525">
+                <a14:hiddenLine xmlns="" xmlns:a14="http://schemas.microsoft.com/office/drawing/2010/main" w="9525">
                   <a:solidFill>
                     <a:srgbClr val="000000"/>
                   </a:solidFill>
@@ -2270,7 +2280,7 @@
             </a:ln>
             <a:extLst>
               <a:ext uri="{91240B29-F687-4f45-9708-019B960494DF}">
-                <a14:hiddenLine xmlns:a14="http://schemas.microsoft.com/office/drawing/2010/main" xmlns="" w="9525">
+                <a14:hiddenLine xmlns="" xmlns:a14="http://schemas.microsoft.com/office/drawing/2010/main" w="9525">
                   <a:solidFill>
                     <a:srgbClr val="000000"/>
                   </a:solidFill>
@@ -2326,7 +2336,7 @@
             </a:ln>
             <a:extLst>
               <a:ext uri="{91240B29-F687-4f45-9708-019B960494DF}">
-                <a14:hiddenLine xmlns:a14="http://schemas.microsoft.com/office/drawing/2010/main" xmlns="" w="9525">
+                <a14:hiddenLine xmlns="" xmlns:a14="http://schemas.microsoft.com/office/drawing/2010/main" w="9525">
                   <a:solidFill>
                     <a:srgbClr val="000000"/>
                   </a:solidFill>
@@ -2416,7 +2426,7 @@
             </a:ln>
             <a:extLst>
               <a:ext uri="{91240B29-F687-4f45-9708-019B960494DF}">
-                <a14:hiddenLine xmlns:a14="http://schemas.microsoft.com/office/drawing/2010/main" xmlns="" w="9525">
+                <a14:hiddenLine xmlns="" xmlns:a14="http://schemas.microsoft.com/office/drawing/2010/main" w="9525">
                   <a:solidFill>
                     <a:srgbClr val="000000"/>
                   </a:solidFill>
@@ -2472,7 +2482,7 @@
             </a:ln>
             <a:extLst>
               <a:ext uri="{91240B29-F687-4f45-9708-019B960494DF}">
-                <a14:hiddenLine xmlns:a14="http://schemas.microsoft.com/office/drawing/2010/main" xmlns="" w="9525">
+                <a14:hiddenLine xmlns="" xmlns:a14="http://schemas.microsoft.com/office/drawing/2010/main" w="9525">
                   <a:solidFill>
                     <a:srgbClr val="000000"/>
                   </a:solidFill>
@@ -2562,7 +2572,7 @@
             </a:ln>
             <a:extLst>
               <a:ext uri="{91240B29-F687-4f45-9708-019B960494DF}">
-                <a14:hiddenLine xmlns:a14="http://schemas.microsoft.com/office/drawing/2010/main" xmlns="" w="9525">
+                <a14:hiddenLine xmlns="" xmlns:a14="http://schemas.microsoft.com/office/drawing/2010/main" w="9525">
                   <a:solidFill>
                     <a:srgbClr val="000000"/>
                   </a:solidFill>
@@ -2630,7 +2640,7 @@
             </a:ln>
             <a:extLst>
               <a:ext uri="{91240B29-F687-4f45-9708-019B960494DF}">
-                <a14:hiddenLine xmlns:a14="http://schemas.microsoft.com/office/drawing/2010/main" xmlns="" w="9525">
+                <a14:hiddenLine xmlns="" xmlns:a14="http://schemas.microsoft.com/office/drawing/2010/main" w="9525">
                   <a:solidFill>
                     <a:srgbClr val="000000"/>
                   </a:solidFill>
@@ -2720,7 +2730,7 @@
             </a:ln>
             <a:extLst>
               <a:ext uri="{91240B29-F687-4f45-9708-019B960494DF}">
-                <a14:hiddenLine xmlns:a14="http://schemas.microsoft.com/office/drawing/2010/main" xmlns="" w="9525">
+                <a14:hiddenLine xmlns="" xmlns:a14="http://schemas.microsoft.com/office/drawing/2010/main" w="9525">
                   <a:solidFill>
                     <a:srgbClr val="000000"/>
                   </a:solidFill>
@@ -2788,7 +2798,7 @@
             </a:ln>
             <a:extLst>
               <a:ext uri="{91240B29-F687-4f45-9708-019B960494DF}">
-                <a14:hiddenLine xmlns:a14="http://schemas.microsoft.com/office/drawing/2010/main" xmlns="" w="9525">
+                <a14:hiddenLine xmlns="" xmlns:a14="http://schemas.microsoft.com/office/drawing/2010/main" w="9525">
                   <a:solidFill>
                     <a:srgbClr val="000000"/>
                   </a:solidFill>
@@ -2878,7 +2888,7 @@
             </a:ln>
             <a:extLst>
               <a:ext uri="{91240B29-F687-4f45-9708-019B960494DF}">
-                <a14:hiddenLine xmlns:a14="http://schemas.microsoft.com/office/drawing/2010/main" xmlns="" w="9525">
+                <a14:hiddenLine xmlns="" xmlns:a14="http://schemas.microsoft.com/office/drawing/2010/main" w="9525">
                   <a:solidFill>
                     <a:srgbClr val="000000"/>
                   </a:solidFill>
@@ -2912,7 +2922,7 @@
             </a:ln>
             <a:extLst>
               <a:ext uri="{91240B29-F687-4f45-9708-019B960494DF}">
-                <a14:hiddenLine xmlns:a14="http://schemas.microsoft.com/office/drawing/2010/main" xmlns="" w="9525">
+                <a14:hiddenLine xmlns="" xmlns:a14="http://schemas.microsoft.com/office/drawing/2010/main" w="9525">
                   <a:solidFill>
                     <a:srgbClr val="000000"/>
                   </a:solidFill>
@@ -3002,7 +3012,7 @@
             </a:ln>
             <a:extLst>
               <a:ext uri="{91240B29-F687-4f45-9708-019B960494DF}">
-                <a14:hiddenLine xmlns:a14="http://schemas.microsoft.com/office/drawing/2010/main" xmlns="" w="9525">
+                <a14:hiddenLine xmlns="" xmlns:a14="http://schemas.microsoft.com/office/drawing/2010/main" w="9525">
                   <a:solidFill>
                     <a:srgbClr val="000000"/>
                   </a:solidFill>
@@ -3064,7 +3074,7 @@
             </a:ln>
             <a:extLst>
               <a:ext uri="{91240B29-F687-4f45-9708-019B960494DF}">
-                <a14:hiddenLine xmlns:a14="http://schemas.microsoft.com/office/drawing/2010/main" xmlns="" w="9525">
+                <a14:hiddenLine xmlns="" xmlns:a14="http://schemas.microsoft.com/office/drawing/2010/main" w="9525">
                   <a:solidFill>
                     <a:srgbClr val="000000"/>
                   </a:solidFill>
@@ -3126,7 +3136,7 @@
             </a:ln>
             <a:extLst>
               <a:ext uri="{91240B29-F687-4f45-9708-019B960494DF}">
-                <a14:hiddenLine xmlns:a14="http://schemas.microsoft.com/office/drawing/2010/main" xmlns="" w="9525">
+                <a14:hiddenLine xmlns="" xmlns:a14="http://schemas.microsoft.com/office/drawing/2010/main" w="9525">
                   <a:solidFill>
                     <a:srgbClr val="000000"/>
                   </a:solidFill>
@@ -3216,7 +3226,7 @@
             </a:ln>
             <a:extLst>
               <a:ext uri="{91240B29-F687-4f45-9708-019B960494DF}">
-                <a14:hiddenLine xmlns:a14="http://schemas.microsoft.com/office/drawing/2010/main" xmlns="" w="9525">
+                <a14:hiddenLine xmlns="" xmlns:a14="http://schemas.microsoft.com/office/drawing/2010/main" w="9525">
                   <a:solidFill>
                     <a:srgbClr val="000000"/>
                   </a:solidFill>
@@ -3284,7 +3294,7 @@
             </a:ln>
             <a:extLst>
               <a:ext uri="{91240B29-F687-4f45-9708-019B960494DF}">
-                <a14:hiddenLine xmlns:a14="http://schemas.microsoft.com/office/drawing/2010/main" xmlns="" w="9525">
+                <a14:hiddenLine xmlns="" xmlns:a14="http://schemas.microsoft.com/office/drawing/2010/main" w="9525">
                   <a:solidFill>
                     <a:srgbClr val="000000"/>
                   </a:solidFill>
@@ -3346,7 +3356,7 @@
             </a:ln>
             <a:extLst>
               <a:ext uri="{91240B29-F687-4f45-9708-019B960494DF}">
-                <a14:hiddenLine xmlns:a14="http://schemas.microsoft.com/office/drawing/2010/main" xmlns="" w="9525">
+                <a14:hiddenLine xmlns="" xmlns:a14="http://schemas.microsoft.com/office/drawing/2010/main" w="9525">
                   <a:solidFill>
                     <a:srgbClr val="000000"/>
                   </a:solidFill>
@@ -3436,7 +3446,7 @@
             </a:ln>
             <a:extLst>
               <a:ext uri="{91240B29-F687-4f45-9708-019B960494DF}">
-                <a14:hiddenLine xmlns:a14="http://schemas.microsoft.com/office/drawing/2010/main" xmlns="" w="9525">
+                <a14:hiddenLine xmlns="" xmlns:a14="http://schemas.microsoft.com/office/drawing/2010/main" w="9525">
                   <a:solidFill>
                     <a:srgbClr val="000000"/>
                   </a:solidFill>
@@ -3498,7 +3508,7 @@
             </a:ln>
             <a:extLst>
               <a:ext uri="{91240B29-F687-4f45-9708-019B960494DF}">
-                <a14:hiddenLine xmlns:a14="http://schemas.microsoft.com/office/drawing/2010/main" xmlns="" w="9525">
+                <a14:hiddenLine xmlns="" xmlns:a14="http://schemas.microsoft.com/office/drawing/2010/main" w="9525">
                   <a:solidFill>
                     <a:srgbClr val="000000"/>
                   </a:solidFill>
@@ -3588,7 +3598,7 @@
             </a:ln>
             <a:extLst>
               <a:ext uri="{91240B29-F687-4f45-9708-019B960494DF}">
-                <a14:hiddenLine xmlns:a14="http://schemas.microsoft.com/office/drawing/2010/main" xmlns="" w="9525">
+                <a14:hiddenLine xmlns="" xmlns:a14="http://schemas.microsoft.com/office/drawing/2010/main" w="9525">
                   <a:solidFill>
                     <a:srgbClr val="000000"/>
                   </a:solidFill>
@@ -3650,7 +3660,7 @@
             </a:ln>
             <a:extLst>
               <a:ext uri="{91240B29-F687-4f45-9708-019B960494DF}">
-                <a14:hiddenLine xmlns:a14="http://schemas.microsoft.com/office/drawing/2010/main" xmlns="" w="9525">
+                <a14:hiddenLine xmlns="" xmlns:a14="http://schemas.microsoft.com/office/drawing/2010/main" w="9525">
                   <a:solidFill>
                     <a:srgbClr val="000000"/>
                   </a:solidFill>
@@ -3740,7 +3750,7 @@
             </a:ln>
             <a:extLst>
               <a:ext uri="{91240B29-F687-4f45-9708-019B960494DF}">
-                <a14:hiddenLine xmlns:a14="http://schemas.microsoft.com/office/drawing/2010/main" xmlns="" w="9525">
+                <a14:hiddenLine xmlns="" xmlns:a14="http://schemas.microsoft.com/office/drawing/2010/main" w="9525">
                   <a:solidFill>
                     <a:srgbClr val="000000"/>
                   </a:solidFill>
@@ -3774,7 +3784,7 @@
             </a:ln>
             <a:extLst>
               <a:ext uri="{91240B29-F687-4f45-9708-019B960494DF}">
-                <a14:hiddenLine xmlns:a14="http://schemas.microsoft.com/office/drawing/2010/main" xmlns="" w="9525">
+                <a14:hiddenLine xmlns="" xmlns:a14="http://schemas.microsoft.com/office/drawing/2010/main" w="9525">
                   <a:solidFill>
                     <a:srgbClr val="000000"/>
                   </a:solidFill>
@@ -3839,7 +3849,7 @@
             </a:ln>
             <a:extLst>
               <a:ext uri="{91240B29-F687-4f45-9708-019B960494DF}">
-                <a14:hiddenLine xmlns:a14="http://schemas.microsoft.com/office/drawing/2010/main" xmlns="" w="9525">
+                <a14:hiddenLine xmlns="" xmlns:a14="http://schemas.microsoft.com/office/drawing/2010/main" w="9525">
                   <a:solidFill>
                     <a:srgbClr val="000000"/>
                   </a:solidFill>
@@ -3929,7 +3939,7 @@
             </a:ln>
             <a:extLst>
               <a:ext uri="{91240B29-F687-4f45-9708-019B960494DF}">
-                <a14:hiddenLine xmlns:a14="http://schemas.microsoft.com/office/drawing/2010/main" xmlns="" w="9525">
+                <a14:hiddenLine xmlns="" xmlns:a14="http://schemas.microsoft.com/office/drawing/2010/main" w="9525">
                   <a:solidFill>
                     <a:srgbClr val="000000"/>
                   </a:solidFill>
@@ -3991,7 +4001,7 @@
             </a:ln>
             <a:extLst>
               <a:ext uri="{91240B29-F687-4f45-9708-019B960494DF}">
-                <a14:hiddenLine xmlns:a14="http://schemas.microsoft.com/office/drawing/2010/main" xmlns="" w="9525">
+                <a14:hiddenLine xmlns="" xmlns:a14="http://schemas.microsoft.com/office/drawing/2010/main" w="9525">
                   <a:solidFill>
                     <a:srgbClr val="000000"/>
                   </a:solidFill>
@@ -4081,7 +4091,7 @@
             </a:ln>
             <a:extLst>
               <a:ext uri="{91240B29-F687-4f45-9708-019B960494DF}">
-                <a14:hiddenLine xmlns:a14="http://schemas.microsoft.com/office/drawing/2010/main" xmlns="" w="9525">
+                <a14:hiddenLine xmlns="" xmlns:a14="http://schemas.microsoft.com/office/drawing/2010/main" w="9525">
                   <a:solidFill>
                     <a:srgbClr val="000000"/>
                   </a:solidFill>
@@ -4171,7 +4181,7 @@
             </a:ln>
             <a:extLst>
               <a:ext uri="{91240B29-F687-4f45-9708-019B960494DF}">
-                <a14:hiddenLine xmlns:a14="http://schemas.microsoft.com/office/drawing/2010/main" xmlns="" w="9525">
+                <a14:hiddenLine xmlns="" xmlns:a14="http://schemas.microsoft.com/office/drawing/2010/main" w="9525">
                   <a:solidFill>
                     <a:srgbClr val="000000"/>
                   </a:solidFill>
@@ -4236,7 +4246,7 @@
             </a:ln>
             <a:extLst>
               <a:ext uri="{91240B29-F687-4f45-9708-019B960494DF}">
-                <a14:hiddenLine xmlns:a14="http://schemas.microsoft.com/office/drawing/2010/main" xmlns="" w="9525">
+                <a14:hiddenLine xmlns="" xmlns:a14="http://schemas.microsoft.com/office/drawing/2010/main" w="9525">
                   <a:solidFill>
                     <a:srgbClr val="000000"/>
                   </a:solidFill>
@@ -4298,7 +4308,7 @@
             </a:ln>
             <a:extLst>
               <a:ext uri="{91240B29-F687-4f45-9708-019B960494DF}">
-                <a14:hiddenLine xmlns:a14="http://schemas.microsoft.com/office/drawing/2010/main" xmlns="" w="9525">
+                <a14:hiddenLine xmlns="" xmlns:a14="http://schemas.microsoft.com/office/drawing/2010/main" w="9525">
                   <a:solidFill>
                     <a:srgbClr val="000000"/>
                   </a:solidFill>
@@ -4388,7 +4398,7 @@
             </a:ln>
             <a:extLst>
               <a:ext uri="{91240B29-F687-4f45-9708-019B960494DF}">
-                <a14:hiddenLine xmlns:a14="http://schemas.microsoft.com/office/drawing/2010/main" xmlns="" w="9525">
+                <a14:hiddenLine xmlns="" xmlns:a14="http://schemas.microsoft.com/office/drawing/2010/main" w="9525">
                   <a:solidFill>
                     <a:srgbClr val="000000"/>
                   </a:solidFill>
@@ -4478,7 +4488,7 @@
             </a:ln>
             <a:extLst>
               <a:ext uri="{91240B29-F687-4f45-9708-019B960494DF}">
-                <a14:hiddenLine xmlns:a14="http://schemas.microsoft.com/office/drawing/2010/main" xmlns="" w="9525">
+                <a14:hiddenLine xmlns="" xmlns:a14="http://schemas.microsoft.com/office/drawing/2010/main" w="9525">
                   <a:solidFill>
                     <a:srgbClr val="000000"/>
                   </a:solidFill>
@@ -4540,7 +4550,7 @@
             </a:ln>
             <a:extLst>
               <a:ext uri="{91240B29-F687-4f45-9708-019B960494DF}">
-                <a14:hiddenLine xmlns:a14="http://schemas.microsoft.com/office/drawing/2010/main" xmlns="" w="9525">
+                <a14:hiddenLine xmlns="" xmlns:a14="http://schemas.microsoft.com/office/drawing/2010/main" w="9525">
                   <a:solidFill>
                     <a:srgbClr val="000000"/>
                   </a:solidFill>
@@ -4660,7 +4670,7 @@
             </a:ln>
             <a:extLst>
               <a:ext uri="{91240B29-F687-4f45-9708-019B960494DF}">
-                <a14:hiddenLine xmlns:a14="http://schemas.microsoft.com/office/drawing/2010/main" xmlns="" w="9525">
+                <a14:hiddenLine xmlns="" xmlns:a14="http://schemas.microsoft.com/office/drawing/2010/main" w="9525">
                   <a:solidFill>
                     <a:srgbClr val="000000"/>
                   </a:solidFill>
@@ -4728,7 +4738,7 @@
             </a:ln>
             <a:extLst>
               <a:ext uri="{91240B29-F687-4f45-9708-019B960494DF}">
-                <a14:hiddenLine xmlns:a14="http://schemas.microsoft.com/office/drawing/2010/main" xmlns="" w="9525">
+                <a14:hiddenLine xmlns="" xmlns:a14="http://schemas.microsoft.com/office/drawing/2010/main" w="9525">
                   <a:solidFill>
                     <a:srgbClr val="000000"/>
                   </a:solidFill>
@@ -4818,7 +4828,7 @@
             </a:ln>
             <a:extLst>
               <a:ext uri="{91240B29-F687-4f45-9708-019B960494DF}">
-                <a14:hiddenLine xmlns:a14="http://schemas.microsoft.com/office/drawing/2010/main" xmlns="" w="9525">
+                <a14:hiddenLine xmlns="" xmlns:a14="http://schemas.microsoft.com/office/drawing/2010/main" w="9525">
                   <a:solidFill>
                     <a:srgbClr val="000000"/>
                   </a:solidFill>
@@ -4958,7 +4968,7 @@
           <a:p>
             <a:fld id="{F34B6E3E-06F4-4326-ABDB-61EE022A2F5F}" type="datetimeFigureOut">
               <a:rPr lang="en-US" smtClean="0"/>
-              <a:t>3/31/2021</a:t>
+              <a:t>4/6/2021</a:t>
             </a:fld>
             <a:endParaRPr lang="en-US"/>
           </a:p>
@@ -5225,7 +5235,7 @@
           <a:p>
             <a:fld id="{F34B6E3E-06F4-4326-ABDB-61EE022A2F5F}" type="datetimeFigureOut">
               <a:rPr lang="en-US" smtClean="0"/>
-              <a:t>3/31/2021</a:t>
+              <a:t>4/6/2021</a:t>
             </a:fld>
             <a:endParaRPr lang="en-US"/>
           </a:p>
@@ -5421,7 +5431,7 @@
           <a:p>
             <a:fld id="{F34B6E3E-06F4-4326-ABDB-61EE022A2F5F}" type="datetimeFigureOut">
               <a:rPr lang="en-US" smtClean="0"/>
-              <a:t>3/31/2021</a:t>
+              <a:t>4/6/2021</a:t>
             </a:fld>
             <a:endParaRPr lang="en-US"/>
           </a:p>
@@ -5684,7 +5694,7 @@
           <a:p>
             <a:fld id="{F34B6E3E-06F4-4326-ABDB-61EE022A2F5F}" type="datetimeFigureOut">
               <a:rPr lang="en-US" smtClean="0"/>
-              <a:t>3/31/2021</a:t>
+              <a:t>4/6/2021</a:t>
             </a:fld>
             <a:endParaRPr lang="en-US"/>
           </a:p>
@@ -6118,7 +6128,7 @@
           <a:p>
             <a:fld id="{F34B6E3E-06F4-4326-ABDB-61EE022A2F5F}" type="datetimeFigureOut">
               <a:rPr lang="en-US" smtClean="0"/>
-              <a:t>3/31/2021</a:t>
+              <a:t>4/6/2021</a:t>
             </a:fld>
             <a:endParaRPr lang="en-US"/>
           </a:p>
@@ -6664,7 +6674,7 @@
           <a:p>
             <a:fld id="{F34B6E3E-06F4-4326-ABDB-61EE022A2F5F}" type="datetimeFigureOut">
               <a:rPr lang="en-US" smtClean="0"/>
-              <a:t>3/31/2021</a:t>
+              <a:t>4/6/2021</a:t>
             </a:fld>
             <a:endParaRPr lang="en-US"/>
           </a:p>
@@ -7384,7 +7394,7 @@
           <a:p>
             <a:fld id="{F34B6E3E-06F4-4326-ABDB-61EE022A2F5F}" type="datetimeFigureOut">
               <a:rPr lang="en-US" smtClean="0"/>
-              <a:t>3/31/2021</a:t>
+              <a:t>4/6/2021</a:t>
             </a:fld>
             <a:endParaRPr lang="en-US"/>
           </a:p>
@@ -7554,7 +7564,7 @@
           <a:p>
             <a:fld id="{F34B6E3E-06F4-4326-ABDB-61EE022A2F5F}" type="datetimeFigureOut">
               <a:rPr lang="en-US" smtClean="0"/>
-              <a:t>3/31/2021</a:t>
+              <a:t>4/6/2021</a:t>
             </a:fld>
             <a:endParaRPr lang="en-US"/>
           </a:p>
@@ -7734,7 +7744,7 @@
           <a:p>
             <a:fld id="{F34B6E3E-06F4-4326-ABDB-61EE022A2F5F}" type="datetimeFigureOut">
               <a:rPr lang="en-US" smtClean="0"/>
-              <a:t>3/31/2021</a:t>
+              <a:t>4/6/2021</a:t>
             </a:fld>
             <a:endParaRPr lang="en-US"/>
           </a:p>
@@ -8402,7 +8412,7 @@
           <a:p>
             <a:fld id="{F34B6E3E-06F4-4326-ABDB-61EE022A2F5F}" type="datetimeFigureOut">
               <a:rPr lang="en-US" smtClean="0"/>
-              <a:t>3/31/2021</a:t>
+              <a:t>4/6/2021</a:t>
             </a:fld>
             <a:endParaRPr lang="en-US"/>
           </a:p>
@@ -8652,7 +8662,7 @@
           <a:p>
             <a:fld id="{F34B6E3E-06F4-4326-ABDB-61EE022A2F5F}" type="datetimeFigureOut">
               <a:rPr lang="en-US" smtClean="0"/>
-              <a:t>3/31/2021</a:t>
+              <a:t>4/6/2021</a:t>
             </a:fld>
             <a:endParaRPr lang="en-US"/>
           </a:p>
@@ -8884,7 +8894,7 @@
           <a:p>
             <a:fld id="{F34B6E3E-06F4-4326-ABDB-61EE022A2F5F}" type="datetimeFigureOut">
               <a:rPr lang="en-US" smtClean="0"/>
-              <a:t>3/31/2021</a:t>
+              <a:t>4/6/2021</a:t>
             </a:fld>
             <a:endParaRPr lang="en-US"/>
           </a:p>
@@ -9265,7 +9275,7 @@
           <a:p>
             <a:fld id="{F34B6E3E-06F4-4326-ABDB-61EE022A2F5F}" type="datetimeFigureOut">
               <a:rPr lang="en-US" smtClean="0"/>
-              <a:t>3/31/2021</a:t>
+              <a:t>4/6/2021</a:t>
             </a:fld>
             <a:endParaRPr lang="en-US"/>
           </a:p>
@@ -9383,7 +9393,7 @@
           <a:p>
             <a:fld id="{F34B6E3E-06F4-4326-ABDB-61EE022A2F5F}" type="datetimeFigureOut">
               <a:rPr lang="en-US" smtClean="0"/>
-              <a:t>3/31/2021</a:t>
+              <a:t>4/6/2021</a:t>
             </a:fld>
             <a:endParaRPr lang="en-US"/>
           </a:p>
@@ -9478,7 +9488,7 @@
           <a:p>
             <a:fld id="{F34B6E3E-06F4-4326-ABDB-61EE022A2F5F}" type="datetimeFigureOut">
               <a:rPr lang="en-US" smtClean="0"/>
-              <a:t>3/31/2021</a:t>
+              <a:t>4/6/2021</a:t>
             </a:fld>
             <a:endParaRPr lang="en-US"/>
           </a:p>
@@ -9727,7 +9737,7 @@
           <a:p>
             <a:fld id="{F34B6E3E-06F4-4326-ABDB-61EE022A2F5F}" type="datetimeFigureOut">
               <a:rPr lang="en-US" smtClean="0"/>
-              <a:t>3/31/2021</a:t>
+              <a:t>4/6/2021</a:t>
             </a:fld>
             <a:endParaRPr lang="en-US"/>
           </a:p>
@@ -10007,7 +10017,7 @@
           <a:p>
             <a:fld id="{F34B6E3E-06F4-4326-ABDB-61EE022A2F5F}" type="datetimeFigureOut">
               <a:rPr lang="en-US" smtClean="0"/>
-              <a:t>3/31/2021</a:t>
+              <a:t>4/6/2021</a:t>
             </a:fld>
             <a:endParaRPr lang="en-US"/>
           </a:p>
@@ -10123,7 +10133,7 @@
           <a:noFill/>
           <a:extLst>
             <a:ext uri="{909E8E84-426E-40dd-AFC4-6F175D3DCCD1}">
-              <a14:hiddenFill xmlns:a14="http://schemas.microsoft.com/office/drawing/2010/main" xmlns="">
+              <a14:hiddenFill xmlns="" xmlns:a14="http://schemas.microsoft.com/office/drawing/2010/main">
                 <a:solidFill>
                   <a:srgbClr val="FFFFFF"/>
                 </a:solidFill>
@@ -10197,7 +10207,7 @@
               </a:ln>
               <a:extLst>
                 <a:ext uri="{91240B29-F687-4f45-9708-019B960494DF}">
-                  <a14:hiddenLine xmlns:a14="http://schemas.microsoft.com/office/drawing/2010/main" xmlns="" w="9525">
+                  <a14:hiddenLine xmlns="" xmlns:a14="http://schemas.microsoft.com/office/drawing/2010/main" w="9525">
                     <a:solidFill>
                       <a:srgbClr val="000000"/>
                     </a:solidFill>
@@ -10287,7 +10297,7 @@
               </a:ln>
               <a:extLst>
                 <a:ext uri="{91240B29-F687-4f45-9708-019B960494DF}">
-                  <a14:hiddenLine xmlns:a14="http://schemas.microsoft.com/office/drawing/2010/main" xmlns="" w="9525">
+                  <a14:hiddenLine xmlns="" xmlns:a14="http://schemas.microsoft.com/office/drawing/2010/main" w="9525">
                     <a:solidFill>
                       <a:srgbClr val="000000"/>
                     </a:solidFill>
@@ -10377,7 +10387,7 @@
               </a:ln>
               <a:extLst>
                 <a:ext uri="{91240B29-F687-4f45-9708-019B960494DF}">
-                  <a14:hiddenLine xmlns:a14="http://schemas.microsoft.com/office/drawing/2010/main" xmlns="" w="9525">
+                  <a14:hiddenLine xmlns="" xmlns:a14="http://schemas.microsoft.com/office/drawing/2010/main" w="9525">
                     <a:solidFill>
                       <a:srgbClr val="000000"/>
                     </a:solidFill>
@@ -10439,7 +10449,7 @@
               </a:ln>
               <a:extLst>
                 <a:ext uri="{91240B29-F687-4f45-9708-019B960494DF}">
-                  <a14:hiddenLine xmlns:a14="http://schemas.microsoft.com/office/drawing/2010/main" xmlns="" w="9525">
+                  <a14:hiddenLine xmlns="" xmlns:a14="http://schemas.microsoft.com/office/drawing/2010/main" w="9525">
                     <a:solidFill>
                       <a:srgbClr val="000000"/>
                     </a:solidFill>
@@ -10529,7 +10539,7 @@
               </a:ln>
               <a:extLst>
                 <a:ext uri="{91240B29-F687-4f45-9708-019B960494DF}">
-                  <a14:hiddenLine xmlns:a14="http://schemas.microsoft.com/office/drawing/2010/main" xmlns="" w="9525">
+                  <a14:hiddenLine xmlns="" xmlns:a14="http://schemas.microsoft.com/office/drawing/2010/main" w="9525">
                     <a:solidFill>
                       <a:srgbClr val="000000"/>
                     </a:solidFill>
@@ -10591,7 +10601,7 @@
               </a:ln>
               <a:extLst>
                 <a:ext uri="{91240B29-F687-4f45-9708-019B960494DF}">
-                  <a14:hiddenLine xmlns:a14="http://schemas.microsoft.com/office/drawing/2010/main" xmlns="" w="9525">
+                  <a14:hiddenLine xmlns="" xmlns:a14="http://schemas.microsoft.com/office/drawing/2010/main" w="9525">
                     <a:solidFill>
                       <a:srgbClr val="000000"/>
                     </a:solidFill>
@@ -10653,7 +10663,7 @@
               </a:ln>
               <a:extLst>
                 <a:ext uri="{91240B29-F687-4f45-9708-019B960494DF}">
-                  <a14:hiddenLine xmlns:a14="http://schemas.microsoft.com/office/drawing/2010/main" xmlns="" w="9525">
+                  <a14:hiddenLine xmlns="" xmlns:a14="http://schemas.microsoft.com/office/drawing/2010/main" w="9525">
                     <a:solidFill>
                       <a:srgbClr val="000000"/>
                     </a:solidFill>
@@ -10743,7 +10753,7 @@
               </a:ln>
               <a:extLst>
                 <a:ext uri="{91240B29-F687-4f45-9708-019B960494DF}">
-                  <a14:hiddenLine xmlns:a14="http://schemas.microsoft.com/office/drawing/2010/main" xmlns="" w="9525">
+                  <a14:hiddenLine xmlns="" xmlns:a14="http://schemas.microsoft.com/office/drawing/2010/main" w="9525">
                     <a:solidFill>
                       <a:srgbClr val="000000"/>
                     </a:solidFill>
@@ -10833,7 +10843,7 @@
               </a:ln>
               <a:extLst>
                 <a:ext uri="{91240B29-F687-4f45-9708-019B960494DF}">
-                  <a14:hiddenLine xmlns:a14="http://schemas.microsoft.com/office/drawing/2010/main" xmlns="" w="9525">
+                  <a14:hiddenLine xmlns="" xmlns:a14="http://schemas.microsoft.com/office/drawing/2010/main" w="9525">
                     <a:solidFill>
                       <a:srgbClr val="000000"/>
                     </a:solidFill>
@@ -10895,7 +10905,7 @@
               </a:ln>
               <a:extLst>
                 <a:ext uri="{91240B29-F687-4f45-9708-019B960494DF}">
-                  <a14:hiddenLine xmlns:a14="http://schemas.microsoft.com/office/drawing/2010/main" xmlns="" w="9525">
+                  <a14:hiddenLine xmlns="" xmlns:a14="http://schemas.microsoft.com/office/drawing/2010/main" w="9525">
                     <a:solidFill>
                       <a:srgbClr val="000000"/>
                     </a:solidFill>
@@ -11005,7 +11015,7 @@
               </a:ln>
               <a:extLst>
                 <a:ext uri="{91240B29-F687-4f45-9708-019B960494DF}">
-                  <a14:hiddenLine xmlns:a14="http://schemas.microsoft.com/office/drawing/2010/main" xmlns="" w="9525">
+                  <a14:hiddenLine xmlns="" xmlns:a14="http://schemas.microsoft.com/office/drawing/2010/main" w="9525">
                     <a:solidFill>
                       <a:srgbClr val="000000"/>
                     </a:solidFill>
@@ -11089,7 +11099,7 @@
               </a:ln>
               <a:extLst>
                 <a:ext uri="{91240B29-F687-4f45-9708-019B960494DF}">
-                  <a14:hiddenLine xmlns:a14="http://schemas.microsoft.com/office/drawing/2010/main" xmlns="" w="9525">
+                  <a14:hiddenLine xmlns="" xmlns:a14="http://schemas.microsoft.com/office/drawing/2010/main" w="9525">
                     <a:solidFill>
                       <a:srgbClr val="000000"/>
                     </a:solidFill>
@@ -11151,7 +11161,7 @@
               </a:ln>
               <a:extLst>
                 <a:ext uri="{91240B29-F687-4f45-9708-019B960494DF}">
-                  <a14:hiddenLine xmlns:a14="http://schemas.microsoft.com/office/drawing/2010/main" xmlns="" w="9525">
+                  <a14:hiddenLine xmlns="" xmlns:a14="http://schemas.microsoft.com/office/drawing/2010/main" w="9525">
                     <a:solidFill>
                       <a:srgbClr val="000000"/>
                     </a:solidFill>
@@ -11213,7 +11223,7 @@
               </a:ln>
               <a:extLst>
                 <a:ext uri="{91240B29-F687-4f45-9708-019B960494DF}">
-                  <a14:hiddenLine xmlns:a14="http://schemas.microsoft.com/office/drawing/2010/main" xmlns="" w="9525">
+                  <a14:hiddenLine xmlns="" xmlns:a14="http://schemas.microsoft.com/office/drawing/2010/main" w="9525">
                     <a:solidFill>
                       <a:srgbClr val="000000"/>
                     </a:solidFill>
@@ -11303,7 +11313,7 @@
               </a:ln>
               <a:extLst>
                 <a:ext uri="{91240B29-F687-4f45-9708-019B960494DF}">
-                  <a14:hiddenLine xmlns:a14="http://schemas.microsoft.com/office/drawing/2010/main" xmlns="" w="9525">
+                  <a14:hiddenLine xmlns="" xmlns:a14="http://schemas.microsoft.com/office/drawing/2010/main" w="9525">
                     <a:solidFill>
                       <a:srgbClr val="000000"/>
                     </a:solidFill>
@@ -11337,7 +11347,7 @@
               </a:ln>
               <a:extLst>
                 <a:ext uri="{91240B29-F687-4f45-9708-019B960494DF}">
-                  <a14:hiddenLine xmlns:a14="http://schemas.microsoft.com/office/drawing/2010/main" xmlns="" w="9525">
+                  <a14:hiddenLine xmlns="" xmlns:a14="http://schemas.microsoft.com/office/drawing/2010/main" w="9525">
                     <a:solidFill>
                       <a:srgbClr val="000000"/>
                     </a:solidFill>
@@ -11402,7 +11412,7 @@
               </a:ln>
               <a:extLst>
                 <a:ext uri="{91240B29-F687-4f45-9708-019B960494DF}">
-                  <a14:hiddenLine xmlns:a14="http://schemas.microsoft.com/office/drawing/2010/main" xmlns="" w="9525">
+                  <a14:hiddenLine xmlns="" xmlns:a14="http://schemas.microsoft.com/office/drawing/2010/main" w="9525">
                     <a:solidFill>
                       <a:srgbClr val="000000"/>
                     </a:solidFill>
@@ -11492,7 +11502,7 @@
               </a:ln>
               <a:extLst>
                 <a:ext uri="{91240B29-F687-4f45-9708-019B960494DF}">
-                  <a14:hiddenLine xmlns:a14="http://schemas.microsoft.com/office/drawing/2010/main" xmlns="" w="9525">
+                  <a14:hiddenLine xmlns="" xmlns:a14="http://schemas.microsoft.com/office/drawing/2010/main" w="9525">
                     <a:solidFill>
                       <a:srgbClr val="000000"/>
                     </a:solidFill>
@@ -11554,7 +11564,7 @@
               </a:ln>
               <a:extLst>
                 <a:ext uri="{91240B29-F687-4f45-9708-019B960494DF}">
-                  <a14:hiddenLine xmlns:a14="http://schemas.microsoft.com/office/drawing/2010/main" xmlns="" w="9525">
+                  <a14:hiddenLine xmlns="" xmlns:a14="http://schemas.microsoft.com/office/drawing/2010/main" w="9525">
                     <a:solidFill>
                       <a:srgbClr val="000000"/>
                     </a:solidFill>
@@ -11644,7 +11654,7 @@
               </a:ln>
               <a:extLst>
                 <a:ext uri="{91240B29-F687-4f45-9708-019B960494DF}">
-                  <a14:hiddenLine xmlns:a14="http://schemas.microsoft.com/office/drawing/2010/main" xmlns="" w="9525">
+                  <a14:hiddenLine xmlns="" xmlns:a14="http://schemas.microsoft.com/office/drawing/2010/main" w="9525">
                     <a:solidFill>
                       <a:srgbClr val="000000"/>
                     </a:solidFill>
@@ -11709,7 +11719,7 @@
               </a:ln>
               <a:extLst>
                 <a:ext uri="{91240B29-F687-4f45-9708-019B960494DF}">
-                  <a14:hiddenLine xmlns:a14="http://schemas.microsoft.com/office/drawing/2010/main" xmlns="" w="9525">
+                  <a14:hiddenLine xmlns="" xmlns:a14="http://schemas.microsoft.com/office/drawing/2010/main" w="9525">
                     <a:solidFill>
                       <a:srgbClr val="000000"/>
                     </a:solidFill>
@@ -11771,7 +11781,7 @@
               </a:ln>
               <a:extLst>
                 <a:ext uri="{91240B29-F687-4f45-9708-019B960494DF}">
-                  <a14:hiddenLine xmlns:a14="http://schemas.microsoft.com/office/drawing/2010/main" xmlns="" w="9525">
+                  <a14:hiddenLine xmlns="" xmlns:a14="http://schemas.microsoft.com/office/drawing/2010/main" w="9525">
                     <a:solidFill>
                       <a:srgbClr val="000000"/>
                     </a:solidFill>
@@ -11861,7 +11871,7 @@
               </a:ln>
               <a:extLst>
                 <a:ext uri="{91240B29-F687-4f45-9708-019B960494DF}">
-                  <a14:hiddenLine xmlns:a14="http://schemas.microsoft.com/office/drawing/2010/main" xmlns="" w="9525">
+                  <a14:hiddenLine xmlns="" xmlns:a14="http://schemas.microsoft.com/office/drawing/2010/main" w="9525">
                     <a:solidFill>
                       <a:srgbClr val="000000"/>
                     </a:solidFill>
@@ -11951,7 +11961,7 @@
               </a:ln>
               <a:extLst>
                 <a:ext uri="{91240B29-F687-4f45-9708-019B960494DF}">
-                  <a14:hiddenLine xmlns:a14="http://schemas.microsoft.com/office/drawing/2010/main" xmlns="" w="9525">
+                  <a14:hiddenLine xmlns="" xmlns:a14="http://schemas.microsoft.com/office/drawing/2010/main" w="9525">
                     <a:solidFill>
                       <a:srgbClr val="000000"/>
                     </a:solidFill>
@@ -12016,7 +12026,7 @@
               </a:ln>
               <a:extLst>
                 <a:ext uri="{91240B29-F687-4f45-9708-019B960494DF}">
-                  <a14:hiddenLine xmlns:a14="http://schemas.microsoft.com/office/drawing/2010/main" xmlns="" w="9525">
+                  <a14:hiddenLine xmlns="" xmlns:a14="http://schemas.microsoft.com/office/drawing/2010/main" w="9525">
                     <a:solidFill>
                       <a:srgbClr val="000000"/>
                     </a:solidFill>
@@ -12136,7 +12146,7 @@
               </a:ln>
               <a:extLst>
                 <a:ext uri="{91240B29-F687-4f45-9708-019B960494DF}">
-                  <a14:hiddenLine xmlns:a14="http://schemas.microsoft.com/office/drawing/2010/main" xmlns="" w="9525">
+                  <a14:hiddenLine xmlns="" xmlns:a14="http://schemas.microsoft.com/office/drawing/2010/main" w="9525">
                     <a:solidFill>
                       <a:srgbClr val="000000"/>
                     </a:solidFill>
@@ -12234,7 +12244,7 @@
               </a:ln>
               <a:extLst>
                 <a:ext uri="{91240B29-F687-4f45-9708-019B960494DF}">
-                  <a14:hiddenLine xmlns:a14="http://schemas.microsoft.com/office/drawing/2010/main" xmlns="" w="9525">
+                  <a14:hiddenLine xmlns="" xmlns:a14="http://schemas.microsoft.com/office/drawing/2010/main" w="9525">
                     <a:solidFill>
                       <a:srgbClr val="000000"/>
                     </a:solidFill>
@@ -12349,7 +12359,7 @@
               </a:ln>
               <a:extLst>
                 <a:ext uri="{91240B29-F687-4f45-9708-019B960494DF}">
-                  <a14:hiddenLine xmlns:a14="http://schemas.microsoft.com/office/drawing/2010/main" xmlns="" w="9525">
+                  <a14:hiddenLine xmlns="" xmlns:a14="http://schemas.microsoft.com/office/drawing/2010/main" w="9525">
                     <a:solidFill>
                       <a:srgbClr val="000000"/>
                     </a:solidFill>
@@ -12439,7 +12449,7 @@
               </a:ln>
               <a:extLst>
                 <a:ext uri="{91240B29-F687-4f45-9708-019B960494DF}">
-                  <a14:hiddenLine xmlns:a14="http://schemas.microsoft.com/office/drawing/2010/main" xmlns="" w="9525">
+                  <a14:hiddenLine xmlns="" xmlns:a14="http://schemas.microsoft.com/office/drawing/2010/main" w="9525">
                     <a:solidFill>
                       <a:srgbClr val="000000"/>
                     </a:solidFill>
@@ -12504,7 +12514,7 @@
               </a:ln>
               <a:extLst>
                 <a:ext uri="{91240B29-F687-4f45-9708-019B960494DF}">
-                  <a14:hiddenLine xmlns:a14="http://schemas.microsoft.com/office/drawing/2010/main" xmlns="" w="9525">
+                  <a14:hiddenLine xmlns="" xmlns:a14="http://schemas.microsoft.com/office/drawing/2010/main" w="9525">
                     <a:solidFill>
                       <a:srgbClr val="000000"/>
                     </a:solidFill>
@@ -12594,7 +12604,7 @@
               </a:ln>
               <a:extLst>
                 <a:ext uri="{91240B29-F687-4f45-9708-019B960494DF}">
-                  <a14:hiddenLine xmlns:a14="http://schemas.microsoft.com/office/drawing/2010/main" xmlns="" w="9525">
+                  <a14:hiddenLine xmlns="" xmlns:a14="http://schemas.microsoft.com/office/drawing/2010/main" w="9525">
                     <a:solidFill>
                       <a:srgbClr val="000000"/>
                     </a:solidFill>
@@ -12662,7 +12672,7 @@
               </a:ln>
               <a:extLst>
                 <a:ext uri="{91240B29-F687-4f45-9708-019B960494DF}">
-                  <a14:hiddenLine xmlns:a14="http://schemas.microsoft.com/office/drawing/2010/main" xmlns="" w="9525">
+                  <a14:hiddenLine xmlns="" xmlns:a14="http://schemas.microsoft.com/office/drawing/2010/main" w="9525">
                     <a:solidFill>
                       <a:srgbClr val="000000"/>
                     </a:solidFill>
@@ -12752,7 +12762,7 @@
               </a:ln>
               <a:extLst>
                 <a:ext uri="{91240B29-F687-4f45-9708-019B960494DF}">
-                  <a14:hiddenLine xmlns:a14="http://schemas.microsoft.com/office/drawing/2010/main" xmlns="" w="9525">
+                  <a14:hiddenLine xmlns="" xmlns:a14="http://schemas.microsoft.com/office/drawing/2010/main" w="9525">
                     <a:solidFill>
                       <a:srgbClr val="000000"/>
                     </a:solidFill>
@@ -12820,7 +12830,7 @@
               </a:ln>
               <a:extLst>
                 <a:ext uri="{91240B29-F687-4f45-9708-019B960494DF}">
-                  <a14:hiddenLine xmlns:a14="http://schemas.microsoft.com/office/drawing/2010/main" xmlns="" w="9525">
+                  <a14:hiddenLine xmlns="" xmlns:a14="http://schemas.microsoft.com/office/drawing/2010/main" w="9525">
                     <a:solidFill>
                       <a:srgbClr val="000000"/>
                     </a:solidFill>
@@ -12910,7 +12920,7 @@
               </a:ln>
               <a:extLst>
                 <a:ext uri="{91240B29-F687-4f45-9708-019B960494DF}">
-                  <a14:hiddenLine xmlns:a14="http://schemas.microsoft.com/office/drawing/2010/main" xmlns="" w="9525">
+                  <a14:hiddenLine xmlns="" xmlns:a14="http://schemas.microsoft.com/office/drawing/2010/main" w="9525">
                     <a:solidFill>
                       <a:srgbClr val="000000"/>
                     </a:solidFill>
@@ -12944,7 +12954,7 @@
               </a:ln>
               <a:extLst>
                 <a:ext uri="{91240B29-F687-4f45-9708-019B960494DF}">
-                  <a14:hiddenLine xmlns:a14="http://schemas.microsoft.com/office/drawing/2010/main" xmlns="" w="9525">
+                  <a14:hiddenLine xmlns="" xmlns:a14="http://schemas.microsoft.com/office/drawing/2010/main" w="9525">
                     <a:solidFill>
                       <a:srgbClr val="000000"/>
                     </a:solidFill>
@@ -13084,7 +13094,7 @@
           <a:p>
             <a:fld id="{F34B6E3E-06F4-4326-ABDB-61EE022A2F5F}" type="datetimeFigureOut">
               <a:rPr lang="en-US" smtClean="0"/>
-              <a:t>3/31/2021</a:t>
+              <a:t>4/6/2021</a:t>
             </a:fld>
             <a:endParaRPr lang="en-US"/>
           </a:p>
@@ -17218,12 +17228,12 @@
               <a:t>2. Query </a:t>
             </a:r>
             <a:r>
-              <a:rPr lang="en-US"/>
-              <a:t>thaT </a:t>
-            </a:r>
-            <a:r>
-              <a:rPr lang="en-US" dirty="0"/>
-              <a:t>span multiple services</a:t>
+              <a:rPr lang="en-US" dirty="0" err="1"/>
+              <a:t>thaT</a:t>
+            </a:r>
+            <a:r>
+              <a:rPr lang="en-US" dirty="0"/>
+              <a:t> span multiple services</a:t>
             </a:r>
           </a:p>
         </p:txBody>
@@ -17467,7 +17477,7 @@
           <a:p>
             <a:r>
               <a:rPr lang="en-US" dirty="0"/>
-              <a:t>3. Query than span multiple services</a:t>
+              <a:t>2. Query than span multiple services</a:t>
             </a:r>
           </a:p>
         </p:txBody>
@@ -17696,7 +17706,7 @@
           <a:p>
             <a:r>
               <a:rPr lang="en-US" dirty="0"/>
-              <a:t>4. Consistency between services</a:t>
+              <a:t>3. Consistency between services</a:t>
             </a:r>
           </a:p>
         </p:txBody>
@@ -17847,7 +17857,7 @@
           <a:p>
             <a:r>
               <a:rPr lang="en-US" dirty="0"/>
-              <a:t>4. Consistency between services</a:t>
+              <a:t>3. Consistency between services</a:t>
             </a:r>
           </a:p>
         </p:txBody>
@@ -18059,7 +18069,7 @@
           <a:p>
             <a:r>
               <a:rPr lang="en-US" dirty="0"/>
-              <a:t>5. Communication between services</a:t>
+              <a:t>4. Communication between services</a:t>
             </a:r>
           </a:p>
         </p:txBody>
@@ -18259,7 +18269,7 @@
           <a:p>
             <a:r>
               <a:rPr lang="en-US" dirty="0"/>
-              <a:t>5. Communication between services</a:t>
+              <a:t>4. Communication between services</a:t>
             </a:r>
           </a:p>
         </p:txBody>
@@ -18481,7 +18491,7 @@
           <a:p>
             <a:r>
               <a:rPr lang="en-US" dirty="0"/>
-              <a:t>5. Communication between services</a:t>
+              <a:t>4. Communication between services</a:t>
             </a:r>
           </a:p>
         </p:txBody>
@@ -19225,40 +19235,109 @@
       </p:grpSpPr>
       <p:sp>
         <p:nvSpPr>
-          <p:cNvPr id="4" name="Title 3"/>
-          <p:cNvSpPr>
-            <a:spLocks noGrp="1"/>
-          </p:cNvSpPr>
-          <p:nvPr>
-            <p:ph type="ctrTitle"/>
+          <p:cNvPr id="7" name="Slide Number Placeholder 3"/>
+          <p:cNvSpPr>
+            <a:spLocks noGrp="1"/>
+          </p:cNvSpPr>
+          <p:nvPr>
+            <p:ph type="sldNum" sz="quarter" idx="4294967295"/>
           </p:nvPr>
         </p:nvSpPr>
         <p:spPr>
           <a:xfrm>
-            <a:off x="914400" y="2667000"/>
-            <a:ext cx="10363200" cy="903700"/>
+            <a:off x="11568000" y="6525003"/>
+            <a:ext cx="428822" cy="196477"/>
           </a:xfrm>
+          <a:prstGeom prst="rect">
+            <a:avLst/>
+          </a:prstGeom>
         </p:spPr>
         <p:txBody>
           <a:bodyPr/>
           <a:lstStyle/>
           <a:p>
             <a:pPr>
-              <a:lnSpc>
-                <a:spcPct val="100000"/>
-              </a:lnSpc>
-            </a:pPr>
-            <a:r>
-              <a:rPr lang="en-US" dirty="0"/>
-              <a:t>THE API GATEWAY</a:t>
-            </a:r>
-          </a:p>
-        </p:txBody>
-      </p:sp>
+              <a:defRPr/>
+            </a:pPr>
+            <a:fld id="{58452FF4-89E3-4D1B-9927-2DBDC00E58D7}" type="slidenum">
+              <a:rPr lang="en-US" smtClean="0"/>
+              <a:pPr>
+                <a:defRPr/>
+              </a:pPr>
+              <a:t>39</a:t>
+            </a:fld>
+            <a:endParaRPr lang="en-US" dirty="0"/>
+          </a:p>
+        </p:txBody>
+      </p:sp>
+      <p:sp>
+        <p:nvSpPr>
+          <p:cNvPr id="4" name="Title 3"/>
+          <p:cNvSpPr>
+            <a:spLocks noGrp="1"/>
+          </p:cNvSpPr>
+          <p:nvPr>
+            <p:ph type="title"/>
+          </p:nvPr>
+        </p:nvSpPr>
+        <p:spPr/>
+        <p:txBody>
+          <a:bodyPr/>
+          <a:lstStyle/>
+          <a:p>
+            <a:r>
+              <a:rPr lang="en-US" dirty="0"/>
+              <a:t>Authentication</a:t>
+            </a:r>
+          </a:p>
+        </p:txBody>
+      </p:sp>
+      <p:pic>
+        <p:nvPicPr>
+          <p:cNvPr id="8" name="Picture 7">
+            <a:extLst>
+              <a:ext uri="{FF2B5EF4-FFF2-40B4-BE49-F238E27FC236}">
+                <a16:creationId xmlns:a16="http://schemas.microsoft.com/office/drawing/2014/main" id="{704FFFD7-8521-4F62-9BBC-20E1C48771E4}"/>
+              </a:ext>
+            </a:extLst>
+          </p:cNvPr>
+          <p:cNvPicPr>
+            <a:picLocks noChangeAspect="1"/>
+          </p:cNvPicPr>
+          <p:nvPr/>
+        </p:nvPicPr>
+        <p:blipFill>
+          <a:blip r:embed="rId2"/>
+          <a:stretch>
+            <a:fillRect/>
+          </a:stretch>
+        </p:blipFill>
+        <p:spPr>
+          <a:xfrm>
+            <a:off x="2432219" y="2124000"/>
+            <a:ext cx="7327561" cy="3403013"/>
+          </a:xfrm>
+          <a:prstGeom prst="rect">
+            <a:avLst/>
+          </a:prstGeom>
+          <a:ln w="88900" cap="sq" cmpd="thickThin">
+            <a:solidFill>
+              <a:srgbClr val="000000"/>
+            </a:solidFill>
+            <a:prstDash val="solid"/>
+            <a:miter lim="800000"/>
+          </a:ln>
+          <a:effectLst>
+            <a:innerShdw blurRad="76200">
+              <a:srgbClr val="000000"/>
+            </a:innerShdw>
+          </a:effectLst>
+        </p:spPr>
+      </p:pic>
     </p:spTree>
     <p:extLst>
       <p:ext uri="{BB962C8B-B14F-4D97-AF65-F5344CB8AC3E}">
-        <p14:creationId xmlns:p14="http://schemas.microsoft.com/office/powerpoint/2010/main" val="1940748994"/>
+        <p14:creationId xmlns:p14="http://schemas.microsoft.com/office/powerpoint/2010/main" val="362451343"/>
       </p:ext>
     </p:extLst>
   </p:cSld>
@@ -19575,6 +19654,790 @@
                 <a:defRPr/>
               </a:pPr>
               <a:t>40</a:t>
+            </a:fld>
+            <a:endParaRPr lang="en-US" dirty="0"/>
+          </a:p>
+        </p:txBody>
+      </p:sp>
+      <p:sp>
+        <p:nvSpPr>
+          <p:cNvPr id="5" name="Content Placeholder 4"/>
+          <p:cNvSpPr>
+            <a:spLocks noGrp="1"/>
+          </p:cNvSpPr>
+          <p:nvPr>
+            <p:ph idx="1"/>
+          </p:nvPr>
+        </p:nvSpPr>
+        <p:spPr>
+          <a:xfrm>
+            <a:off x="1141413" y="1712549"/>
+            <a:ext cx="11696797" cy="5458202"/>
+          </a:xfrm>
+        </p:spPr>
+        <p:txBody>
+          <a:bodyPr>
+            <a:normAutofit/>
+          </a:bodyPr>
+          <a:lstStyle/>
+          <a:p>
+            <a:pPr>
+              <a:lnSpc>
+                <a:spcPct val="100000"/>
+              </a:lnSpc>
+            </a:pPr>
+            <a:r>
+              <a:rPr lang="en-GB" dirty="0"/>
+              <a:t>Atomic updates, transactions, consistency/referential integrity, </a:t>
+            </a:r>
+            <a:br>
+              <a:rPr lang="en-GB" dirty="0"/>
+            </a:br>
+            <a:r>
+              <a:rPr lang="en-GB" dirty="0"/>
+              <a:t>and durability are extremely valuable </a:t>
+            </a:r>
+            <a:endParaRPr lang="bg-BG" dirty="0"/>
+          </a:p>
+          <a:p>
+            <a:pPr lvl="1">
+              <a:lnSpc>
+                <a:spcPct val="100000"/>
+              </a:lnSpc>
+            </a:pPr>
+            <a:r>
+              <a:rPr lang="en-US" dirty="0"/>
+              <a:t>They</a:t>
+            </a:r>
+            <a:r>
+              <a:rPr lang="en-GB" dirty="0"/>
+              <a:t> should not be waived rashly</a:t>
+            </a:r>
+          </a:p>
+          <a:p>
+            <a:pPr>
+              <a:lnSpc>
+                <a:spcPct val="100000"/>
+              </a:lnSpc>
+            </a:pPr>
+            <a:r>
+              <a:rPr lang="en-GB" dirty="0"/>
+              <a:t>Your application must fill the gap with logic when your </a:t>
+            </a:r>
+            <a:br>
+              <a:rPr lang="en-GB" dirty="0"/>
+            </a:br>
+            <a:r>
+              <a:rPr lang="en-GB" dirty="0"/>
+              <a:t>database technologies cannot guarantee ACID</a:t>
+            </a:r>
+          </a:p>
+          <a:p>
+            <a:pPr lvl="1">
+              <a:lnSpc>
+                <a:spcPct val="100000"/>
+              </a:lnSpc>
+            </a:pPr>
+            <a:r>
+              <a:rPr lang="en-GB" dirty="0"/>
+              <a:t>Requires larger development effort</a:t>
+            </a:r>
+          </a:p>
+          <a:p>
+            <a:pPr lvl="1">
+              <a:lnSpc>
+                <a:spcPct val="100000"/>
+              </a:lnSpc>
+            </a:pPr>
+            <a:r>
+              <a:rPr lang="en-GB" dirty="0"/>
+              <a:t>Clean code &amp; integration testing is key!</a:t>
+            </a:r>
+            <a:endParaRPr lang="en-US" dirty="0"/>
+          </a:p>
+        </p:txBody>
+      </p:sp>
+      <p:sp>
+        <p:nvSpPr>
+          <p:cNvPr id="4" name="Title 3"/>
+          <p:cNvSpPr>
+            <a:spLocks noGrp="1"/>
+          </p:cNvSpPr>
+          <p:nvPr>
+            <p:ph type="title"/>
+          </p:nvPr>
+        </p:nvSpPr>
+        <p:spPr/>
+        <p:txBody>
+          <a:bodyPr/>
+          <a:lstStyle/>
+          <a:p>
+            <a:r>
+              <a:rPr lang="en-US" dirty="0"/>
+              <a:t>Designing the database</a:t>
+            </a:r>
+          </a:p>
+        </p:txBody>
+      </p:sp>
+    </p:spTree>
+    <p:extLst>
+      <p:ext uri="{BB962C8B-B14F-4D97-AF65-F5344CB8AC3E}">
+        <p14:creationId xmlns:p14="http://schemas.microsoft.com/office/powerpoint/2010/main" val="2739053351"/>
+      </p:ext>
+    </p:extLst>
+  </p:cSld>
+  <p:clrMapOvr>
+    <a:masterClrMapping/>
+  </p:clrMapOvr>
+</p:sld>
+</file>
+
+<file path=ppt/slides/slide41.xml><?xml version="1.0" encoding="utf-8"?>
+<p:sld xmlns:a="http://schemas.openxmlformats.org/drawingml/2006/main" xmlns:r="http://schemas.openxmlformats.org/officeDocument/2006/relationships" xmlns:p="http://schemas.openxmlformats.org/presentationml/2006/main">
+  <p:cSld>
+    <p:spTree>
+      <p:nvGrpSpPr>
+        <p:cNvPr id="1" name=""/>
+        <p:cNvGrpSpPr/>
+        <p:nvPr/>
+      </p:nvGrpSpPr>
+      <p:grpSpPr>
+        <a:xfrm>
+          <a:off x="0" y="0"/>
+          <a:ext cx="0" cy="0"/>
+          <a:chOff x="0" y="0"/>
+          <a:chExt cx="0" cy="0"/>
+        </a:xfrm>
+      </p:grpSpPr>
+      <p:sp>
+        <p:nvSpPr>
+          <p:cNvPr id="7" name="Slide Number Placeholder 3"/>
+          <p:cNvSpPr>
+            <a:spLocks noGrp="1"/>
+          </p:cNvSpPr>
+          <p:nvPr>
+            <p:ph type="sldNum" sz="quarter" idx="4294967295"/>
+          </p:nvPr>
+        </p:nvSpPr>
+        <p:spPr>
+          <a:xfrm>
+            <a:off x="11568000" y="6525003"/>
+            <a:ext cx="428822" cy="196477"/>
+          </a:xfrm>
+          <a:prstGeom prst="rect">
+            <a:avLst/>
+          </a:prstGeom>
+        </p:spPr>
+        <p:txBody>
+          <a:bodyPr/>
+          <a:lstStyle/>
+          <a:p>
+            <a:pPr>
+              <a:defRPr/>
+            </a:pPr>
+            <a:fld id="{58452FF4-89E3-4D1B-9927-2DBDC00E58D7}" type="slidenum">
+              <a:rPr lang="en-US" smtClean="0"/>
+              <a:pPr>
+                <a:defRPr/>
+              </a:pPr>
+              <a:t>41</a:t>
+            </a:fld>
+            <a:endParaRPr lang="en-US" dirty="0"/>
+          </a:p>
+        </p:txBody>
+      </p:sp>
+      <p:sp>
+        <p:nvSpPr>
+          <p:cNvPr id="5" name="Content Placeholder 4"/>
+          <p:cNvSpPr>
+            <a:spLocks noGrp="1"/>
+          </p:cNvSpPr>
+          <p:nvPr>
+            <p:ph idx="1"/>
+          </p:nvPr>
+        </p:nvSpPr>
+        <p:spPr>
+          <a:xfrm>
+            <a:off x="1141413" y="1712549"/>
+            <a:ext cx="11696797" cy="5458202"/>
+          </a:xfrm>
+        </p:spPr>
+        <p:txBody>
+          <a:bodyPr>
+            <a:normAutofit/>
+          </a:bodyPr>
+          <a:lstStyle/>
+          <a:p>
+            <a:pPr>
+              <a:lnSpc>
+                <a:spcPct val="100000"/>
+              </a:lnSpc>
+            </a:pPr>
+            <a:r>
+              <a:rPr lang="en-US" dirty="0"/>
+              <a:t>Key considerations:</a:t>
+            </a:r>
+          </a:p>
+          <a:p>
+            <a:pPr lvl="1">
+              <a:lnSpc>
+                <a:spcPct val="100000"/>
+              </a:lnSpc>
+            </a:pPr>
+            <a:r>
+              <a:rPr lang="en-US" dirty="0"/>
+              <a:t>Don</a:t>
+            </a:r>
+            <a:r>
+              <a:rPr lang="bg-BG" dirty="0"/>
+              <a:t>'</a:t>
+            </a:r>
+            <a:r>
+              <a:rPr lang="en-US" dirty="0"/>
+              <a:t>t share databases or table ownerships</a:t>
+            </a:r>
+          </a:p>
+          <a:p>
+            <a:pPr lvl="1">
+              <a:lnSpc>
+                <a:spcPct val="100000"/>
+              </a:lnSpc>
+            </a:pPr>
+            <a:r>
+              <a:rPr lang="en-US" dirty="0"/>
+              <a:t>Duplicate data when needed</a:t>
+            </a:r>
+          </a:p>
+          <a:p>
+            <a:pPr lvl="1">
+              <a:lnSpc>
+                <a:spcPct val="100000"/>
+              </a:lnSpc>
+            </a:pPr>
+            <a:r>
+              <a:rPr lang="en-US" dirty="0"/>
+              <a:t>Heavy read queries with filtering and paging should be in the same context/database</a:t>
+            </a:r>
+          </a:p>
+          <a:p>
+            <a:pPr lvl="1">
+              <a:lnSpc>
+                <a:spcPct val="100000"/>
+              </a:lnSpc>
+            </a:pPr>
+            <a:r>
+              <a:rPr lang="en-US" dirty="0"/>
+              <a:t>Don’t be afraid to merge microservices, if the business requirements need it</a:t>
+            </a:r>
+          </a:p>
+          <a:p>
+            <a:pPr lvl="1">
+              <a:lnSpc>
+                <a:spcPct val="100000"/>
+              </a:lnSpc>
+            </a:pPr>
+            <a:r>
+              <a:rPr lang="en-US" dirty="0"/>
+              <a:t>There is no right or wrong approach if it is solving the domain problem</a:t>
+            </a:r>
+          </a:p>
+        </p:txBody>
+      </p:sp>
+      <p:sp>
+        <p:nvSpPr>
+          <p:cNvPr id="4" name="Title 3"/>
+          <p:cNvSpPr>
+            <a:spLocks noGrp="1"/>
+          </p:cNvSpPr>
+          <p:nvPr>
+            <p:ph type="title"/>
+          </p:nvPr>
+        </p:nvSpPr>
+        <p:spPr/>
+        <p:txBody>
+          <a:bodyPr/>
+          <a:lstStyle/>
+          <a:p>
+            <a:r>
+              <a:rPr lang="en-US" dirty="0"/>
+              <a:t>Designing the database</a:t>
+            </a:r>
+          </a:p>
+        </p:txBody>
+      </p:sp>
+    </p:spTree>
+    <p:extLst>
+      <p:ext uri="{BB962C8B-B14F-4D97-AF65-F5344CB8AC3E}">
+        <p14:creationId xmlns:p14="http://schemas.microsoft.com/office/powerpoint/2010/main" val="3237328498"/>
+      </p:ext>
+    </p:extLst>
+  </p:cSld>
+  <p:clrMapOvr>
+    <a:masterClrMapping/>
+  </p:clrMapOvr>
+</p:sld>
+</file>
+
+<file path=ppt/slides/slide42.xml><?xml version="1.0" encoding="utf-8"?>
+<p:sld xmlns:a="http://schemas.openxmlformats.org/drawingml/2006/main" xmlns:r="http://schemas.openxmlformats.org/officeDocument/2006/relationships" xmlns:p="http://schemas.openxmlformats.org/presentationml/2006/main">
+  <p:cSld>
+    <p:spTree>
+      <p:nvGrpSpPr>
+        <p:cNvPr id="1" name=""/>
+        <p:cNvGrpSpPr/>
+        <p:nvPr/>
+      </p:nvGrpSpPr>
+      <p:grpSpPr>
+        <a:xfrm>
+          <a:off x="0" y="0"/>
+          <a:ext cx="0" cy="0"/>
+          <a:chOff x="0" y="0"/>
+          <a:chExt cx="0" cy="0"/>
+        </a:xfrm>
+      </p:grpSpPr>
+      <p:sp>
+        <p:nvSpPr>
+          <p:cNvPr id="7" name="Slide Number Placeholder 3"/>
+          <p:cNvSpPr>
+            <a:spLocks noGrp="1"/>
+          </p:cNvSpPr>
+          <p:nvPr>
+            <p:ph type="sldNum" sz="quarter" idx="4294967295"/>
+          </p:nvPr>
+        </p:nvSpPr>
+        <p:spPr>
+          <a:xfrm>
+            <a:off x="11568000" y="6525003"/>
+            <a:ext cx="428822" cy="196477"/>
+          </a:xfrm>
+          <a:prstGeom prst="rect">
+            <a:avLst/>
+          </a:prstGeom>
+        </p:spPr>
+        <p:txBody>
+          <a:bodyPr/>
+          <a:lstStyle/>
+          <a:p>
+            <a:pPr>
+              <a:defRPr/>
+            </a:pPr>
+            <a:fld id="{58452FF4-89E3-4D1B-9927-2DBDC00E58D7}" type="slidenum">
+              <a:rPr lang="en-US" smtClean="0"/>
+              <a:pPr>
+                <a:defRPr/>
+              </a:pPr>
+              <a:t>42</a:t>
+            </a:fld>
+            <a:endParaRPr lang="en-US" dirty="0"/>
+          </a:p>
+        </p:txBody>
+      </p:sp>
+      <p:sp>
+        <p:nvSpPr>
+          <p:cNvPr id="5" name="Content Placeholder 4"/>
+          <p:cNvSpPr>
+            <a:spLocks noGrp="1"/>
+          </p:cNvSpPr>
+          <p:nvPr>
+            <p:ph idx="1"/>
+          </p:nvPr>
+        </p:nvSpPr>
+        <p:spPr>
+          <a:xfrm>
+            <a:off x="1141413" y="1712549"/>
+            <a:ext cx="11696797" cy="5458202"/>
+          </a:xfrm>
+        </p:spPr>
+        <p:txBody>
+          <a:bodyPr>
+            <a:normAutofit/>
+          </a:bodyPr>
+          <a:lstStyle/>
+          <a:p>
+            <a:pPr>
+              <a:lnSpc>
+                <a:spcPct val="100000"/>
+              </a:lnSpc>
+            </a:pPr>
+            <a:r>
+              <a:rPr lang="en-US" dirty="0"/>
+              <a:t>Breaking relationships:</a:t>
+            </a:r>
+          </a:p>
+          <a:p>
+            <a:pPr lvl="1">
+              <a:lnSpc>
+                <a:spcPct val="100000"/>
+              </a:lnSpc>
+            </a:pPr>
+            <a:r>
+              <a:rPr lang="en-US" dirty="0"/>
+              <a:t>Depending on the business requirements, it may be better do </a:t>
+            </a:r>
+            <a:br>
+              <a:rPr lang="en-US" dirty="0"/>
+            </a:br>
+            <a:r>
+              <a:rPr lang="en-US" dirty="0"/>
+              <a:t>duplicate data instead of having a fictional foreign key</a:t>
+            </a:r>
+          </a:p>
+          <a:p>
+            <a:pPr lvl="1">
+              <a:lnSpc>
+                <a:spcPct val="100000"/>
+              </a:lnSpc>
+            </a:pPr>
+            <a:r>
+              <a:rPr lang="en-US" dirty="0"/>
+              <a:t>Start with foreign IDs and evolve accordingly</a:t>
+            </a:r>
+          </a:p>
+          <a:p>
+            <a:pPr lvl="1">
+              <a:lnSpc>
+                <a:spcPct val="100000"/>
+              </a:lnSpc>
+            </a:pPr>
+            <a:r>
+              <a:rPr lang="en-US" dirty="0"/>
+              <a:t>One-to-one and one-to-many need only an ID reference</a:t>
+            </a:r>
+          </a:p>
+          <a:p>
+            <a:pPr lvl="1">
+              <a:lnSpc>
+                <a:spcPct val="100000"/>
+              </a:lnSpc>
+            </a:pPr>
+            <a:r>
+              <a:rPr lang="en-US" dirty="0"/>
+              <a:t>Many-to-many relationships may require a separate microservice or a two additional tables</a:t>
+            </a:r>
+          </a:p>
+        </p:txBody>
+      </p:sp>
+      <p:sp>
+        <p:nvSpPr>
+          <p:cNvPr id="4" name="Title 3"/>
+          <p:cNvSpPr>
+            <a:spLocks noGrp="1"/>
+          </p:cNvSpPr>
+          <p:nvPr>
+            <p:ph type="title"/>
+          </p:nvPr>
+        </p:nvSpPr>
+        <p:spPr/>
+        <p:txBody>
+          <a:bodyPr/>
+          <a:lstStyle/>
+          <a:p>
+            <a:r>
+              <a:rPr lang="en-US" dirty="0"/>
+              <a:t>Designing the database</a:t>
+            </a:r>
+          </a:p>
+        </p:txBody>
+      </p:sp>
+    </p:spTree>
+    <p:extLst>
+      <p:ext uri="{BB962C8B-B14F-4D97-AF65-F5344CB8AC3E}">
+        <p14:creationId xmlns:p14="http://schemas.microsoft.com/office/powerpoint/2010/main" val="1419926592"/>
+      </p:ext>
+    </p:extLst>
+  </p:cSld>
+  <p:clrMapOvr>
+    <a:masterClrMapping/>
+  </p:clrMapOvr>
+</p:sld>
+</file>
+
+<file path=ppt/slides/slide43.xml><?xml version="1.0" encoding="utf-8"?>
+<p:sld xmlns:a="http://schemas.openxmlformats.org/drawingml/2006/main" xmlns:r="http://schemas.openxmlformats.org/officeDocument/2006/relationships" xmlns:p="http://schemas.openxmlformats.org/presentationml/2006/main">
+  <p:cSld>
+    <p:spTree>
+      <p:nvGrpSpPr>
+        <p:cNvPr id="1" name=""/>
+        <p:cNvGrpSpPr/>
+        <p:nvPr/>
+      </p:nvGrpSpPr>
+      <p:grpSpPr>
+        <a:xfrm>
+          <a:off x="0" y="0"/>
+          <a:ext cx="0" cy="0"/>
+          <a:chOff x="0" y="0"/>
+          <a:chExt cx="0" cy="0"/>
+        </a:xfrm>
+      </p:grpSpPr>
+      <p:sp>
+        <p:nvSpPr>
+          <p:cNvPr id="4" name="Title 3"/>
+          <p:cNvSpPr>
+            <a:spLocks noGrp="1"/>
+          </p:cNvSpPr>
+          <p:nvPr>
+            <p:ph type="ctrTitle"/>
+          </p:nvPr>
+        </p:nvSpPr>
+        <p:spPr>
+          <a:xfrm>
+            <a:off x="914400" y="2667000"/>
+            <a:ext cx="10363200" cy="903700"/>
+          </a:xfrm>
+        </p:spPr>
+        <p:txBody>
+          <a:bodyPr/>
+          <a:lstStyle/>
+          <a:p>
+            <a:pPr>
+              <a:lnSpc>
+                <a:spcPct val="100000"/>
+              </a:lnSpc>
+            </a:pPr>
+            <a:r>
+              <a:rPr lang="en-US" dirty="0"/>
+              <a:t>Querying the Services</a:t>
+            </a:r>
+          </a:p>
+        </p:txBody>
+      </p:sp>
+    </p:spTree>
+    <p:extLst>
+      <p:ext uri="{BB962C8B-B14F-4D97-AF65-F5344CB8AC3E}">
+        <p14:creationId xmlns:p14="http://schemas.microsoft.com/office/powerpoint/2010/main" val="1940748994"/>
+      </p:ext>
+    </p:extLst>
+  </p:cSld>
+  <p:clrMapOvr>
+    <a:masterClrMapping/>
+  </p:clrMapOvr>
+</p:sld>
+</file>
+
+<file path=ppt/slides/slide44.xml><?xml version="1.0" encoding="utf-8"?>
+<p:sld xmlns:a="http://schemas.openxmlformats.org/drawingml/2006/main" xmlns:r="http://schemas.openxmlformats.org/officeDocument/2006/relationships" xmlns:p="http://schemas.openxmlformats.org/presentationml/2006/main">
+  <p:cSld>
+    <p:spTree>
+      <p:nvGrpSpPr>
+        <p:cNvPr id="1" name=""/>
+        <p:cNvGrpSpPr/>
+        <p:nvPr/>
+      </p:nvGrpSpPr>
+      <p:grpSpPr>
+        <a:xfrm>
+          <a:off x="0" y="0"/>
+          <a:ext cx="0" cy="0"/>
+          <a:chOff x="0" y="0"/>
+          <a:chExt cx="0" cy="0"/>
+        </a:xfrm>
+      </p:grpSpPr>
+      <p:sp>
+        <p:nvSpPr>
+          <p:cNvPr id="7" name="Slide Number Placeholder 3"/>
+          <p:cNvSpPr>
+            <a:spLocks noGrp="1"/>
+          </p:cNvSpPr>
+          <p:nvPr>
+            <p:ph type="sldNum" sz="quarter" idx="4294967295"/>
+          </p:nvPr>
+        </p:nvSpPr>
+        <p:spPr>
+          <a:xfrm>
+            <a:off x="11568000" y="6525003"/>
+            <a:ext cx="428822" cy="196477"/>
+          </a:xfrm>
+          <a:prstGeom prst="rect">
+            <a:avLst/>
+          </a:prstGeom>
+        </p:spPr>
+        <p:txBody>
+          <a:bodyPr/>
+          <a:lstStyle/>
+          <a:p>
+            <a:pPr>
+              <a:defRPr/>
+            </a:pPr>
+            <a:fld id="{58452FF4-89E3-4D1B-9927-2DBDC00E58D7}" type="slidenum">
+              <a:rPr lang="en-US" smtClean="0"/>
+              <a:pPr>
+                <a:defRPr/>
+              </a:pPr>
+              <a:t>44</a:t>
+            </a:fld>
+            <a:endParaRPr lang="en-US" dirty="0"/>
+          </a:p>
+        </p:txBody>
+      </p:sp>
+      <p:sp>
+        <p:nvSpPr>
+          <p:cNvPr id="5" name="Content Placeholder 4"/>
+          <p:cNvSpPr>
+            <a:spLocks noGrp="1"/>
+          </p:cNvSpPr>
+          <p:nvPr>
+            <p:ph idx="1"/>
+          </p:nvPr>
+        </p:nvSpPr>
+        <p:spPr>
+          <a:xfrm>
+            <a:off x="1141413" y="1712549"/>
+            <a:ext cx="11696797" cy="5458202"/>
+          </a:xfrm>
+        </p:spPr>
+        <p:txBody>
+          <a:bodyPr>
+            <a:normAutofit/>
+          </a:bodyPr>
+          <a:lstStyle/>
+          <a:p>
+            <a:pPr>
+              <a:lnSpc>
+                <a:spcPct val="100000"/>
+              </a:lnSpc>
+            </a:pPr>
+            <a:r>
+              <a:rPr lang="en-US" dirty="0"/>
+              <a:t>Various scenarios:</a:t>
+            </a:r>
+          </a:p>
+          <a:p>
+            <a:pPr lvl="1">
+              <a:lnSpc>
+                <a:spcPct val="100000"/>
+              </a:lnSpc>
+            </a:pPr>
+            <a:r>
+              <a:rPr lang="en-US" dirty="0"/>
+              <a:t>Direct client-server communication</a:t>
+            </a:r>
+          </a:p>
+          <a:p>
+            <a:pPr lvl="1">
+              <a:lnSpc>
+                <a:spcPct val="100000"/>
+              </a:lnSpc>
+            </a:pPr>
+            <a:r>
+              <a:rPr lang="en-US" dirty="0"/>
+              <a:t>Server-side rendering</a:t>
+            </a:r>
+          </a:p>
+          <a:p>
+            <a:pPr lvl="1">
+              <a:lnSpc>
+                <a:spcPct val="100000"/>
+              </a:lnSpc>
+            </a:pPr>
+            <a:r>
+              <a:rPr lang="en-US" dirty="0"/>
+              <a:t>API gateway</a:t>
+            </a:r>
+          </a:p>
+          <a:p>
+            <a:pPr lvl="1">
+              <a:lnSpc>
+                <a:spcPct val="100000"/>
+              </a:lnSpc>
+            </a:pPr>
+            <a:r>
+              <a:rPr lang="en-US" dirty="0"/>
+              <a:t>Real-time communication</a:t>
+            </a:r>
+          </a:p>
+          <a:p>
+            <a:pPr lvl="1">
+              <a:lnSpc>
+                <a:spcPct val="100000"/>
+              </a:lnSpc>
+            </a:pPr>
+            <a:endParaRPr lang="en-US" dirty="0"/>
+          </a:p>
+        </p:txBody>
+      </p:sp>
+      <p:sp>
+        <p:nvSpPr>
+          <p:cNvPr id="4" name="Title 3"/>
+          <p:cNvSpPr>
+            <a:spLocks noGrp="1"/>
+          </p:cNvSpPr>
+          <p:nvPr>
+            <p:ph type="title"/>
+          </p:nvPr>
+        </p:nvSpPr>
+        <p:spPr/>
+        <p:txBody>
+          <a:bodyPr/>
+          <a:lstStyle/>
+          <a:p>
+            <a:r>
+              <a:rPr lang="en-US" dirty="0"/>
+              <a:t>Querying the Services</a:t>
+            </a:r>
+          </a:p>
+        </p:txBody>
+      </p:sp>
+    </p:spTree>
+    <p:extLst>
+      <p:ext uri="{BB962C8B-B14F-4D97-AF65-F5344CB8AC3E}">
+        <p14:creationId xmlns:p14="http://schemas.microsoft.com/office/powerpoint/2010/main" val="47363976"/>
+      </p:ext>
+    </p:extLst>
+  </p:cSld>
+  <p:clrMapOvr>
+    <a:masterClrMapping/>
+  </p:clrMapOvr>
+</p:sld>
+</file>
+
+<file path=ppt/slides/slide45.xml><?xml version="1.0" encoding="utf-8"?>
+<p:sld xmlns:a="http://schemas.openxmlformats.org/drawingml/2006/main" xmlns:r="http://schemas.openxmlformats.org/officeDocument/2006/relationships" xmlns:p="http://schemas.openxmlformats.org/presentationml/2006/main">
+  <p:cSld>
+    <p:spTree>
+      <p:nvGrpSpPr>
+        <p:cNvPr id="1" name=""/>
+        <p:cNvGrpSpPr/>
+        <p:nvPr/>
+      </p:nvGrpSpPr>
+      <p:grpSpPr>
+        <a:xfrm>
+          <a:off x="0" y="0"/>
+          <a:ext cx="0" cy="0"/>
+          <a:chOff x="0" y="0"/>
+          <a:chExt cx="0" cy="0"/>
+        </a:xfrm>
+      </p:grpSpPr>
+      <p:sp>
+        <p:nvSpPr>
+          <p:cNvPr id="7" name="Slide Number Placeholder 3"/>
+          <p:cNvSpPr>
+            <a:spLocks noGrp="1"/>
+          </p:cNvSpPr>
+          <p:nvPr>
+            <p:ph type="sldNum" sz="quarter" idx="4294967295"/>
+          </p:nvPr>
+        </p:nvSpPr>
+        <p:spPr>
+          <a:xfrm>
+            <a:off x="11568000" y="6525003"/>
+            <a:ext cx="428822" cy="196477"/>
+          </a:xfrm>
+          <a:prstGeom prst="rect">
+            <a:avLst/>
+          </a:prstGeom>
+        </p:spPr>
+        <p:txBody>
+          <a:bodyPr/>
+          <a:lstStyle/>
+          <a:p>
+            <a:pPr>
+              <a:defRPr/>
+            </a:pPr>
+            <a:fld id="{58452FF4-89E3-4D1B-9927-2DBDC00E58D7}" type="slidenum">
+              <a:rPr lang="en-US" smtClean="0"/>
+              <a:pPr>
+                <a:defRPr/>
+              </a:pPr>
+              <a:t>45</a:t>
             </a:fld>
             <a:endParaRPr lang="en-US" dirty="0"/>
           </a:p>
@@ -19657,820 +20520,6 @@
 </p:sld>
 </file>
 
-<file path=ppt/slides/slide41.xml><?xml version="1.0" encoding="utf-8"?>
-<p:sld xmlns:a="http://schemas.openxmlformats.org/drawingml/2006/main" xmlns:r="http://schemas.openxmlformats.org/officeDocument/2006/relationships" xmlns:p="http://schemas.openxmlformats.org/presentationml/2006/main">
-  <p:cSld>
-    <p:spTree>
-      <p:nvGrpSpPr>
-        <p:cNvPr id="1" name=""/>
-        <p:cNvGrpSpPr/>
-        <p:nvPr/>
-      </p:nvGrpSpPr>
-      <p:grpSpPr>
-        <a:xfrm>
-          <a:off x="0" y="0"/>
-          <a:ext cx="0" cy="0"/>
-          <a:chOff x="0" y="0"/>
-          <a:chExt cx="0" cy="0"/>
-        </a:xfrm>
-      </p:grpSpPr>
-      <p:sp>
-        <p:nvSpPr>
-          <p:cNvPr id="7" name="Slide Number Placeholder 3"/>
-          <p:cNvSpPr>
-            <a:spLocks noGrp="1"/>
-          </p:cNvSpPr>
-          <p:nvPr>
-            <p:ph type="sldNum" sz="quarter" idx="4294967295"/>
-          </p:nvPr>
-        </p:nvSpPr>
-        <p:spPr>
-          <a:xfrm>
-            <a:off x="11568000" y="6525003"/>
-            <a:ext cx="428822" cy="196477"/>
-          </a:xfrm>
-          <a:prstGeom prst="rect">
-            <a:avLst/>
-          </a:prstGeom>
-        </p:spPr>
-        <p:txBody>
-          <a:bodyPr/>
-          <a:lstStyle/>
-          <a:p>
-            <a:pPr>
-              <a:defRPr/>
-            </a:pPr>
-            <a:fld id="{58452FF4-89E3-4D1B-9927-2DBDC00E58D7}" type="slidenum">
-              <a:rPr lang="en-US" smtClean="0"/>
-              <a:pPr>
-                <a:defRPr/>
-              </a:pPr>
-              <a:t>41</a:t>
-            </a:fld>
-            <a:endParaRPr lang="en-US" dirty="0"/>
-          </a:p>
-        </p:txBody>
-      </p:sp>
-      <p:sp>
-        <p:nvSpPr>
-          <p:cNvPr id="5" name="Content Placeholder 4"/>
-          <p:cNvSpPr>
-            <a:spLocks noGrp="1"/>
-          </p:cNvSpPr>
-          <p:nvPr>
-            <p:ph idx="1"/>
-          </p:nvPr>
-        </p:nvSpPr>
-        <p:spPr>
-          <a:xfrm>
-            <a:off x="1141413" y="1712549"/>
-            <a:ext cx="11696797" cy="5458202"/>
-          </a:xfrm>
-        </p:spPr>
-        <p:txBody>
-          <a:bodyPr>
-            <a:normAutofit/>
-          </a:bodyPr>
-          <a:lstStyle/>
-          <a:p>
-            <a:pPr>
-              <a:lnSpc>
-                <a:spcPct val="100000"/>
-              </a:lnSpc>
-            </a:pPr>
-            <a:r>
-              <a:rPr lang="en-US" dirty="0"/>
-              <a:t>Works great for small applications</a:t>
-            </a:r>
-          </a:p>
-          <a:p>
-            <a:pPr>
-              <a:lnSpc>
-                <a:spcPct val="100000"/>
-              </a:lnSpc>
-            </a:pPr>
-            <a:r>
-              <a:rPr lang="en-US" dirty="0"/>
-              <a:t>Too much web requests, increasing the application latency</a:t>
-            </a:r>
-          </a:p>
-          <a:p>
-            <a:pPr>
-              <a:lnSpc>
-                <a:spcPct val="100000"/>
-              </a:lnSpc>
-            </a:pPr>
-            <a:r>
-              <a:rPr lang="en-US" dirty="0"/>
-              <a:t>Authorization is more difficult to implement</a:t>
-            </a:r>
-          </a:p>
-          <a:p>
-            <a:pPr lvl="1">
-              <a:lnSpc>
-                <a:spcPct val="100000"/>
-              </a:lnSpc>
-            </a:pPr>
-            <a:r>
-              <a:rPr lang="en-US" dirty="0"/>
-              <a:t>It must be done on every microservice</a:t>
-            </a:r>
-          </a:p>
-          <a:p>
-            <a:pPr>
-              <a:lnSpc>
-                <a:spcPct val="100000"/>
-              </a:lnSpc>
-            </a:pPr>
-            <a:r>
-              <a:rPr lang="en-US" dirty="0"/>
-              <a:t>Handling too many endpoints on the client may become a nightmare</a:t>
-            </a:r>
-          </a:p>
-          <a:p>
-            <a:pPr>
-              <a:lnSpc>
-                <a:spcPct val="100000"/>
-              </a:lnSpc>
-            </a:pPr>
-            <a:r>
-              <a:rPr lang="en-US" dirty="0"/>
-              <a:t>Coupling to many microservices</a:t>
-            </a:r>
-          </a:p>
-          <a:p>
-            <a:pPr>
-              <a:lnSpc>
-                <a:spcPct val="100000"/>
-              </a:lnSpc>
-            </a:pPr>
-            <a:r>
-              <a:rPr lang="en-US" dirty="0"/>
-              <a:t>Cross-cutting concerns such as SSL need to be implemented everywhere</a:t>
-            </a:r>
-          </a:p>
-        </p:txBody>
-      </p:sp>
-      <p:sp>
-        <p:nvSpPr>
-          <p:cNvPr id="4" name="Title 3"/>
-          <p:cNvSpPr>
-            <a:spLocks noGrp="1"/>
-          </p:cNvSpPr>
-          <p:nvPr>
-            <p:ph type="title"/>
-          </p:nvPr>
-        </p:nvSpPr>
-        <p:spPr/>
-        <p:txBody>
-          <a:bodyPr/>
-          <a:lstStyle/>
-          <a:p>
-            <a:r>
-              <a:rPr lang="en-US" dirty="0"/>
-              <a:t>Direct Client-Server Communication</a:t>
-            </a:r>
-          </a:p>
-        </p:txBody>
-      </p:sp>
-    </p:spTree>
-    <p:extLst>
-      <p:ext uri="{BB962C8B-B14F-4D97-AF65-F5344CB8AC3E}">
-        <p14:creationId xmlns:p14="http://schemas.microsoft.com/office/powerpoint/2010/main" val="260804987"/>
-      </p:ext>
-    </p:extLst>
-  </p:cSld>
-  <p:clrMapOvr>
-    <a:masterClrMapping/>
-  </p:clrMapOvr>
-</p:sld>
-</file>
-
-<file path=ppt/slides/slide42.xml><?xml version="1.0" encoding="utf-8"?>
-<p:sld xmlns:a="http://schemas.openxmlformats.org/drawingml/2006/main" xmlns:r="http://schemas.openxmlformats.org/officeDocument/2006/relationships" xmlns:p="http://schemas.openxmlformats.org/presentationml/2006/main">
-  <p:cSld>
-    <p:spTree>
-      <p:nvGrpSpPr>
-        <p:cNvPr id="1" name=""/>
-        <p:cNvGrpSpPr/>
-        <p:nvPr/>
-      </p:nvGrpSpPr>
-      <p:grpSpPr>
-        <a:xfrm>
-          <a:off x="0" y="0"/>
-          <a:ext cx="0" cy="0"/>
-          <a:chOff x="0" y="0"/>
-          <a:chExt cx="0" cy="0"/>
-        </a:xfrm>
-      </p:grpSpPr>
-      <p:sp>
-        <p:nvSpPr>
-          <p:cNvPr id="7" name="Slide Number Placeholder 3"/>
-          <p:cNvSpPr>
-            <a:spLocks noGrp="1"/>
-          </p:cNvSpPr>
-          <p:nvPr>
-            <p:ph type="sldNum" sz="quarter" idx="4294967295"/>
-          </p:nvPr>
-        </p:nvSpPr>
-        <p:spPr>
-          <a:xfrm>
-            <a:off x="11568000" y="6525003"/>
-            <a:ext cx="428822" cy="196477"/>
-          </a:xfrm>
-          <a:prstGeom prst="rect">
-            <a:avLst/>
-          </a:prstGeom>
-        </p:spPr>
-        <p:txBody>
-          <a:bodyPr/>
-          <a:lstStyle/>
-          <a:p>
-            <a:pPr>
-              <a:defRPr/>
-            </a:pPr>
-            <a:fld id="{58452FF4-89E3-4D1B-9927-2DBDC00E58D7}" type="slidenum">
-              <a:rPr lang="en-US" smtClean="0"/>
-              <a:pPr>
-                <a:defRPr/>
-              </a:pPr>
-              <a:t>42</a:t>
-            </a:fld>
-            <a:endParaRPr lang="en-US" dirty="0"/>
-          </a:p>
-        </p:txBody>
-      </p:sp>
-      <p:sp>
-        <p:nvSpPr>
-          <p:cNvPr id="5" name="Content Placeholder 4"/>
-          <p:cNvSpPr>
-            <a:spLocks noGrp="1"/>
-          </p:cNvSpPr>
-          <p:nvPr>
-            <p:ph idx="1"/>
-          </p:nvPr>
-        </p:nvSpPr>
-        <p:spPr>
-          <a:xfrm>
-            <a:off x="1141413" y="1712549"/>
-            <a:ext cx="11696797" cy="5458202"/>
-          </a:xfrm>
-        </p:spPr>
-        <p:txBody>
-          <a:bodyPr>
-            <a:normAutofit/>
-          </a:bodyPr>
-          <a:lstStyle/>
-          <a:p>
-            <a:pPr>
-              <a:lnSpc>
-                <a:spcPct val="100000"/>
-              </a:lnSpc>
-            </a:pPr>
-            <a:r>
-              <a:rPr lang="en-US" dirty="0"/>
-              <a:t>Provides single-entry endpoint for a group of microservices</a:t>
-            </a:r>
-          </a:p>
-          <a:p>
-            <a:pPr>
-              <a:lnSpc>
-                <a:spcPct val="100000"/>
-              </a:lnSpc>
-            </a:pPr>
-            <a:r>
-              <a:rPr lang="en-US" dirty="0"/>
-              <a:t>Like the Façade design pattern</a:t>
-            </a:r>
-          </a:p>
-          <a:p>
-            <a:pPr>
-              <a:lnSpc>
-                <a:spcPct val="100000"/>
-              </a:lnSpc>
-            </a:pPr>
-            <a:r>
-              <a:rPr lang="en-US" dirty="0"/>
-              <a:t>Also knows as “backend for frontend”</a:t>
-            </a:r>
-          </a:p>
-          <a:p>
-            <a:pPr lvl="1">
-              <a:lnSpc>
-                <a:spcPct val="100000"/>
-              </a:lnSpc>
-            </a:pPr>
-            <a:r>
-              <a:rPr lang="en-US" dirty="0"/>
-              <a:t>You build it for the specific client needs</a:t>
-            </a:r>
-          </a:p>
-          <a:p>
-            <a:pPr>
-              <a:lnSpc>
-                <a:spcPct val="100000"/>
-              </a:lnSpc>
-            </a:pPr>
-            <a:r>
-              <a:rPr lang="en-US" dirty="0"/>
-              <a:t>Acts as a reverse proxy and man in the middle between </a:t>
-            </a:r>
-            <a:br>
-              <a:rPr lang="en-US" dirty="0"/>
-            </a:br>
-            <a:r>
-              <a:rPr lang="en-US" dirty="0"/>
-              <a:t>the clients and the microservices</a:t>
-            </a:r>
-          </a:p>
-          <a:p>
-            <a:pPr>
-              <a:lnSpc>
-                <a:spcPct val="100000"/>
-              </a:lnSpc>
-            </a:pPr>
-            <a:r>
-              <a:rPr lang="en-US" dirty="0"/>
-              <a:t>Can also provide authentication, cache, and other cross-cutting concerns</a:t>
-            </a:r>
-          </a:p>
-        </p:txBody>
-      </p:sp>
-      <p:sp>
-        <p:nvSpPr>
-          <p:cNvPr id="4" name="Title 3"/>
-          <p:cNvSpPr>
-            <a:spLocks noGrp="1"/>
-          </p:cNvSpPr>
-          <p:nvPr>
-            <p:ph type="title"/>
-          </p:nvPr>
-        </p:nvSpPr>
-        <p:spPr/>
-        <p:txBody>
-          <a:bodyPr/>
-          <a:lstStyle/>
-          <a:p>
-            <a:r>
-              <a:rPr lang="en-US" dirty="0"/>
-              <a:t>THE API GATEWAY</a:t>
-            </a:r>
-          </a:p>
-        </p:txBody>
-      </p:sp>
-    </p:spTree>
-    <p:extLst>
-      <p:ext uri="{BB962C8B-B14F-4D97-AF65-F5344CB8AC3E}">
-        <p14:creationId xmlns:p14="http://schemas.microsoft.com/office/powerpoint/2010/main" val="1746523865"/>
-      </p:ext>
-    </p:extLst>
-  </p:cSld>
-  <p:clrMapOvr>
-    <a:masterClrMapping/>
-  </p:clrMapOvr>
-</p:sld>
-</file>
-
-<file path=ppt/slides/slide43.xml><?xml version="1.0" encoding="utf-8"?>
-<p:sld xmlns:a="http://schemas.openxmlformats.org/drawingml/2006/main" xmlns:r="http://schemas.openxmlformats.org/officeDocument/2006/relationships" xmlns:p="http://schemas.openxmlformats.org/presentationml/2006/main">
-  <p:cSld>
-    <p:spTree>
-      <p:nvGrpSpPr>
-        <p:cNvPr id="1" name=""/>
-        <p:cNvGrpSpPr/>
-        <p:nvPr/>
-      </p:nvGrpSpPr>
-      <p:grpSpPr>
-        <a:xfrm>
-          <a:off x="0" y="0"/>
-          <a:ext cx="0" cy="0"/>
-          <a:chOff x="0" y="0"/>
-          <a:chExt cx="0" cy="0"/>
-        </a:xfrm>
-      </p:grpSpPr>
-      <p:sp>
-        <p:nvSpPr>
-          <p:cNvPr id="7" name="Slide Number Placeholder 3"/>
-          <p:cNvSpPr>
-            <a:spLocks noGrp="1"/>
-          </p:cNvSpPr>
-          <p:nvPr>
-            <p:ph type="sldNum" sz="quarter" idx="4294967295"/>
-          </p:nvPr>
-        </p:nvSpPr>
-        <p:spPr>
-          <a:xfrm>
-            <a:off x="11568000" y="6525003"/>
-            <a:ext cx="428822" cy="196477"/>
-          </a:xfrm>
-          <a:prstGeom prst="rect">
-            <a:avLst/>
-          </a:prstGeom>
-        </p:spPr>
-        <p:txBody>
-          <a:bodyPr/>
-          <a:lstStyle/>
-          <a:p>
-            <a:pPr>
-              <a:defRPr/>
-            </a:pPr>
-            <a:fld id="{58452FF4-89E3-4D1B-9927-2DBDC00E58D7}" type="slidenum">
-              <a:rPr lang="en-US" smtClean="0"/>
-              <a:pPr>
-                <a:defRPr/>
-              </a:pPr>
-              <a:t>43</a:t>
-            </a:fld>
-            <a:endParaRPr lang="en-US" dirty="0"/>
-          </a:p>
-        </p:txBody>
-      </p:sp>
-      <p:sp>
-        <p:nvSpPr>
-          <p:cNvPr id="4" name="Title 3"/>
-          <p:cNvSpPr>
-            <a:spLocks noGrp="1"/>
-          </p:cNvSpPr>
-          <p:nvPr>
-            <p:ph type="title"/>
-          </p:nvPr>
-        </p:nvSpPr>
-        <p:spPr/>
-        <p:txBody>
-          <a:bodyPr/>
-          <a:lstStyle/>
-          <a:p>
-            <a:r>
-              <a:rPr lang="en-US" dirty="0"/>
-              <a:t>THE API GATEWAY</a:t>
-            </a:r>
-          </a:p>
-        </p:txBody>
-      </p:sp>
-      <p:pic>
-        <p:nvPicPr>
-          <p:cNvPr id="6" name="Picture 5">
-            <a:extLst>
-              <a:ext uri="{FF2B5EF4-FFF2-40B4-BE49-F238E27FC236}">
-                <a16:creationId xmlns:a16="http://schemas.microsoft.com/office/drawing/2014/main" id="{CEE8C623-BD87-4E34-B16B-6B86E7FD88E8}"/>
-              </a:ext>
-            </a:extLst>
-          </p:cNvPr>
-          <p:cNvPicPr>
-            <a:picLocks noChangeAspect="1"/>
-          </p:cNvPicPr>
-          <p:nvPr/>
-        </p:nvPicPr>
-        <p:blipFill>
-          <a:blip r:embed="rId2"/>
-          <a:stretch>
-            <a:fillRect/>
-          </a:stretch>
-        </p:blipFill>
-        <p:spPr>
-          <a:xfrm>
-            <a:off x="2182905" y="1822684"/>
-            <a:ext cx="7823013" cy="4702319"/>
-          </a:xfrm>
-          <a:prstGeom prst="rect">
-            <a:avLst/>
-          </a:prstGeom>
-          <a:ln w="88900" cap="sq" cmpd="thickThin">
-            <a:solidFill>
-              <a:srgbClr val="000000"/>
-            </a:solidFill>
-            <a:prstDash val="solid"/>
-            <a:miter lim="800000"/>
-          </a:ln>
-          <a:effectLst>
-            <a:innerShdw blurRad="76200">
-              <a:srgbClr val="000000"/>
-            </a:innerShdw>
-          </a:effectLst>
-        </p:spPr>
-      </p:pic>
-    </p:spTree>
-    <p:extLst>
-      <p:ext uri="{BB962C8B-B14F-4D97-AF65-F5344CB8AC3E}">
-        <p14:creationId xmlns:p14="http://schemas.microsoft.com/office/powerpoint/2010/main" val="3911556566"/>
-      </p:ext>
-    </p:extLst>
-  </p:cSld>
-  <p:clrMapOvr>
-    <a:masterClrMapping/>
-  </p:clrMapOvr>
-</p:sld>
-</file>
-
-<file path=ppt/slides/slide44.xml><?xml version="1.0" encoding="utf-8"?>
-<p:sld xmlns:a="http://schemas.openxmlformats.org/drawingml/2006/main" xmlns:r="http://schemas.openxmlformats.org/officeDocument/2006/relationships" xmlns:p="http://schemas.openxmlformats.org/presentationml/2006/main">
-  <p:cSld>
-    <p:spTree>
-      <p:nvGrpSpPr>
-        <p:cNvPr id="1" name=""/>
-        <p:cNvGrpSpPr/>
-        <p:nvPr/>
-      </p:nvGrpSpPr>
-      <p:grpSpPr>
-        <a:xfrm>
-          <a:off x="0" y="0"/>
-          <a:ext cx="0" cy="0"/>
-          <a:chOff x="0" y="0"/>
-          <a:chExt cx="0" cy="0"/>
-        </a:xfrm>
-      </p:grpSpPr>
-      <p:sp>
-        <p:nvSpPr>
-          <p:cNvPr id="7" name="Slide Number Placeholder 3"/>
-          <p:cNvSpPr>
-            <a:spLocks noGrp="1"/>
-          </p:cNvSpPr>
-          <p:nvPr>
-            <p:ph type="sldNum" sz="quarter" idx="4294967295"/>
-          </p:nvPr>
-        </p:nvSpPr>
-        <p:spPr>
-          <a:xfrm>
-            <a:off x="11568000" y="6525003"/>
-            <a:ext cx="428822" cy="196477"/>
-          </a:xfrm>
-          <a:prstGeom prst="rect">
-            <a:avLst/>
-          </a:prstGeom>
-        </p:spPr>
-        <p:txBody>
-          <a:bodyPr/>
-          <a:lstStyle/>
-          <a:p>
-            <a:pPr>
-              <a:defRPr/>
-            </a:pPr>
-            <a:fld id="{58452FF4-89E3-4D1B-9927-2DBDC00E58D7}" type="slidenum">
-              <a:rPr lang="en-US" smtClean="0"/>
-              <a:pPr>
-                <a:defRPr/>
-              </a:pPr>
-              <a:t>44</a:t>
-            </a:fld>
-            <a:endParaRPr lang="en-US" dirty="0"/>
-          </a:p>
-        </p:txBody>
-      </p:sp>
-      <p:sp>
-        <p:nvSpPr>
-          <p:cNvPr id="5" name="Content Placeholder 4"/>
-          <p:cNvSpPr>
-            <a:spLocks noGrp="1"/>
-          </p:cNvSpPr>
-          <p:nvPr>
-            <p:ph idx="1"/>
-          </p:nvPr>
-        </p:nvSpPr>
-        <p:spPr>
-          <a:xfrm>
-            <a:off x="1141413" y="1712549"/>
-            <a:ext cx="11696797" cy="5458202"/>
-          </a:xfrm>
-        </p:spPr>
-        <p:txBody>
-          <a:bodyPr>
-            <a:normAutofit/>
-          </a:bodyPr>
-          <a:lstStyle/>
-          <a:p>
-            <a:pPr>
-              <a:lnSpc>
-                <a:spcPct val="100000"/>
-              </a:lnSpc>
-            </a:pPr>
-            <a:r>
-              <a:rPr lang="en-US" dirty="0"/>
-              <a:t>If you are not careful, the API gateway may become a full monolithic app</a:t>
-            </a:r>
-          </a:p>
-          <a:p>
-            <a:pPr lvl="1">
-              <a:lnSpc>
-                <a:spcPct val="100000"/>
-              </a:lnSpc>
-            </a:pPr>
-            <a:r>
-              <a:rPr lang="en-US" dirty="0"/>
-              <a:t>Bloated with too many endpoints</a:t>
-            </a:r>
-          </a:p>
-          <a:p>
-            <a:pPr lvl="1">
-              <a:lnSpc>
-                <a:spcPct val="100000"/>
-              </a:lnSpc>
-            </a:pPr>
-            <a:r>
-              <a:rPr lang="en-US" dirty="0"/>
-              <a:t>Couples all microservices, destroying their benefits</a:t>
-            </a:r>
-          </a:p>
-          <a:p>
-            <a:pPr>
-              <a:lnSpc>
-                <a:spcPct val="100000"/>
-              </a:lnSpc>
-            </a:pPr>
-            <a:r>
-              <a:rPr lang="en-US" dirty="0"/>
-              <a:t>API Gateways should also be segregated </a:t>
-            </a:r>
-          </a:p>
-          <a:p>
-            <a:pPr lvl="1">
-              <a:lnSpc>
-                <a:spcPct val="100000"/>
-              </a:lnSpc>
-            </a:pPr>
-            <a:r>
-              <a:rPr lang="en-US" dirty="0"/>
-              <a:t>At first it may be an API Gateway for each client</a:t>
-            </a:r>
-          </a:p>
-          <a:p>
-            <a:pPr lvl="1">
-              <a:lnSpc>
-                <a:spcPct val="100000"/>
-              </a:lnSpc>
-            </a:pPr>
-            <a:r>
-              <a:rPr lang="en-US" dirty="0"/>
-              <a:t>But then it may be further split by logical groups based on business boundaries</a:t>
-            </a:r>
-          </a:p>
-        </p:txBody>
-      </p:sp>
-      <p:sp>
-        <p:nvSpPr>
-          <p:cNvPr id="4" name="Title 3"/>
-          <p:cNvSpPr>
-            <a:spLocks noGrp="1"/>
-          </p:cNvSpPr>
-          <p:nvPr>
-            <p:ph type="title"/>
-          </p:nvPr>
-        </p:nvSpPr>
-        <p:spPr/>
-        <p:txBody>
-          <a:bodyPr/>
-          <a:lstStyle/>
-          <a:p>
-            <a:r>
-              <a:rPr lang="en-US" dirty="0"/>
-              <a:t>THE API GATEWAY</a:t>
-            </a:r>
-          </a:p>
-        </p:txBody>
-      </p:sp>
-    </p:spTree>
-    <p:extLst>
-      <p:ext uri="{BB962C8B-B14F-4D97-AF65-F5344CB8AC3E}">
-        <p14:creationId xmlns:p14="http://schemas.microsoft.com/office/powerpoint/2010/main" val="3862626114"/>
-      </p:ext>
-    </p:extLst>
-  </p:cSld>
-  <p:clrMapOvr>
-    <a:masterClrMapping/>
-  </p:clrMapOvr>
-</p:sld>
-</file>
-
-<file path=ppt/slides/slide45.xml><?xml version="1.0" encoding="utf-8"?>
-<p:sld xmlns:a="http://schemas.openxmlformats.org/drawingml/2006/main" xmlns:r="http://schemas.openxmlformats.org/officeDocument/2006/relationships" xmlns:p="http://schemas.openxmlformats.org/presentationml/2006/main">
-  <p:cSld>
-    <p:spTree>
-      <p:nvGrpSpPr>
-        <p:cNvPr id="1" name=""/>
-        <p:cNvGrpSpPr/>
-        <p:nvPr/>
-      </p:nvGrpSpPr>
-      <p:grpSpPr>
-        <a:xfrm>
-          <a:off x="0" y="0"/>
-          <a:ext cx="0" cy="0"/>
-          <a:chOff x="0" y="0"/>
-          <a:chExt cx="0" cy="0"/>
-        </a:xfrm>
-      </p:grpSpPr>
-      <p:sp>
-        <p:nvSpPr>
-          <p:cNvPr id="7" name="Slide Number Placeholder 3"/>
-          <p:cNvSpPr>
-            <a:spLocks noGrp="1"/>
-          </p:cNvSpPr>
-          <p:nvPr>
-            <p:ph type="sldNum" sz="quarter" idx="4294967295"/>
-          </p:nvPr>
-        </p:nvSpPr>
-        <p:spPr>
-          <a:xfrm>
-            <a:off x="11568000" y="6525003"/>
-            <a:ext cx="428822" cy="196477"/>
-          </a:xfrm>
-          <a:prstGeom prst="rect">
-            <a:avLst/>
-          </a:prstGeom>
-        </p:spPr>
-        <p:txBody>
-          <a:bodyPr/>
-          <a:lstStyle/>
-          <a:p>
-            <a:pPr>
-              <a:defRPr/>
-            </a:pPr>
-            <a:fld id="{58452FF4-89E3-4D1B-9927-2DBDC00E58D7}" type="slidenum">
-              <a:rPr lang="en-US" smtClean="0"/>
-              <a:pPr>
-                <a:defRPr/>
-              </a:pPr>
-              <a:t>45</a:t>
-            </a:fld>
-            <a:endParaRPr lang="en-US" dirty="0"/>
-          </a:p>
-        </p:txBody>
-      </p:sp>
-      <p:sp>
-        <p:nvSpPr>
-          <p:cNvPr id="4" name="Title 3"/>
-          <p:cNvSpPr>
-            <a:spLocks noGrp="1"/>
-          </p:cNvSpPr>
-          <p:nvPr>
-            <p:ph type="title"/>
-          </p:nvPr>
-        </p:nvSpPr>
-        <p:spPr/>
-        <p:txBody>
-          <a:bodyPr/>
-          <a:lstStyle/>
-          <a:p>
-            <a:r>
-              <a:rPr lang="en-US" dirty="0"/>
-              <a:t>THE API GATEWAY</a:t>
-            </a:r>
-          </a:p>
-        </p:txBody>
-      </p:sp>
-      <p:pic>
-        <p:nvPicPr>
-          <p:cNvPr id="6" name="Picture 5">
-            <a:extLst>
-              <a:ext uri="{FF2B5EF4-FFF2-40B4-BE49-F238E27FC236}">
-                <a16:creationId xmlns:a16="http://schemas.microsoft.com/office/drawing/2014/main" id="{9E1324B6-4341-4853-9CB9-FF9160FEB070}"/>
-              </a:ext>
-            </a:extLst>
-          </p:cNvPr>
-          <p:cNvPicPr>
-            <a:picLocks noChangeAspect="1"/>
-          </p:cNvPicPr>
-          <p:nvPr/>
-        </p:nvPicPr>
-        <p:blipFill>
-          <a:blip r:embed="rId2"/>
-          <a:stretch>
-            <a:fillRect/>
-          </a:stretch>
-        </p:blipFill>
-        <p:spPr>
-          <a:xfrm>
-            <a:off x="2031134" y="1801091"/>
-            <a:ext cx="8126555" cy="4605048"/>
-          </a:xfrm>
-          <a:prstGeom prst="rect">
-            <a:avLst/>
-          </a:prstGeom>
-          <a:ln w="88900" cap="sq" cmpd="thickThin">
-            <a:solidFill>
-              <a:srgbClr val="000000"/>
-            </a:solidFill>
-            <a:prstDash val="solid"/>
-            <a:miter lim="800000"/>
-          </a:ln>
-          <a:effectLst>
-            <a:innerShdw blurRad="76200">
-              <a:srgbClr val="000000"/>
-            </a:innerShdw>
-          </a:effectLst>
-        </p:spPr>
-      </p:pic>
-    </p:spTree>
-    <p:extLst>
-      <p:ext uri="{BB962C8B-B14F-4D97-AF65-F5344CB8AC3E}">
-        <p14:creationId xmlns:p14="http://schemas.microsoft.com/office/powerpoint/2010/main" val="4131734089"/>
-      </p:ext>
-    </p:extLst>
-  </p:cSld>
-  <p:clrMapOvr>
-    <a:masterClrMapping/>
-  </p:clrMapOvr>
-</p:sld>
-</file>
-
 <file path=ppt/slides/slide46.xml><?xml version="1.0" encoding="utf-8"?>
 <p:sld xmlns:a="http://schemas.openxmlformats.org/drawingml/2006/main" xmlns:r="http://schemas.openxmlformats.org/officeDocument/2006/relationships" xmlns:p="http://schemas.openxmlformats.org/presentationml/2006/main">
   <p:cSld>
@@ -20554,7 +20603,29 @@
             </a:pPr>
             <a:r>
               <a:rPr lang="en-US" dirty="0"/>
-              <a:t>Reverse proxy and routing</a:t>
+              <a:t>Works great for small applications</a:t>
+            </a:r>
+          </a:p>
+          <a:p>
+            <a:pPr>
+              <a:lnSpc>
+                <a:spcPct val="100000"/>
+              </a:lnSpc>
+            </a:pPr>
+            <a:r>
+              <a:rPr lang="en-US" dirty="0"/>
+              <a:t>Too much web requests, increasing the application latency</a:t>
+            </a:r>
+          </a:p>
+          <a:p>
+            <a:pPr>
+              <a:lnSpc>
+                <a:spcPct val="100000"/>
+              </a:lnSpc>
+            </a:pPr>
+            <a:r>
+              <a:rPr lang="en-US" dirty="0"/>
+              <a:t>Authorization is more difficult to implement</a:t>
             </a:r>
           </a:p>
           <a:p>
@@ -20565,84 +20636,40 @@
             </a:pPr>
             <a:r>
               <a:rPr lang="en-US" dirty="0"/>
-              <a:t>Decouples the client</a:t>
-            </a:r>
-          </a:p>
-          <a:p>
-            <a:pPr lvl="1">
-              <a:lnSpc>
-                <a:spcPct val="100000"/>
-              </a:lnSpc>
-            </a:pPr>
-            <a:r>
-              <a:rPr lang="en-US" dirty="0"/>
-              <a:t>Modernize legacy monolithic app</a:t>
-            </a:r>
-          </a:p>
-          <a:p>
-            <a:pPr lvl="1">
-              <a:lnSpc>
-                <a:spcPct val="100000"/>
-              </a:lnSpc>
-            </a:pPr>
-            <a:r>
-              <a:rPr lang="en-US" dirty="0"/>
-              <a:t>Hide the internal microservices</a:t>
-            </a:r>
-          </a:p>
-          <a:p>
-            <a:pPr>
-              <a:lnSpc>
-                <a:spcPct val="100000"/>
-              </a:lnSpc>
-            </a:pPr>
-            <a:r>
-              <a:rPr lang="en-US" dirty="0"/>
-              <a:t>Request aggregation</a:t>
-            </a:r>
-          </a:p>
-          <a:p>
-            <a:pPr lvl="1">
-              <a:lnSpc>
-                <a:spcPct val="100000"/>
-              </a:lnSpc>
-            </a:pPr>
-            <a:r>
-              <a:rPr lang="en-US" dirty="0"/>
-              <a:t>Reduces chattiness between client and microservices</a:t>
-            </a:r>
-          </a:p>
-          <a:p>
-            <a:pPr lvl="1">
-              <a:lnSpc>
-                <a:spcPct val="100000"/>
-              </a:lnSpc>
-            </a:pPr>
-            <a:r>
-              <a:rPr lang="en-US" dirty="0"/>
-              <a:t>Especially important for remote applications </a:t>
-            </a:r>
-          </a:p>
-          <a:p>
-            <a:pPr>
-              <a:lnSpc>
-                <a:spcPct val="100000"/>
-              </a:lnSpc>
-            </a:pPr>
-            <a:r>
-              <a:rPr lang="en-US" dirty="0"/>
-              <a:t>Offloading</a:t>
-            </a:r>
-          </a:p>
-          <a:p>
-            <a:pPr lvl="1">
-              <a:lnSpc>
-                <a:spcPct val="100000"/>
-              </a:lnSpc>
-            </a:pPr>
-            <a:r>
-              <a:rPr lang="en-US" dirty="0"/>
-              <a:t>Authentication, load balancing, retry policies, response caching, IP whitelisting, and more</a:t>
+              <a:t>It must be done on every microservice</a:t>
+            </a:r>
+          </a:p>
+          <a:p>
+            <a:pPr>
+              <a:lnSpc>
+                <a:spcPct val="100000"/>
+              </a:lnSpc>
+            </a:pPr>
+            <a:r>
+              <a:rPr lang="en-US" dirty="0"/>
+              <a:t>Handling too many endpoints on the client may become a nightmare</a:t>
+            </a:r>
+          </a:p>
+          <a:p>
+            <a:pPr>
+              <a:lnSpc>
+                <a:spcPct val="100000"/>
+              </a:lnSpc>
+            </a:pPr>
+            <a:r>
+              <a:rPr lang="en-US" dirty="0"/>
+              <a:t>Coupling to many microservices</a:t>
+            </a:r>
+          </a:p>
+          <a:p>
+            <a:pPr>
+              <a:lnSpc>
+                <a:spcPct val="100000"/>
+              </a:lnSpc>
+            </a:pPr>
+            <a:r>
+              <a:rPr lang="en-US" dirty="0"/>
+              <a:t>Cross-cutting concerns such as SSL need to be implemented everywhere</a:t>
             </a:r>
           </a:p>
         </p:txBody>
@@ -20664,7 +20691,7 @@
           <a:p>
             <a:r>
               <a:rPr lang="en-US" dirty="0"/>
-              <a:t>THE API GATEWAY - Benefits</a:t>
+              <a:t>Direct Client-Server Communication</a:t>
             </a:r>
           </a:p>
         </p:txBody>
@@ -20672,7 +20699,7 @@
     </p:spTree>
     <p:extLst>
       <p:ext uri="{BB962C8B-B14F-4D97-AF65-F5344CB8AC3E}">
-        <p14:creationId xmlns:p14="http://schemas.microsoft.com/office/powerpoint/2010/main" val="3667734176"/>
+        <p14:creationId xmlns:p14="http://schemas.microsoft.com/office/powerpoint/2010/main" val="260804987"/>
       </p:ext>
     </p:extLst>
   </p:cSld>
@@ -20765,29 +20792,25 @@
             </a:pPr>
             <a:r>
               <a:rPr lang="en-US" dirty="0"/>
-              <a:t>Coupling with the internal microservices</a:t>
-            </a:r>
-          </a:p>
-          <a:p>
-            <a:pPr>
-              <a:lnSpc>
-                <a:spcPct val="100000"/>
-              </a:lnSpc>
-            </a:pPr>
-            <a:r>
-              <a:rPr lang="en-US" dirty="0"/>
-              <a:t>Additional point of failure</a:t>
-            </a:r>
-          </a:p>
-          <a:p>
-            <a:pPr>
-              <a:lnSpc>
-                <a:spcPct val="100000"/>
-              </a:lnSpc>
-            </a:pPr>
-            <a:r>
-              <a:rPr lang="en-US" dirty="0"/>
-              <a:t>Additional network calls</a:t>
+              <a:t>Usually the client calls a load balancer, which requests </a:t>
+            </a:r>
+            <a:br>
+              <a:rPr lang="en-US" dirty="0"/>
+            </a:br>
+            <a:r>
+              <a:rPr lang="en-US" dirty="0"/>
+              <a:t>data from the internal microservice infrastructure</a:t>
+            </a:r>
+          </a:p>
+          <a:p>
+            <a:pPr>
+              <a:lnSpc>
+                <a:spcPct val="100000"/>
+              </a:lnSpc>
+            </a:pPr>
+            <a:r>
+              <a:rPr lang="en-US" dirty="0"/>
+              <a:t>Should be used when</a:t>
             </a:r>
           </a:p>
           <a:p>
@@ -20798,38 +20821,42 @@
             </a:pPr>
             <a:r>
               <a:rPr lang="en-US" dirty="0"/>
-              <a:t>Usually does not have a huge impact considering the alternative</a:t>
-            </a:r>
-          </a:p>
-          <a:p>
-            <a:pPr>
-              <a:lnSpc>
-                <a:spcPct val="100000"/>
-              </a:lnSpc>
-            </a:pPr>
-            <a:r>
-              <a:rPr lang="en-US" dirty="0"/>
-              <a:t>May become bottleneck</a:t>
-            </a:r>
-          </a:p>
-          <a:p>
-            <a:pPr>
-              <a:lnSpc>
-                <a:spcPct val="100000"/>
-              </a:lnSpc>
-            </a:pPr>
-            <a:r>
-              <a:rPr lang="en-US" dirty="0"/>
-              <a:t>Additional development costs and maintenance </a:t>
-            </a:r>
-          </a:p>
-          <a:p>
-            <a:pPr>
-              <a:lnSpc>
-                <a:spcPct val="100000"/>
-              </a:lnSpc>
-            </a:pPr>
-            <a:endParaRPr lang="en-US" dirty="0"/>
+              <a:t>The application is not huge</a:t>
+            </a:r>
+          </a:p>
+          <a:p>
+            <a:pPr lvl="1">
+              <a:lnSpc>
+                <a:spcPct val="100000"/>
+              </a:lnSpc>
+            </a:pPr>
+            <a:r>
+              <a:rPr lang="en-US" dirty="0"/>
+              <a:t>The data is independent and does not need additional aggregation</a:t>
+            </a:r>
+          </a:p>
+          <a:p>
+            <a:pPr lvl="2">
+              <a:lnSpc>
+                <a:spcPct val="100000"/>
+              </a:lnSpc>
+            </a:pPr>
+            <a:r>
+              <a:rPr lang="en-US" dirty="0"/>
+              <a:t>Otherwise the client needs to process business logic</a:t>
+            </a:r>
+          </a:p>
+          <a:p>
+            <a:pPr lvl="2">
+              <a:lnSpc>
+                <a:spcPct val="100000"/>
+              </a:lnSpc>
+            </a:pPr>
+            <a:r>
+              <a:rPr lang="en-US" dirty="0"/>
+              <a:t>Breaking separation of concerns</a:t>
+            </a:r>
+            <a:endParaRPr lang="bg-BG" dirty="0"/>
           </a:p>
         </p:txBody>
       </p:sp>
@@ -20850,7 +20877,7 @@
           <a:p>
             <a:r>
               <a:rPr lang="en-US" dirty="0"/>
-              <a:t>THE API GATEWAY - Drawbacks</a:t>
+              <a:t>Direct Client-Server Communication</a:t>
             </a:r>
           </a:p>
         </p:txBody>
@@ -20858,7 +20885,7 @@
     </p:spTree>
     <p:extLst>
       <p:ext uri="{BB962C8B-B14F-4D97-AF65-F5344CB8AC3E}">
-        <p14:creationId xmlns:p14="http://schemas.microsoft.com/office/powerpoint/2010/main" val="1068626106"/>
+        <p14:creationId xmlns:p14="http://schemas.microsoft.com/office/powerpoint/2010/main" val="3885929593"/>
       </p:ext>
     </p:extLst>
   </p:cSld>
@@ -20887,32 +20914,160 @@
       </p:grpSpPr>
       <p:sp>
         <p:nvSpPr>
-          <p:cNvPr id="4" name="Title 3"/>
-          <p:cNvSpPr>
-            <a:spLocks noGrp="1"/>
-          </p:cNvSpPr>
-          <p:nvPr>
-            <p:ph type="ctrTitle"/>
+          <p:cNvPr id="7" name="Slide Number Placeholder 3"/>
+          <p:cNvSpPr>
+            <a:spLocks noGrp="1"/>
+          </p:cNvSpPr>
+          <p:nvPr>
+            <p:ph type="sldNum" sz="quarter" idx="4294967295"/>
           </p:nvPr>
         </p:nvSpPr>
         <p:spPr>
           <a:xfrm>
-            <a:off x="914400" y="2667000"/>
-            <a:ext cx="10363200" cy="903700"/>
+            <a:off x="11568000" y="6525003"/>
+            <a:ext cx="428822" cy="196477"/>
+          </a:xfrm>
+          <a:prstGeom prst="rect">
+            <a:avLst/>
+          </a:prstGeom>
+        </p:spPr>
+        <p:txBody>
+          <a:bodyPr/>
+          <a:lstStyle/>
+          <a:p>
+            <a:pPr>
+              <a:defRPr/>
+            </a:pPr>
+            <a:fld id="{58452FF4-89E3-4D1B-9927-2DBDC00E58D7}" type="slidenum">
+              <a:rPr lang="en-US" smtClean="0"/>
+              <a:pPr>
+                <a:defRPr/>
+              </a:pPr>
+              <a:t>48</a:t>
+            </a:fld>
+            <a:endParaRPr lang="en-US" dirty="0"/>
+          </a:p>
+        </p:txBody>
+      </p:sp>
+      <p:sp>
+        <p:nvSpPr>
+          <p:cNvPr id="5" name="Content Placeholder 4"/>
+          <p:cNvSpPr>
+            <a:spLocks noGrp="1"/>
+          </p:cNvSpPr>
+          <p:nvPr>
+            <p:ph idx="1"/>
+          </p:nvPr>
+        </p:nvSpPr>
+        <p:spPr>
+          <a:xfrm>
+            <a:off x="1141413" y="1712549"/>
+            <a:ext cx="11696797" cy="5458202"/>
           </a:xfrm>
         </p:spPr>
         <p:txBody>
+          <a:bodyPr>
+            <a:normAutofit/>
+          </a:bodyPr>
+          <a:lstStyle/>
+          <a:p>
+            <a:pPr>
+              <a:lnSpc>
+                <a:spcPct val="100000"/>
+              </a:lnSpc>
+            </a:pPr>
+            <a:r>
+              <a:rPr lang="en-US" dirty="0"/>
+              <a:t>Drawbacks</a:t>
+            </a:r>
+          </a:p>
+          <a:p>
+            <a:pPr lvl="1">
+              <a:lnSpc>
+                <a:spcPct val="100000"/>
+              </a:lnSpc>
+            </a:pPr>
+            <a:r>
+              <a:rPr lang="en-US" dirty="0"/>
+              <a:t>Two many Internet round-trips outside of the internal microservice network</a:t>
+            </a:r>
+          </a:p>
+          <a:p>
+            <a:pPr lvl="1">
+              <a:lnSpc>
+                <a:spcPct val="100000"/>
+              </a:lnSpc>
+            </a:pPr>
+            <a:r>
+              <a:rPr lang="en-US" dirty="0"/>
+              <a:t>Microservices must be exposed to the “external world”</a:t>
+            </a:r>
+          </a:p>
+          <a:p>
+            <a:pPr lvl="1">
+              <a:lnSpc>
+                <a:spcPct val="100000"/>
+              </a:lnSpc>
+            </a:pPr>
+            <a:r>
+              <a:rPr lang="en-US" dirty="0"/>
+              <a:t>Cross-cutting concerns like authentication and authorization </a:t>
+            </a:r>
+          </a:p>
+          <a:p>
+            <a:pPr lvl="1">
+              <a:lnSpc>
+                <a:spcPct val="100000"/>
+              </a:lnSpc>
+            </a:pPr>
+            <a:r>
+              <a:rPr lang="en-US" dirty="0"/>
+              <a:t>Using synchronous communication like HTTP</a:t>
+            </a:r>
+          </a:p>
+          <a:p>
+            <a:pPr lvl="1">
+              <a:lnSpc>
+                <a:spcPct val="100000"/>
+              </a:lnSpc>
+            </a:pPr>
+            <a:r>
+              <a:rPr lang="en-US" dirty="0"/>
+              <a:t>Different client applications require different APIs</a:t>
+            </a:r>
+          </a:p>
+          <a:p>
+            <a:pPr lvl="2">
+              <a:lnSpc>
+                <a:spcPct val="100000"/>
+              </a:lnSpc>
+            </a:pPr>
+            <a:r>
+              <a:rPr lang="en-US" dirty="0"/>
+              <a:t>Consider web versus mobile clients</a:t>
+            </a:r>
+            <a:endParaRPr lang="bg-BG" dirty="0"/>
+          </a:p>
+        </p:txBody>
+      </p:sp>
+      <p:sp>
+        <p:nvSpPr>
+          <p:cNvPr id="4" name="Title 3"/>
+          <p:cNvSpPr>
+            <a:spLocks noGrp="1"/>
+          </p:cNvSpPr>
+          <p:nvPr>
+            <p:ph type="title"/>
+          </p:nvPr>
+        </p:nvSpPr>
+        <p:spPr/>
+        <p:txBody>
           <a:bodyPr/>
           <a:lstStyle/>
           <a:p>
-            <a:pPr>
-              <a:lnSpc>
-                <a:spcPct val="100000"/>
-              </a:lnSpc>
-            </a:pPr>
-            <a:r>
-              <a:rPr lang="en-US" dirty="0"/>
-              <a:t>Communication</a:t>
+            <a:r>
+              <a:rPr lang="en-US" dirty="0"/>
+              <a:t>Direct Client-Server Communication</a:t>
             </a:r>
           </a:p>
         </p:txBody>
@@ -20920,7 +21075,7 @@
     </p:spTree>
     <p:extLst>
       <p:ext uri="{BB962C8B-B14F-4D97-AF65-F5344CB8AC3E}">
-        <p14:creationId xmlns:p14="http://schemas.microsoft.com/office/powerpoint/2010/main" val="1527708177"/>
+        <p14:creationId xmlns:p14="http://schemas.microsoft.com/office/powerpoint/2010/main" val="3869119046"/>
       </p:ext>
     </p:extLst>
   </p:cSld>
@@ -21013,143 +21168,54 @@
             </a:pPr>
             <a:r>
               <a:rPr lang="en-US" dirty="0"/>
-              <a:t>Sync or Async</a:t>
-            </a:r>
-          </a:p>
-          <a:p>
-            <a:pPr lvl="1">
-              <a:lnSpc>
-                <a:spcPct val="100000"/>
-              </a:lnSpc>
-            </a:pPr>
-            <a:r>
-              <a:rPr lang="en-US" dirty="0"/>
-              <a:t>Synchronous – HTTP/HTTPS – tasks can continue after the response</a:t>
-            </a:r>
-          </a:p>
-          <a:p>
-            <a:pPr lvl="1">
-              <a:lnSpc>
-                <a:spcPct val="100000"/>
-              </a:lnSpc>
-            </a:pPr>
-            <a:r>
-              <a:rPr lang="en-US" dirty="0"/>
-              <a:t>Asynchronous – AMQP – the client usually don’t expect a response</a:t>
-            </a:r>
-          </a:p>
-          <a:p>
-            <a:pPr>
-              <a:lnSpc>
-                <a:spcPct val="100000"/>
-              </a:lnSpc>
-            </a:pPr>
-            <a:r>
-              <a:rPr lang="en-US" dirty="0"/>
-              <a:t>Single or Multiple receivers</a:t>
-            </a:r>
-          </a:p>
-          <a:p>
-            <a:pPr lvl="1">
-              <a:lnSpc>
-                <a:spcPct val="100000"/>
-              </a:lnSpc>
-            </a:pPr>
-            <a:r>
-              <a:rPr lang="en-US" dirty="0"/>
-              <a:t>Single receiver – the Command pattern</a:t>
-            </a:r>
-          </a:p>
-          <a:p>
-            <a:pPr lvl="1">
-              <a:lnSpc>
-                <a:spcPct val="100000"/>
-              </a:lnSpc>
-            </a:pPr>
-            <a:r>
-              <a:rPr lang="en-US" dirty="0"/>
-              <a:t>Multiple receivers – the Publish/Subscribe pattern</a:t>
-            </a:r>
-          </a:p>
-          <a:p>
-            <a:pPr>
-              <a:lnSpc>
-                <a:spcPct val="100000"/>
-              </a:lnSpc>
-            </a:pPr>
-            <a:r>
-              <a:rPr lang="en-US" dirty="0"/>
-              <a:t>Microservices usually uses a combination of these communication types</a:t>
-            </a:r>
-          </a:p>
-          <a:p>
-            <a:pPr lvl="1">
-              <a:lnSpc>
-                <a:spcPct val="100000"/>
-              </a:lnSpc>
-            </a:pPr>
-            <a:r>
-              <a:rPr lang="en-US" dirty="0"/>
-              <a:t>If possible, never depend on request-response communication</a:t>
-            </a:r>
-          </a:p>
-          <a:p>
-            <a:pPr lvl="1">
-              <a:lnSpc>
-                <a:spcPct val="100000"/>
-              </a:lnSpc>
-            </a:pPr>
-            <a:r>
-              <a:rPr lang="en-US" dirty="0"/>
-              <a:t>It breaks the autonomous feature of the microservices</a:t>
-            </a:r>
-          </a:p>
-          <a:p>
-            <a:pPr lvl="1">
-              <a:lnSpc>
-                <a:spcPct val="100000"/>
-              </a:lnSpc>
-            </a:pPr>
-            <a:r>
-              <a:rPr lang="en-US" dirty="0"/>
-              <a:t>And may turn into a bottleneck</a:t>
+              <a:t>When the client application is not a JavaScript SPA</a:t>
+            </a:r>
+          </a:p>
+          <a:p>
+            <a:pPr>
+              <a:lnSpc>
+                <a:spcPct val="100000"/>
+              </a:lnSpc>
+            </a:pPr>
+            <a:r>
+              <a:rPr lang="en-US" dirty="0"/>
+              <a:t>You can use REST (with Refit) or </a:t>
+            </a:r>
+            <a:r>
+              <a:rPr lang="en-US" dirty="0" err="1"/>
+              <a:t>gRPC</a:t>
             </a:r>
             <a:endParaRPr lang="bg-BG" dirty="0"/>
           </a:p>
           <a:p>
-            <a:pPr lvl="1">
-              <a:lnSpc>
-                <a:spcPct val="100000"/>
-              </a:lnSpc>
-            </a:pPr>
-            <a:r>
-              <a:rPr lang="en-US" dirty="0"/>
-              <a:t>Always consider “the rule of 1 hop”</a:t>
-            </a:r>
-          </a:p>
-          <a:p>
-            <a:pPr>
-              <a:lnSpc>
-                <a:spcPct val="100000"/>
-              </a:lnSpc>
-            </a:pPr>
-            <a:endParaRPr lang="en-US" dirty="0"/>
-          </a:p>
-          <a:p>
-            <a:pPr lvl="1">
-              <a:lnSpc>
-                <a:spcPct val="100000"/>
-              </a:lnSpc>
-            </a:pPr>
-            <a:endParaRPr lang="en-US" dirty="0"/>
-          </a:p>
-          <a:p>
-            <a:pPr>
-              <a:lnSpc>
-                <a:spcPct val="100000"/>
-              </a:lnSpc>
-            </a:pPr>
-            <a:endParaRPr lang="en-US" dirty="0"/>
+            <a:pPr>
+              <a:lnSpc>
+                <a:spcPct val="100000"/>
+              </a:lnSpc>
+            </a:pPr>
+            <a:r>
+              <a:rPr lang="en-US" dirty="0"/>
+              <a:t>You need to transfer the JWT to a cookie-based authentication</a:t>
+            </a:r>
+          </a:p>
+          <a:p>
+            <a:pPr>
+              <a:lnSpc>
+                <a:spcPct val="100000"/>
+              </a:lnSpc>
+            </a:pPr>
+            <a:r>
+              <a:rPr lang="en-US" dirty="0"/>
+              <a:t>In the production environment, the other microservices</a:t>
+            </a:r>
+            <a:br>
+              <a:rPr lang="en-US" dirty="0"/>
+            </a:br>
+            <a:r>
+              <a:rPr lang="en-US" dirty="0"/>
+              <a:t>can be hidden from the external world</a:t>
+            </a:r>
+            <a:endParaRPr lang="bg-BG" dirty="0"/>
           </a:p>
         </p:txBody>
       </p:sp>
@@ -21170,7 +21236,7 @@
           <a:p>
             <a:r>
               <a:rPr lang="en-US" dirty="0"/>
-              <a:t>Communication Types</a:t>
+              <a:t>Server-Side Rendering</a:t>
             </a:r>
           </a:p>
         </p:txBody>
@@ -21178,7 +21244,7 @@
     </p:spTree>
     <p:extLst>
       <p:ext uri="{BB962C8B-B14F-4D97-AF65-F5344CB8AC3E}">
-        <p14:creationId xmlns:p14="http://schemas.microsoft.com/office/powerpoint/2010/main" val="995044938"/>
+        <p14:creationId xmlns:p14="http://schemas.microsoft.com/office/powerpoint/2010/main" val="3575324405"/>
       </p:ext>
     </p:extLst>
   </p:cSld>
@@ -21698,6 +21764,1884 @@
       </p:sp>
       <p:sp>
         <p:nvSpPr>
+          <p:cNvPr id="5" name="Content Placeholder 4"/>
+          <p:cNvSpPr>
+            <a:spLocks noGrp="1"/>
+          </p:cNvSpPr>
+          <p:nvPr>
+            <p:ph idx="1"/>
+          </p:nvPr>
+        </p:nvSpPr>
+        <p:spPr>
+          <a:xfrm>
+            <a:off x="1141413" y="1712549"/>
+            <a:ext cx="11696797" cy="5458202"/>
+          </a:xfrm>
+        </p:spPr>
+        <p:txBody>
+          <a:bodyPr>
+            <a:normAutofit/>
+          </a:bodyPr>
+          <a:lstStyle/>
+          <a:p>
+            <a:pPr>
+              <a:lnSpc>
+                <a:spcPct val="100000"/>
+              </a:lnSpc>
+            </a:pPr>
+            <a:r>
+              <a:rPr lang="en-US" dirty="0"/>
+              <a:t>Provides single-entry endpoint for a group of microservices</a:t>
+            </a:r>
+          </a:p>
+          <a:p>
+            <a:pPr>
+              <a:lnSpc>
+                <a:spcPct val="100000"/>
+              </a:lnSpc>
+            </a:pPr>
+            <a:r>
+              <a:rPr lang="en-US" dirty="0"/>
+              <a:t>Like the Façade design pattern</a:t>
+            </a:r>
+          </a:p>
+          <a:p>
+            <a:pPr>
+              <a:lnSpc>
+                <a:spcPct val="100000"/>
+              </a:lnSpc>
+            </a:pPr>
+            <a:r>
+              <a:rPr lang="en-US" dirty="0"/>
+              <a:t>Also knows as “backend for frontend”</a:t>
+            </a:r>
+          </a:p>
+          <a:p>
+            <a:pPr lvl="1">
+              <a:lnSpc>
+                <a:spcPct val="100000"/>
+              </a:lnSpc>
+            </a:pPr>
+            <a:r>
+              <a:rPr lang="en-US" dirty="0"/>
+              <a:t>You build it for the specific client needs</a:t>
+            </a:r>
+          </a:p>
+          <a:p>
+            <a:pPr>
+              <a:lnSpc>
+                <a:spcPct val="100000"/>
+              </a:lnSpc>
+            </a:pPr>
+            <a:r>
+              <a:rPr lang="en-US" dirty="0"/>
+              <a:t>Acts as a reverse proxy and man in the middle between </a:t>
+            </a:r>
+            <a:br>
+              <a:rPr lang="en-US" dirty="0"/>
+            </a:br>
+            <a:r>
+              <a:rPr lang="en-US" dirty="0"/>
+              <a:t>the clients and the microservices</a:t>
+            </a:r>
+          </a:p>
+          <a:p>
+            <a:pPr>
+              <a:lnSpc>
+                <a:spcPct val="100000"/>
+              </a:lnSpc>
+            </a:pPr>
+            <a:r>
+              <a:rPr lang="en-US" dirty="0"/>
+              <a:t>Can also provide authentication, cache, and other cross-cutting concerns</a:t>
+            </a:r>
+          </a:p>
+        </p:txBody>
+      </p:sp>
+      <p:sp>
+        <p:nvSpPr>
+          <p:cNvPr id="4" name="Title 3"/>
+          <p:cNvSpPr>
+            <a:spLocks noGrp="1"/>
+          </p:cNvSpPr>
+          <p:nvPr>
+            <p:ph type="title"/>
+          </p:nvPr>
+        </p:nvSpPr>
+        <p:spPr/>
+        <p:txBody>
+          <a:bodyPr/>
+          <a:lstStyle/>
+          <a:p>
+            <a:r>
+              <a:rPr lang="en-US" dirty="0"/>
+              <a:t>THE API GATEWAY</a:t>
+            </a:r>
+          </a:p>
+        </p:txBody>
+      </p:sp>
+    </p:spTree>
+    <p:extLst>
+      <p:ext uri="{BB962C8B-B14F-4D97-AF65-F5344CB8AC3E}">
+        <p14:creationId xmlns:p14="http://schemas.microsoft.com/office/powerpoint/2010/main" val="1746523865"/>
+      </p:ext>
+    </p:extLst>
+  </p:cSld>
+  <p:clrMapOvr>
+    <a:masterClrMapping/>
+  </p:clrMapOvr>
+</p:sld>
+</file>
+
+<file path=ppt/slides/slide51.xml><?xml version="1.0" encoding="utf-8"?>
+<p:sld xmlns:a="http://schemas.openxmlformats.org/drawingml/2006/main" xmlns:r="http://schemas.openxmlformats.org/officeDocument/2006/relationships" xmlns:p="http://schemas.openxmlformats.org/presentationml/2006/main">
+  <p:cSld>
+    <p:spTree>
+      <p:nvGrpSpPr>
+        <p:cNvPr id="1" name=""/>
+        <p:cNvGrpSpPr/>
+        <p:nvPr/>
+      </p:nvGrpSpPr>
+      <p:grpSpPr>
+        <a:xfrm>
+          <a:off x="0" y="0"/>
+          <a:ext cx="0" cy="0"/>
+          <a:chOff x="0" y="0"/>
+          <a:chExt cx="0" cy="0"/>
+        </a:xfrm>
+      </p:grpSpPr>
+      <p:sp>
+        <p:nvSpPr>
+          <p:cNvPr id="7" name="Slide Number Placeholder 3"/>
+          <p:cNvSpPr>
+            <a:spLocks noGrp="1"/>
+          </p:cNvSpPr>
+          <p:nvPr>
+            <p:ph type="sldNum" sz="quarter" idx="4294967295"/>
+          </p:nvPr>
+        </p:nvSpPr>
+        <p:spPr>
+          <a:xfrm>
+            <a:off x="11568000" y="6525003"/>
+            <a:ext cx="428822" cy="196477"/>
+          </a:xfrm>
+          <a:prstGeom prst="rect">
+            <a:avLst/>
+          </a:prstGeom>
+        </p:spPr>
+        <p:txBody>
+          <a:bodyPr/>
+          <a:lstStyle/>
+          <a:p>
+            <a:pPr>
+              <a:defRPr/>
+            </a:pPr>
+            <a:fld id="{58452FF4-89E3-4D1B-9927-2DBDC00E58D7}" type="slidenum">
+              <a:rPr lang="en-US" smtClean="0"/>
+              <a:pPr>
+                <a:defRPr/>
+              </a:pPr>
+              <a:t>51</a:t>
+            </a:fld>
+            <a:endParaRPr lang="en-US" dirty="0"/>
+          </a:p>
+        </p:txBody>
+      </p:sp>
+      <p:sp>
+        <p:nvSpPr>
+          <p:cNvPr id="4" name="Title 3"/>
+          <p:cNvSpPr>
+            <a:spLocks noGrp="1"/>
+          </p:cNvSpPr>
+          <p:nvPr>
+            <p:ph type="title"/>
+          </p:nvPr>
+        </p:nvSpPr>
+        <p:spPr/>
+        <p:txBody>
+          <a:bodyPr/>
+          <a:lstStyle/>
+          <a:p>
+            <a:r>
+              <a:rPr lang="en-US" dirty="0"/>
+              <a:t>THE API GATEWAY</a:t>
+            </a:r>
+          </a:p>
+        </p:txBody>
+      </p:sp>
+      <p:pic>
+        <p:nvPicPr>
+          <p:cNvPr id="6" name="Picture 5">
+            <a:extLst>
+              <a:ext uri="{FF2B5EF4-FFF2-40B4-BE49-F238E27FC236}">
+                <a16:creationId xmlns:a16="http://schemas.microsoft.com/office/drawing/2014/main" id="{CEE8C623-BD87-4E34-B16B-6B86E7FD88E8}"/>
+              </a:ext>
+            </a:extLst>
+          </p:cNvPr>
+          <p:cNvPicPr>
+            <a:picLocks noChangeAspect="1"/>
+          </p:cNvPicPr>
+          <p:nvPr/>
+        </p:nvPicPr>
+        <p:blipFill>
+          <a:blip r:embed="rId2"/>
+          <a:stretch>
+            <a:fillRect/>
+          </a:stretch>
+        </p:blipFill>
+        <p:spPr>
+          <a:xfrm>
+            <a:off x="2182905" y="1822684"/>
+            <a:ext cx="7823013" cy="4702319"/>
+          </a:xfrm>
+          <a:prstGeom prst="rect">
+            <a:avLst/>
+          </a:prstGeom>
+          <a:ln w="88900" cap="sq" cmpd="thickThin">
+            <a:solidFill>
+              <a:srgbClr val="000000"/>
+            </a:solidFill>
+            <a:prstDash val="solid"/>
+            <a:miter lim="800000"/>
+          </a:ln>
+          <a:effectLst>
+            <a:innerShdw blurRad="76200">
+              <a:srgbClr val="000000"/>
+            </a:innerShdw>
+          </a:effectLst>
+        </p:spPr>
+      </p:pic>
+    </p:spTree>
+    <p:extLst>
+      <p:ext uri="{BB962C8B-B14F-4D97-AF65-F5344CB8AC3E}">
+        <p14:creationId xmlns:p14="http://schemas.microsoft.com/office/powerpoint/2010/main" val="3911556566"/>
+      </p:ext>
+    </p:extLst>
+  </p:cSld>
+  <p:clrMapOvr>
+    <a:masterClrMapping/>
+  </p:clrMapOvr>
+</p:sld>
+</file>
+
+<file path=ppt/slides/slide52.xml><?xml version="1.0" encoding="utf-8"?>
+<p:sld xmlns:a="http://schemas.openxmlformats.org/drawingml/2006/main" xmlns:r="http://schemas.openxmlformats.org/officeDocument/2006/relationships" xmlns:p="http://schemas.openxmlformats.org/presentationml/2006/main">
+  <p:cSld>
+    <p:spTree>
+      <p:nvGrpSpPr>
+        <p:cNvPr id="1" name=""/>
+        <p:cNvGrpSpPr/>
+        <p:nvPr/>
+      </p:nvGrpSpPr>
+      <p:grpSpPr>
+        <a:xfrm>
+          <a:off x="0" y="0"/>
+          <a:ext cx="0" cy="0"/>
+          <a:chOff x="0" y="0"/>
+          <a:chExt cx="0" cy="0"/>
+        </a:xfrm>
+      </p:grpSpPr>
+      <p:sp>
+        <p:nvSpPr>
+          <p:cNvPr id="7" name="Slide Number Placeholder 3"/>
+          <p:cNvSpPr>
+            <a:spLocks noGrp="1"/>
+          </p:cNvSpPr>
+          <p:nvPr>
+            <p:ph type="sldNum" sz="quarter" idx="4294967295"/>
+          </p:nvPr>
+        </p:nvSpPr>
+        <p:spPr>
+          <a:xfrm>
+            <a:off x="11568000" y="6525003"/>
+            <a:ext cx="428822" cy="196477"/>
+          </a:xfrm>
+          <a:prstGeom prst="rect">
+            <a:avLst/>
+          </a:prstGeom>
+        </p:spPr>
+        <p:txBody>
+          <a:bodyPr/>
+          <a:lstStyle/>
+          <a:p>
+            <a:pPr>
+              <a:defRPr/>
+            </a:pPr>
+            <a:fld id="{58452FF4-89E3-4D1B-9927-2DBDC00E58D7}" type="slidenum">
+              <a:rPr lang="en-US" smtClean="0"/>
+              <a:pPr>
+                <a:defRPr/>
+              </a:pPr>
+              <a:t>52</a:t>
+            </a:fld>
+            <a:endParaRPr lang="en-US" dirty="0"/>
+          </a:p>
+        </p:txBody>
+      </p:sp>
+      <p:sp>
+        <p:nvSpPr>
+          <p:cNvPr id="5" name="Content Placeholder 4"/>
+          <p:cNvSpPr>
+            <a:spLocks noGrp="1"/>
+          </p:cNvSpPr>
+          <p:nvPr>
+            <p:ph idx="1"/>
+          </p:nvPr>
+        </p:nvSpPr>
+        <p:spPr>
+          <a:xfrm>
+            <a:off x="1141413" y="1712549"/>
+            <a:ext cx="11696797" cy="5458202"/>
+          </a:xfrm>
+        </p:spPr>
+        <p:txBody>
+          <a:bodyPr>
+            <a:normAutofit/>
+          </a:bodyPr>
+          <a:lstStyle/>
+          <a:p>
+            <a:pPr>
+              <a:lnSpc>
+                <a:spcPct val="100000"/>
+              </a:lnSpc>
+            </a:pPr>
+            <a:r>
+              <a:rPr lang="en-US" dirty="0"/>
+              <a:t>If you are not careful, the API gateway may become a full monolithic app</a:t>
+            </a:r>
+          </a:p>
+          <a:p>
+            <a:pPr lvl="1">
+              <a:lnSpc>
+                <a:spcPct val="100000"/>
+              </a:lnSpc>
+            </a:pPr>
+            <a:r>
+              <a:rPr lang="en-US" dirty="0"/>
+              <a:t>Bloated with too many endpoints</a:t>
+            </a:r>
+          </a:p>
+          <a:p>
+            <a:pPr lvl="1">
+              <a:lnSpc>
+                <a:spcPct val="100000"/>
+              </a:lnSpc>
+            </a:pPr>
+            <a:r>
+              <a:rPr lang="en-US" dirty="0"/>
+              <a:t>Couples all microservices, destroying their benefits</a:t>
+            </a:r>
+          </a:p>
+          <a:p>
+            <a:pPr>
+              <a:lnSpc>
+                <a:spcPct val="100000"/>
+              </a:lnSpc>
+            </a:pPr>
+            <a:r>
+              <a:rPr lang="en-US" dirty="0"/>
+              <a:t>API Gateways should also be segregated </a:t>
+            </a:r>
+          </a:p>
+          <a:p>
+            <a:pPr lvl="1">
+              <a:lnSpc>
+                <a:spcPct val="100000"/>
+              </a:lnSpc>
+            </a:pPr>
+            <a:r>
+              <a:rPr lang="en-US" dirty="0"/>
+              <a:t>At first it may be an API Gateway for each client</a:t>
+            </a:r>
+          </a:p>
+          <a:p>
+            <a:pPr lvl="1">
+              <a:lnSpc>
+                <a:spcPct val="100000"/>
+              </a:lnSpc>
+            </a:pPr>
+            <a:r>
+              <a:rPr lang="en-US" dirty="0"/>
+              <a:t>But then it may be further split by logical groups based on business boundaries</a:t>
+            </a:r>
+          </a:p>
+        </p:txBody>
+      </p:sp>
+      <p:sp>
+        <p:nvSpPr>
+          <p:cNvPr id="4" name="Title 3"/>
+          <p:cNvSpPr>
+            <a:spLocks noGrp="1"/>
+          </p:cNvSpPr>
+          <p:nvPr>
+            <p:ph type="title"/>
+          </p:nvPr>
+        </p:nvSpPr>
+        <p:spPr/>
+        <p:txBody>
+          <a:bodyPr/>
+          <a:lstStyle/>
+          <a:p>
+            <a:r>
+              <a:rPr lang="en-US" dirty="0"/>
+              <a:t>THE API GATEWAY</a:t>
+            </a:r>
+          </a:p>
+        </p:txBody>
+      </p:sp>
+    </p:spTree>
+    <p:extLst>
+      <p:ext uri="{BB962C8B-B14F-4D97-AF65-F5344CB8AC3E}">
+        <p14:creationId xmlns:p14="http://schemas.microsoft.com/office/powerpoint/2010/main" val="3862626114"/>
+      </p:ext>
+    </p:extLst>
+  </p:cSld>
+  <p:clrMapOvr>
+    <a:masterClrMapping/>
+  </p:clrMapOvr>
+</p:sld>
+</file>
+
+<file path=ppt/slides/slide53.xml><?xml version="1.0" encoding="utf-8"?>
+<p:sld xmlns:a="http://schemas.openxmlformats.org/drawingml/2006/main" xmlns:r="http://schemas.openxmlformats.org/officeDocument/2006/relationships" xmlns:p="http://schemas.openxmlformats.org/presentationml/2006/main">
+  <p:cSld>
+    <p:spTree>
+      <p:nvGrpSpPr>
+        <p:cNvPr id="1" name=""/>
+        <p:cNvGrpSpPr/>
+        <p:nvPr/>
+      </p:nvGrpSpPr>
+      <p:grpSpPr>
+        <a:xfrm>
+          <a:off x="0" y="0"/>
+          <a:ext cx="0" cy="0"/>
+          <a:chOff x="0" y="0"/>
+          <a:chExt cx="0" cy="0"/>
+        </a:xfrm>
+      </p:grpSpPr>
+      <p:sp>
+        <p:nvSpPr>
+          <p:cNvPr id="7" name="Slide Number Placeholder 3"/>
+          <p:cNvSpPr>
+            <a:spLocks noGrp="1"/>
+          </p:cNvSpPr>
+          <p:nvPr>
+            <p:ph type="sldNum" sz="quarter" idx="4294967295"/>
+          </p:nvPr>
+        </p:nvSpPr>
+        <p:spPr>
+          <a:xfrm>
+            <a:off x="11568000" y="6525003"/>
+            <a:ext cx="428822" cy="196477"/>
+          </a:xfrm>
+          <a:prstGeom prst="rect">
+            <a:avLst/>
+          </a:prstGeom>
+        </p:spPr>
+        <p:txBody>
+          <a:bodyPr/>
+          <a:lstStyle/>
+          <a:p>
+            <a:pPr>
+              <a:defRPr/>
+            </a:pPr>
+            <a:fld id="{58452FF4-89E3-4D1B-9927-2DBDC00E58D7}" type="slidenum">
+              <a:rPr lang="en-US" smtClean="0"/>
+              <a:pPr>
+                <a:defRPr/>
+              </a:pPr>
+              <a:t>53</a:t>
+            </a:fld>
+            <a:endParaRPr lang="en-US" dirty="0"/>
+          </a:p>
+        </p:txBody>
+      </p:sp>
+      <p:sp>
+        <p:nvSpPr>
+          <p:cNvPr id="4" name="Title 3"/>
+          <p:cNvSpPr>
+            <a:spLocks noGrp="1"/>
+          </p:cNvSpPr>
+          <p:nvPr>
+            <p:ph type="title"/>
+          </p:nvPr>
+        </p:nvSpPr>
+        <p:spPr/>
+        <p:txBody>
+          <a:bodyPr/>
+          <a:lstStyle/>
+          <a:p>
+            <a:r>
+              <a:rPr lang="en-US" dirty="0"/>
+              <a:t>THE API GATEWAY</a:t>
+            </a:r>
+          </a:p>
+        </p:txBody>
+      </p:sp>
+      <p:pic>
+        <p:nvPicPr>
+          <p:cNvPr id="6" name="Picture 5">
+            <a:extLst>
+              <a:ext uri="{FF2B5EF4-FFF2-40B4-BE49-F238E27FC236}">
+                <a16:creationId xmlns:a16="http://schemas.microsoft.com/office/drawing/2014/main" id="{9E1324B6-4341-4853-9CB9-FF9160FEB070}"/>
+              </a:ext>
+            </a:extLst>
+          </p:cNvPr>
+          <p:cNvPicPr>
+            <a:picLocks noChangeAspect="1"/>
+          </p:cNvPicPr>
+          <p:nvPr/>
+        </p:nvPicPr>
+        <p:blipFill>
+          <a:blip r:embed="rId2"/>
+          <a:stretch>
+            <a:fillRect/>
+          </a:stretch>
+        </p:blipFill>
+        <p:spPr>
+          <a:xfrm>
+            <a:off x="2031134" y="1801091"/>
+            <a:ext cx="8126555" cy="4605048"/>
+          </a:xfrm>
+          <a:prstGeom prst="rect">
+            <a:avLst/>
+          </a:prstGeom>
+          <a:ln w="88900" cap="sq" cmpd="thickThin">
+            <a:solidFill>
+              <a:srgbClr val="000000"/>
+            </a:solidFill>
+            <a:prstDash val="solid"/>
+            <a:miter lim="800000"/>
+          </a:ln>
+          <a:effectLst>
+            <a:innerShdw blurRad="76200">
+              <a:srgbClr val="000000"/>
+            </a:innerShdw>
+          </a:effectLst>
+        </p:spPr>
+      </p:pic>
+    </p:spTree>
+    <p:extLst>
+      <p:ext uri="{BB962C8B-B14F-4D97-AF65-F5344CB8AC3E}">
+        <p14:creationId xmlns:p14="http://schemas.microsoft.com/office/powerpoint/2010/main" val="4131734089"/>
+      </p:ext>
+    </p:extLst>
+  </p:cSld>
+  <p:clrMapOvr>
+    <a:masterClrMapping/>
+  </p:clrMapOvr>
+</p:sld>
+</file>
+
+<file path=ppt/slides/slide54.xml><?xml version="1.0" encoding="utf-8"?>
+<p:sld xmlns:a="http://schemas.openxmlformats.org/drawingml/2006/main" xmlns:r="http://schemas.openxmlformats.org/officeDocument/2006/relationships" xmlns:p="http://schemas.openxmlformats.org/presentationml/2006/main">
+  <p:cSld>
+    <p:spTree>
+      <p:nvGrpSpPr>
+        <p:cNvPr id="1" name=""/>
+        <p:cNvGrpSpPr/>
+        <p:nvPr/>
+      </p:nvGrpSpPr>
+      <p:grpSpPr>
+        <a:xfrm>
+          <a:off x="0" y="0"/>
+          <a:ext cx="0" cy="0"/>
+          <a:chOff x="0" y="0"/>
+          <a:chExt cx="0" cy="0"/>
+        </a:xfrm>
+      </p:grpSpPr>
+      <p:sp>
+        <p:nvSpPr>
+          <p:cNvPr id="7" name="Slide Number Placeholder 3"/>
+          <p:cNvSpPr>
+            <a:spLocks noGrp="1"/>
+          </p:cNvSpPr>
+          <p:nvPr>
+            <p:ph type="sldNum" sz="quarter" idx="4294967295"/>
+          </p:nvPr>
+        </p:nvSpPr>
+        <p:spPr>
+          <a:xfrm>
+            <a:off x="11568000" y="6525003"/>
+            <a:ext cx="428822" cy="196477"/>
+          </a:xfrm>
+          <a:prstGeom prst="rect">
+            <a:avLst/>
+          </a:prstGeom>
+        </p:spPr>
+        <p:txBody>
+          <a:bodyPr/>
+          <a:lstStyle/>
+          <a:p>
+            <a:pPr>
+              <a:defRPr/>
+            </a:pPr>
+            <a:fld id="{58452FF4-89E3-4D1B-9927-2DBDC00E58D7}" type="slidenum">
+              <a:rPr lang="en-US" smtClean="0"/>
+              <a:pPr>
+                <a:defRPr/>
+              </a:pPr>
+              <a:t>54</a:t>
+            </a:fld>
+            <a:endParaRPr lang="en-US" dirty="0"/>
+          </a:p>
+        </p:txBody>
+      </p:sp>
+      <p:sp>
+        <p:nvSpPr>
+          <p:cNvPr id="5" name="Content Placeholder 4"/>
+          <p:cNvSpPr>
+            <a:spLocks noGrp="1"/>
+          </p:cNvSpPr>
+          <p:nvPr>
+            <p:ph idx="1"/>
+          </p:nvPr>
+        </p:nvSpPr>
+        <p:spPr>
+          <a:xfrm>
+            <a:off x="1141413" y="1712549"/>
+            <a:ext cx="11696797" cy="5458202"/>
+          </a:xfrm>
+        </p:spPr>
+        <p:txBody>
+          <a:bodyPr>
+            <a:normAutofit/>
+          </a:bodyPr>
+          <a:lstStyle/>
+          <a:p>
+            <a:pPr>
+              <a:lnSpc>
+                <a:spcPct val="100000"/>
+              </a:lnSpc>
+            </a:pPr>
+            <a:r>
+              <a:rPr lang="en-US" dirty="0"/>
+              <a:t>Reverse proxy and routing</a:t>
+            </a:r>
+          </a:p>
+          <a:p>
+            <a:pPr lvl="1">
+              <a:lnSpc>
+                <a:spcPct val="100000"/>
+              </a:lnSpc>
+            </a:pPr>
+            <a:r>
+              <a:rPr lang="en-US" dirty="0"/>
+              <a:t>Decouples the client</a:t>
+            </a:r>
+          </a:p>
+          <a:p>
+            <a:pPr lvl="1">
+              <a:lnSpc>
+                <a:spcPct val="100000"/>
+              </a:lnSpc>
+            </a:pPr>
+            <a:r>
+              <a:rPr lang="en-US" dirty="0"/>
+              <a:t>Modernize legacy monolithic app</a:t>
+            </a:r>
+          </a:p>
+          <a:p>
+            <a:pPr lvl="1">
+              <a:lnSpc>
+                <a:spcPct val="100000"/>
+              </a:lnSpc>
+            </a:pPr>
+            <a:r>
+              <a:rPr lang="en-US" dirty="0"/>
+              <a:t>Hide the internal microservices</a:t>
+            </a:r>
+          </a:p>
+          <a:p>
+            <a:pPr>
+              <a:lnSpc>
+                <a:spcPct val="100000"/>
+              </a:lnSpc>
+            </a:pPr>
+            <a:r>
+              <a:rPr lang="en-US" dirty="0"/>
+              <a:t>Request aggregation</a:t>
+            </a:r>
+          </a:p>
+          <a:p>
+            <a:pPr lvl="1">
+              <a:lnSpc>
+                <a:spcPct val="100000"/>
+              </a:lnSpc>
+            </a:pPr>
+            <a:r>
+              <a:rPr lang="en-US" dirty="0"/>
+              <a:t>Reduces chattiness between client and microservices</a:t>
+            </a:r>
+          </a:p>
+          <a:p>
+            <a:pPr lvl="1">
+              <a:lnSpc>
+                <a:spcPct val="100000"/>
+              </a:lnSpc>
+            </a:pPr>
+            <a:r>
+              <a:rPr lang="en-US" dirty="0"/>
+              <a:t>Especially important for remote applications </a:t>
+            </a:r>
+          </a:p>
+          <a:p>
+            <a:pPr>
+              <a:lnSpc>
+                <a:spcPct val="100000"/>
+              </a:lnSpc>
+            </a:pPr>
+            <a:r>
+              <a:rPr lang="en-US" dirty="0"/>
+              <a:t>Offloading</a:t>
+            </a:r>
+          </a:p>
+          <a:p>
+            <a:pPr lvl="1">
+              <a:lnSpc>
+                <a:spcPct val="100000"/>
+              </a:lnSpc>
+            </a:pPr>
+            <a:r>
+              <a:rPr lang="en-US" dirty="0"/>
+              <a:t>Authentication, load balancing, retry policies, response caching, IP whitelisting, and more</a:t>
+            </a:r>
+          </a:p>
+        </p:txBody>
+      </p:sp>
+      <p:sp>
+        <p:nvSpPr>
+          <p:cNvPr id="4" name="Title 3"/>
+          <p:cNvSpPr>
+            <a:spLocks noGrp="1"/>
+          </p:cNvSpPr>
+          <p:nvPr>
+            <p:ph type="title"/>
+          </p:nvPr>
+        </p:nvSpPr>
+        <p:spPr/>
+        <p:txBody>
+          <a:bodyPr/>
+          <a:lstStyle/>
+          <a:p>
+            <a:r>
+              <a:rPr lang="en-US" dirty="0"/>
+              <a:t>THE API GATEWAY - Benefits</a:t>
+            </a:r>
+          </a:p>
+        </p:txBody>
+      </p:sp>
+    </p:spTree>
+    <p:extLst>
+      <p:ext uri="{BB962C8B-B14F-4D97-AF65-F5344CB8AC3E}">
+        <p14:creationId xmlns:p14="http://schemas.microsoft.com/office/powerpoint/2010/main" val="3667734176"/>
+      </p:ext>
+    </p:extLst>
+  </p:cSld>
+  <p:clrMapOvr>
+    <a:masterClrMapping/>
+  </p:clrMapOvr>
+</p:sld>
+</file>
+
+<file path=ppt/slides/slide55.xml><?xml version="1.0" encoding="utf-8"?>
+<p:sld xmlns:a="http://schemas.openxmlformats.org/drawingml/2006/main" xmlns:r="http://schemas.openxmlformats.org/officeDocument/2006/relationships" xmlns:p="http://schemas.openxmlformats.org/presentationml/2006/main">
+  <p:cSld>
+    <p:spTree>
+      <p:nvGrpSpPr>
+        <p:cNvPr id="1" name=""/>
+        <p:cNvGrpSpPr/>
+        <p:nvPr/>
+      </p:nvGrpSpPr>
+      <p:grpSpPr>
+        <a:xfrm>
+          <a:off x="0" y="0"/>
+          <a:ext cx="0" cy="0"/>
+          <a:chOff x="0" y="0"/>
+          <a:chExt cx="0" cy="0"/>
+        </a:xfrm>
+      </p:grpSpPr>
+      <p:sp>
+        <p:nvSpPr>
+          <p:cNvPr id="7" name="Slide Number Placeholder 3"/>
+          <p:cNvSpPr>
+            <a:spLocks noGrp="1"/>
+          </p:cNvSpPr>
+          <p:nvPr>
+            <p:ph type="sldNum" sz="quarter" idx="4294967295"/>
+          </p:nvPr>
+        </p:nvSpPr>
+        <p:spPr>
+          <a:xfrm>
+            <a:off x="11568000" y="6525003"/>
+            <a:ext cx="428822" cy="196477"/>
+          </a:xfrm>
+          <a:prstGeom prst="rect">
+            <a:avLst/>
+          </a:prstGeom>
+        </p:spPr>
+        <p:txBody>
+          <a:bodyPr/>
+          <a:lstStyle/>
+          <a:p>
+            <a:pPr>
+              <a:defRPr/>
+            </a:pPr>
+            <a:fld id="{58452FF4-89E3-4D1B-9927-2DBDC00E58D7}" type="slidenum">
+              <a:rPr lang="en-US" smtClean="0"/>
+              <a:pPr>
+                <a:defRPr/>
+              </a:pPr>
+              <a:t>55</a:t>
+            </a:fld>
+            <a:endParaRPr lang="en-US" dirty="0"/>
+          </a:p>
+        </p:txBody>
+      </p:sp>
+      <p:sp>
+        <p:nvSpPr>
+          <p:cNvPr id="5" name="Content Placeholder 4"/>
+          <p:cNvSpPr>
+            <a:spLocks noGrp="1"/>
+          </p:cNvSpPr>
+          <p:nvPr>
+            <p:ph idx="1"/>
+          </p:nvPr>
+        </p:nvSpPr>
+        <p:spPr>
+          <a:xfrm>
+            <a:off x="1141413" y="1712549"/>
+            <a:ext cx="11696797" cy="5458202"/>
+          </a:xfrm>
+        </p:spPr>
+        <p:txBody>
+          <a:bodyPr>
+            <a:normAutofit/>
+          </a:bodyPr>
+          <a:lstStyle/>
+          <a:p>
+            <a:pPr>
+              <a:lnSpc>
+                <a:spcPct val="100000"/>
+              </a:lnSpc>
+            </a:pPr>
+            <a:r>
+              <a:rPr lang="en-US" dirty="0"/>
+              <a:t>Coupling with the internal microservices</a:t>
+            </a:r>
+          </a:p>
+          <a:p>
+            <a:pPr>
+              <a:lnSpc>
+                <a:spcPct val="100000"/>
+              </a:lnSpc>
+            </a:pPr>
+            <a:r>
+              <a:rPr lang="en-US" dirty="0"/>
+              <a:t>Additional point of failure</a:t>
+            </a:r>
+          </a:p>
+          <a:p>
+            <a:pPr>
+              <a:lnSpc>
+                <a:spcPct val="100000"/>
+              </a:lnSpc>
+            </a:pPr>
+            <a:r>
+              <a:rPr lang="en-US" dirty="0"/>
+              <a:t>Additional network calls</a:t>
+            </a:r>
+          </a:p>
+          <a:p>
+            <a:pPr lvl="1">
+              <a:lnSpc>
+                <a:spcPct val="100000"/>
+              </a:lnSpc>
+            </a:pPr>
+            <a:r>
+              <a:rPr lang="en-US" dirty="0"/>
+              <a:t>Usually does not have a huge impact considering the alternative</a:t>
+            </a:r>
+          </a:p>
+          <a:p>
+            <a:pPr>
+              <a:lnSpc>
+                <a:spcPct val="100000"/>
+              </a:lnSpc>
+            </a:pPr>
+            <a:r>
+              <a:rPr lang="en-US" dirty="0"/>
+              <a:t>May become bottleneck</a:t>
+            </a:r>
+          </a:p>
+          <a:p>
+            <a:pPr>
+              <a:lnSpc>
+                <a:spcPct val="100000"/>
+              </a:lnSpc>
+            </a:pPr>
+            <a:r>
+              <a:rPr lang="en-US" dirty="0"/>
+              <a:t>Additional development costs and maintenance </a:t>
+            </a:r>
+          </a:p>
+          <a:p>
+            <a:pPr>
+              <a:lnSpc>
+                <a:spcPct val="100000"/>
+              </a:lnSpc>
+            </a:pPr>
+            <a:endParaRPr lang="en-US" dirty="0"/>
+          </a:p>
+        </p:txBody>
+      </p:sp>
+      <p:sp>
+        <p:nvSpPr>
+          <p:cNvPr id="4" name="Title 3"/>
+          <p:cNvSpPr>
+            <a:spLocks noGrp="1"/>
+          </p:cNvSpPr>
+          <p:nvPr>
+            <p:ph type="title"/>
+          </p:nvPr>
+        </p:nvSpPr>
+        <p:spPr/>
+        <p:txBody>
+          <a:bodyPr/>
+          <a:lstStyle/>
+          <a:p>
+            <a:r>
+              <a:rPr lang="en-US" dirty="0"/>
+              <a:t>THE API GATEWAY - Drawbacks</a:t>
+            </a:r>
+          </a:p>
+        </p:txBody>
+      </p:sp>
+    </p:spTree>
+    <p:extLst>
+      <p:ext uri="{BB962C8B-B14F-4D97-AF65-F5344CB8AC3E}">
+        <p14:creationId xmlns:p14="http://schemas.microsoft.com/office/powerpoint/2010/main" val="1068626106"/>
+      </p:ext>
+    </p:extLst>
+  </p:cSld>
+  <p:clrMapOvr>
+    <a:masterClrMapping/>
+  </p:clrMapOvr>
+</p:sld>
+</file>
+
+<file path=ppt/slides/slide56.xml><?xml version="1.0" encoding="utf-8"?>
+<p:sld xmlns:a="http://schemas.openxmlformats.org/drawingml/2006/main" xmlns:r="http://schemas.openxmlformats.org/officeDocument/2006/relationships" xmlns:p="http://schemas.openxmlformats.org/presentationml/2006/main">
+  <p:cSld>
+    <p:spTree>
+      <p:nvGrpSpPr>
+        <p:cNvPr id="1" name=""/>
+        <p:cNvGrpSpPr/>
+        <p:nvPr/>
+      </p:nvGrpSpPr>
+      <p:grpSpPr>
+        <a:xfrm>
+          <a:off x="0" y="0"/>
+          <a:ext cx="0" cy="0"/>
+          <a:chOff x="0" y="0"/>
+          <a:chExt cx="0" cy="0"/>
+        </a:xfrm>
+      </p:grpSpPr>
+      <p:sp>
+        <p:nvSpPr>
+          <p:cNvPr id="7" name="Slide Number Placeholder 3"/>
+          <p:cNvSpPr>
+            <a:spLocks noGrp="1"/>
+          </p:cNvSpPr>
+          <p:nvPr>
+            <p:ph type="sldNum" sz="quarter" idx="4294967295"/>
+          </p:nvPr>
+        </p:nvSpPr>
+        <p:spPr>
+          <a:xfrm>
+            <a:off x="11568000" y="6525003"/>
+            <a:ext cx="428822" cy="196477"/>
+          </a:xfrm>
+          <a:prstGeom prst="rect">
+            <a:avLst/>
+          </a:prstGeom>
+        </p:spPr>
+        <p:txBody>
+          <a:bodyPr/>
+          <a:lstStyle/>
+          <a:p>
+            <a:pPr>
+              <a:defRPr/>
+            </a:pPr>
+            <a:fld id="{58452FF4-89E3-4D1B-9927-2DBDC00E58D7}" type="slidenum">
+              <a:rPr lang="en-US" smtClean="0"/>
+              <a:pPr>
+                <a:defRPr/>
+              </a:pPr>
+              <a:t>56</a:t>
+            </a:fld>
+            <a:endParaRPr lang="en-US" dirty="0"/>
+          </a:p>
+        </p:txBody>
+      </p:sp>
+      <p:sp>
+        <p:nvSpPr>
+          <p:cNvPr id="5" name="Content Placeholder 4"/>
+          <p:cNvSpPr>
+            <a:spLocks noGrp="1"/>
+          </p:cNvSpPr>
+          <p:nvPr>
+            <p:ph idx="1"/>
+          </p:nvPr>
+        </p:nvSpPr>
+        <p:spPr>
+          <a:xfrm>
+            <a:off x="1141413" y="1712549"/>
+            <a:ext cx="11696797" cy="5458202"/>
+          </a:xfrm>
+        </p:spPr>
+        <p:txBody>
+          <a:bodyPr>
+            <a:normAutofit/>
+          </a:bodyPr>
+          <a:lstStyle/>
+          <a:p>
+            <a:pPr>
+              <a:lnSpc>
+                <a:spcPct val="100000"/>
+              </a:lnSpc>
+            </a:pPr>
+            <a:r>
+              <a:rPr lang="en-US" dirty="0"/>
+              <a:t>Real-time communication can be achieved with HTTP Web Sockets</a:t>
+            </a:r>
+          </a:p>
+          <a:p>
+            <a:pPr lvl="1">
+              <a:lnSpc>
+                <a:spcPct val="100000"/>
+              </a:lnSpc>
+            </a:pPr>
+            <a:r>
+              <a:rPr lang="en-US" dirty="0"/>
+              <a:t>With fallback mechanisms</a:t>
+            </a:r>
+          </a:p>
+          <a:p>
+            <a:pPr>
+              <a:lnSpc>
+                <a:spcPct val="100000"/>
+              </a:lnSpc>
+            </a:pPr>
+            <a:r>
+              <a:rPr lang="en-US" dirty="0"/>
+              <a:t>It is used when you want to push data to the clients directly</a:t>
+            </a:r>
+          </a:p>
+          <a:p>
+            <a:pPr>
+              <a:lnSpc>
+                <a:spcPct val="100000"/>
+              </a:lnSpc>
+            </a:pPr>
+            <a:r>
+              <a:rPr lang="en-GB" dirty="0"/>
+              <a:t>ASP.NET Core has </a:t>
+            </a:r>
+            <a:r>
+              <a:rPr lang="en-GB" dirty="0" err="1"/>
+              <a:t>SignalR</a:t>
+            </a:r>
+            <a:r>
+              <a:rPr lang="en-GB" dirty="0"/>
+              <a:t> as a real-time communication technology</a:t>
+            </a:r>
+          </a:p>
+          <a:p>
+            <a:pPr lvl="2">
+              <a:lnSpc>
+                <a:spcPct val="100000"/>
+              </a:lnSpc>
+            </a:pPr>
+            <a:endParaRPr lang="en-GB" dirty="0"/>
+          </a:p>
+          <a:p>
+            <a:pPr lvl="2">
+              <a:lnSpc>
+                <a:spcPct val="100000"/>
+              </a:lnSpc>
+            </a:pPr>
+            <a:endParaRPr lang="en-US" dirty="0"/>
+          </a:p>
+          <a:p>
+            <a:pPr>
+              <a:lnSpc>
+                <a:spcPct val="100000"/>
+              </a:lnSpc>
+            </a:pPr>
+            <a:endParaRPr lang="en-US" dirty="0"/>
+          </a:p>
+        </p:txBody>
+      </p:sp>
+      <p:sp>
+        <p:nvSpPr>
+          <p:cNvPr id="4" name="Title 3"/>
+          <p:cNvSpPr>
+            <a:spLocks noGrp="1"/>
+          </p:cNvSpPr>
+          <p:nvPr>
+            <p:ph type="title"/>
+          </p:nvPr>
+        </p:nvSpPr>
+        <p:spPr/>
+        <p:txBody>
+          <a:bodyPr/>
+          <a:lstStyle/>
+          <a:p>
+            <a:r>
+              <a:rPr lang="en-US" noProof="1"/>
+              <a:t>Real-Time Communication</a:t>
+            </a:r>
+            <a:endParaRPr lang="en-US" dirty="0"/>
+          </a:p>
+        </p:txBody>
+      </p:sp>
+    </p:spTree>
+    <p:extLst>
+      <p:ext uri="{BB962C8B-B14F-4D97-AF65-F5344CB8AC3E}">
+        <p14:creationId xmlns:p14="http://schemas.microsoft.com/office/powerpoint/2010/main" val="3628000102"/>
+      </p:ext>
+    </p:extLst>
+  </p:cSld>
+  <p:clrMapOvr>
+    <a:masterClrMapping/>
+  </p:clrMapOvr>
+</p:sld>
+</file>
+
+<file path=ppt/slides/slide57.xml><?xml version="1.0" encoding="utf-8"?>
+<p:sld xmlns:a="http://schemas.openxmlformats.org/drawingml/2006/main" xmlns:r="http://schemas.openxmlformats.org/officeDocument/2006/relationships" xmlns:p="http://schemas.openxmlformats.org/presentationml/2006/main">
+  <p:cSld>
+    <p:spTree>
+      <p:nvGrpSpPr>
+        <p:cNvPr id="1" name=""/>
+        <p:cNvGrpSpPr/>
+        <p:nvPr/>
+      </p:nvGrpSpPr>
+      <p:grpSpPr>
+        <a:xfrm>
+          <a:off x="0" y="0"/>
+          <a:ext cx="0" cy="0"/>
+          <a:chOff x="0" y="0"/>
+          <a:chExt cx="0" cy="0"/>
+        </a:xfrm>
+      </p:grpSpPr>
+      <p:sp>
+        <p:nvSpPr>
+          <p:cNvPr id="7" name="Slide Number Placeholder 3"/>
+          <p:cNvSpPr>
+            <a:spLocks noGrp="1"/>
+          </p:cNvSpPr>
+          <p:nvPr>
+            <p:ph type="sldNum" sz="quarter" idx="4294967295"/>
+          </p:nvPr>
+        </p:nvSpPr>
+        <p:spPr>
+          <a:xfrm>
+            <a:off x="11568000" y="6525003"/>
+            <a:ext cx="428822" cy="196477"/>
+          </a:xfrm>
+          <a:prstGeom prst="rect">
+            <a:avLst/>
+          </a:prstGeom>
+        </p:spPr>
+        <p:txBody>
+          <a:bodyPr/>
+          <a:lstStyle/>
+          <a:p>
+            <a:pPr>
+              <a:defRPr/>
+            </a:pPr>
+            <a:fld id="{58452FF4-89E3-4D1B-9927-2DBDC00E58D7}" type="slidenum">
+              <a:rPr lang="en-US" smtClean="0"/>
+              <a:pPr>
+                <a:defRPr/>
+              </a:pPr>
+              <a:t>57</a:t>
+            </a:fld>
+            <a:endParaRPr lang="en-US" dirty="0"/>
+          </a:p>
+        </p:txBody>
+      </p:sp>
+      <p:sp>
+        <p:nvSpPr>
+          <p:cNvPr id="4" name="Title 3"/>
+          <p:cNvSpPr>
+            <a:spLocks noGrp="1"/>
+          </p:cNvSpPr>
+          <p:nvPr>
+            <p:ph type="title"/>
+          </p:nvPr>
+        </p:nvSpPr>
+        <p:spPr/>
+        <p:txBody>
+          <a:bodyPr/>
+          <a:lstStyle/>
+          <a:p>
+            <a:r>
+              <a:rPr lang="en-US" noProof="1"/>
+              <a:t>Real-Time Communication</a:t>
+            </a:r>
+            <a:endParaRPr lang="en-US" dirty="0"/>
+          </a:p>
+        </p:txBody>
+      </p:sp>
+      <p:pic>
+        <p:nvPicPr>
+          <p:cNvPr id="8" name="Picture 7">
+            <a:extLst>
+              <a:ext uri="{FF2B5EF4-FFF2-40B4-BE49-F238E27FC236}">
+                <a16:creationId xmlns:a16="http://schemas.microsoft.com/office/drawing/2014/main" id="{3F9AAF87-AF10-4F8D-A63E-6A6192FE8CA8}"/>
+              </a:ext>
+            </a:extLst>
+          </p:cNvPr>
+          <p:cNvPicPr>
+            <a:picLocks noChangeAspect="1"/>
+          </p:cNvPicPr>
+          <p:nvPr/>
+        </p:nvPicPr>
+        <p:blipFill>
+          <a:blip r:embed="rId2"/>
+          <a:stretch>
+            <a:fillRect/>
+          </a:stretch>
+        </p:blipFill>
+        <p:spPr>
+          <a:xfrm>
+            <a:off x="2114949" y="1992042"/>
+            <a:ext cx="7958925" cy="4247440"/>
+          </a:xfrm>
+          <a:prstGeom prst="rect">
+            <a:avLst/>
+          </a:prstGeom>
+          <a:ln w="88900" cap="sq" cmpd="thickThin">
+            <a:solidFill>
+              <a:srgbClr val="000000"/>
+            </a:solidFill>
+            <a:prstDash val="solid"/>
+            <a:miter lim="800000"/>
+          </a:ln>
+          <a:effectLst>
+            <a:innerShdw blurRad="76200">
+              <a:srgbClr val="000000"/>
+            </a:innerShdw>
+          </a:effectLst>
+        </p:spPr>
+      </p:pic>
+    </p:spTree>
+    <p:extLst>
+      <p:ext uri="{BB962C8B-B14F-4D97-AF65-F5344CB8AC3E}">
+        <p14:creationId xmlns:p14="http://schemas.microsoft.com/office/powerpoint/2010/main" val="816170962"/>
+      </p:ext>
+    </p:extLst>
+  </p:cSld>
+  <p:clrMapOvr>
+    <a:masterClrMapping/>
+  </p:clrMapOvr>
+</p:sld>
+</file>
+
+<file path=ppt/slides/slide58.xml><?xml version="1.0" encoding="utf-8"?>
+<p:sld xmlns:a="http://schemas.openxmlformats.org/drawingml/2006/main" xmlns:r="http://schemas.openxmlformats.org/officeDocument/2006/relationships" xmlns:p="http://schemas.openxmlformats.org/presentationml/2006/main">
+  <p:cSld>
+    <p:spTree>
+      <p:nvGrpSpPr>
+        <p:cNvPr id="1" name=""/>
+        <p:cNvGrpSpPr/>
+        <p:nvPr/>
+      </p:nvGrpSpPr>
+      <p:grpSpPr>
+        <a:xfrm>
+          <a:off x="0" y="0"/>
+          <a:ext cx="0" cy="0"/>
+          <a:chOff x="0" y="0"/>
+          <a:chExt cx="0" cy="0"/>
+        </a:xfrm>
+      </p:grpSpPr>
+      <p:sp>
+        <p:nvSpPr>
+          <p:cNvPr id="4" name="Title 3"/>
+          <p:cNvSpPr>
+            <a:spLocks noGrp="1"/>
+          </p:cNvSpPr>
+          <p:nvPr>
+            <p:ph type="ctrTitle"/>
+          </p:nvPr>
+        </p:nvSpPr>
+        <p:spPr>
+          <a:xfrm>
+            <a:off x="914400" y="2667000"/>
+            <a:ext cx="10363200" cy="903700"/>
+          </a:xfrm>
+        </p:spPr>
+        <p:txBody>
+          <a:bodyPr/>
+          <a:lstStyle/>
+          <a:p>
+            <a:pPr>
+              <a:lnSpc>
+                <a:spcPct val="100000"/>
+              </a:lnSpc>
+            </a:pPr>
+            <a:r>
+              <a:rPr lang="en-US" dirty="0"/>
+              <a:t>Internal Communication</a:t>
+            </a:r>
+          </a:p>
+        </p:txBody>
+      </p:sp>
+    </p:spTree>
+    <p:extLst>
+      <p:ext uri="{BB962C8B-B14F-4D97-AF65-F5344CB8AC3E}">
+        <p14:creationId xmlns:p14="http://schemas.microsoft.com/office/powerpoint/2010/main" val="1527708177"/>
+      </p:ext>
+    </p:extLst>
+  </p:cSld>
+  <p:clrMapOvr>
+    <a:masterClrMapping/>
+  </p:clrMapOvr>
+</p:sld>
+</file>
+
+<file path=ppt/slides/slide59.xml><?xml version="1.0" encoding="utf-8"?>
+<p:sld xmlns:a="http://schemas.openxmlformats.org/drawingml/2006/main" xmlns:r="http://schemas.openxmlformats.org/officeDocument/2006/relationships" xmlns:p="http://schemas.openxmlformats.org/presentationml/2006/main">
+  <p:cSld>
+    <p:spTree>
+      <p:nvGrpSpPr>
+        <p:cNvPr id="1" name=""/>
+        <p:cNvGrpSpPr/>
+        <p:nvPr/>
+      </p:nvGrpSpPr>
+      <p:grpSpPr>
+        <a:xfrm>
+          <a:off x="0" y="0"/>
+          <a:ext cx="0" cy="0"/>
+          <a:chOff x="0" y="0"/>
+          <a:chExt cx="0" cy="0"/>
+        </a:xfrm>
+      </p:grpSpPr>
+      <p:sp>
+        <p:nvSpPr>
+          <p:cNvPr id="7" name="Slide Number Placeholder 3"/>
+          <p:cNvSpPr>
+            <a:spLocks noGrp="1"/>
+          </p:cNvSpPr>
+          <p:nvPr>
+            <p:ph type="sldNum" sz="quarter" idx="4294967295"/>
+          </p:nvPr>
+        </p:nvSpPr>
+        <p:spPr>
+          <a:xfrm>
+            <a:off x="11568000" y="6525003"/>
+            <a:ext cx="428822" cy="196477"/>
+          </a:xfrm>
+          <a:prstGeom prst="rect">
+            <a:avLst/>
+          </a:prstGeom>
+        </p:spPr>
+        <p:txBody>
+          <a:bodyPr/>
+          <a:lstStyle/>
+          <a:p>
+            <a:pPr>
+              <a:defRPr/>
+            </a:pPr>
+            <a:fld id="{58452FF4-89E3-4D1B-9927-2DBDC00E58D7}" type="slidenum">
+              <a:rPr lang="en-US" smtClean="0"/>
+              <a:pPr>
+                <a:defRPr/>
+              </a:pPr>
+              <a:t>59</a:t>
+            </a:fld>
+            <a:endParaRPr lang="en-US" dirty="0"/>
+          </a:p>
+        </p:txBody>
+      </p:sp>
+      <p:sp>
+        <p:nvSpPr>
+          <p:cNvPr id="5" name="Content Placeholder 4"/>
+          <p:cNvSpPr>
+            <a:spLocks noGrp="1"/>
+          </p:cNvSpPr>
+          <p:nvPr>
+            <p:ph idx="1"/>
+          </p:nvPr>
+        </p:nvSpPr>
+        <p:spPr>
+          <a:xfrm>
+            <a:off x="1141413" y="1712549"/>
+            <a:ext cx="11696797" cy="5458202"/>
+          </a:xfrm>
+        </p:spPr>
+        <p:txBody>
+          <a:bodyPr>
+            <a:normAutofit/>
+          </a:bodyPr>
+          <a:lstStyle/>
+          <a:p>
+            <a:pPr>
+              <a:lnSpc>
+                <a:spcPct val="100000"/>
+              </a:lnSpc>
+            </a:pPr>
+            <a:r>
+              <a:rPr lang="en-US" dirty="0"/>
+              <a:t>Sync or Async</a:t>
+            </a:r>
+          </a:p>
+          <a:p>
+            <a:pPr lvl="1">
+              <a:lnSpc>
+                <a:spcPct val="100000"/>
+              </a:lnSpc>
+            </a:pPr>
+            <a:r>
+              <a:rPr lang="en-US" dirty="0"/>
+              <a:t>Synchronous – HTTP/HTTPS – tasks can continue after the response</a:t>
+            </a:r>
+          </a:p>
+          <a:p>
+            <a:pPr lvl="1">
+              <a:lnSpc>
+                <a:spcPct val="100000"/>
+              </a:lnSpc>
+            </a:pPr>
+            <a:r>
+              <a:rPr lang="en-US" dirty="0"/>
+              <a:t>Asynchronous – AMQP – the client usually don’t expect a response</a:t>
+            </a:r>
+          </a:p>
+          <a:p>
+            <a:pPr>
+              <a:lnSpc>
+                <a:spcPct val="100000"/>
+              </a:lnSpc>
+            </a:pPr>
+            <a:r>
+              <a:rPr lang="en-US" dirty="0"/>
+              <a:t>Single or Multiple receivers</a:t>
+            </a:r>
+          </a:p>
+          <a:p>
+            <a:pPr lvl="1">
+              <a:lnSpc>
+                <a:spcPct val="100000"/>
+              </a:lnSpc>
+            </a:pPr>
+            <a:r>
+              <a:rPr lang="en-US" dirty="0"/>
+              <a:t>Single receiver – the Command pattern</a:t>
+            </a:r>
+          </a:p>
+          <a:p>
+            <a:pPr lvl="1">
+              <a:lnSpc>
+                <a:spcPct val="100000"/>
+              </a:lnSpc>
+            </a:pPr>
+            <a:r>
+              <a:rPr lang="en-US" dirty="0"/>
+              <a:t>Multiple receivers – the Publish/Subscribe pattern</a:t>
+            </a:r>
+          </a:p>
+          <a:p>
+            <a:pPr>
+              <a:lnSpc>
+                <a:spcPct val="100000"/>
+              </a:lnSpc>
+            </a:pPr>
+            <a:r>
+              <a:rPr lang="en-US" dirty="0"/>
+              <a:t>Microservices usually uses a combination of these communication types</a:t>
+            </a:r>
+          </a:p>
+          <a:p>
+            <a:pPr lvl="1">
+              <a:lnSpc>
+                <a:spcPct val="100000"/>
+              </a:lnSpc>
+            </a:pPr>
+            <a:r>
+              <a:rPr lang="en-US" dirty="0"/>
+              <a:t>If possible, never depend on request-response communication</a:t>
+            </a:r>
+          </a:p>
+          <a:p>
+            <a:pPr lvl="1">
+              <a:lnSpc>
+                <a:spcPct val="100000"/>
+              </a:lnSpc>
+            </a:pPr>
+            <a:r>
+              <a:rPr lang="en-US" dirty="0"/>
+              <a:t>It breaks the autonomous feature of the microservices</a:t>
+            </a:r>
+          </a:p>
+          <a:p>
+            <a:pPr lvl="1">
+              <a:lnSpc>
+                <a:spcPct val="100000"/>
+              </a:lnSpc>
+            </a:pPr>
+            <a:r>
+              <a:rPr lang="en-US" dirty="0"/>
+              <a:t>And may turn into a bottleneck</a:t>
+            </a:r>
+            <a:endParaRPr lang="bg-BG" dirty="0"/>
+          </a:p>
+          <a:p>
+            <a:pPr lvl="1">
+              <a:lnSpc>
+                <a:spcPct val="100000"/>
+              </a:lnSpc>
+            </a:pPr>
+            <a:r>
+              <a:rPr lang="en-US" dirty="0"/>
+              <a:t>Always consider “the rule of 1 hop”</a:t>
+            </a:r>
+          </a:p>
+          <a:p>
+            <a:pPr>
+              <a:lnSpc>
+                <a:spcPct val="100000"/>
+              </a:lnSpc>
+            </a:pPr>
+            <a:endParaRPr lang="en-US" dirty="0"/>
+          </a:p>
+          <a:p>
+            <a:pPr lvl="1">
+              <a:lnSpc>
+                <a:spcPct val="100000"/>
+              </a:lnSpc>
+            </a:pPr>
+            <a:endParaRPr lang="en-US" dirty="0"/>
+          </a:p>
+          <a:p>
+            <a:pPr>
+              <a:lnSpc>
+                <a:spcPct val="100000"/>
+              </a:lnSpc>
+            </a:pPr>
+            <a:endParaRPr lang="en-US" dirty="0"/>
+          </a:p>
+        </p:txBody>
+      </p:sp>
+      <p:sp>
+        <p:nvSpPr>
+          <p:cNvPr id="4" name="Title 3"/>
+          <p:cNvSpPr>
+            <a:spLocks noGrp="1"/>
+          </p:cNvSpPr>
+          <p:nvPr>
+            <p:ph type="title"/>
+          </p:nvPr>
+        </p:nvSpPr>
+        <p:spPr/>
+        <p:txBody>
+          <a:bodyPr/>
+          <a:lstStyle/>
+          <a:p>
+            <a:r>
+              <a:rPr lang="en-US" dirty="0"/>
+              <a:t>Communication Types</a:t>
+            </a:r>
+          </a:p>
+        </p:txBody>
+      </p:sp>
+    </p:spTree>
+    <p:extLst>
+      <p:ext uri="{BB962C8B-B14F-4D97-AF65-F5344CB8AC3E}">
+        <p14:creationId xmlns:p14="http://schemas.microsoft.com/office/powerpoint/2010/main" val="995044938"/>
+      </p:ext>
+    </p:extLst>
+  </p:cSld>
+  <p:clrMapOvr>
+    <a:masterClrMapping/>
+  </p:clrMapOvr>
+</p:sld>
+</file>
+
+<file path=ppt/slides/slide6.xml><?xml version="1.0" encoding="utf-8"?>
+<p:sld xmlns:a="http://schemas.openxmlformats.org/drawingml/2006/main" xmlns:r="http://schemas.openxmlformats.org/officeDocument/2006/relationships" xmlns:p="http://schemas.openxmlformats.org/presentationml/2006/main">
+  <p:cSld>
+    <p:spTree>
+      <p:nvGrpSpPr>
+        <p:cNvPr id="1" name=""/>
+        <p:cNvGrpSpPr/>
+        <p:nvPr/>
+      </p:nvGrpSpPr>
+      <p:grpSpPr>
+        <a:xfrm>
+          <a:off x="0" y="0"/>
+          <a:ext cx="0" cy="0"/>
+          <a:chOff x="0" y="0"/>
+          <a:chExt cx="0" cy="0"/>
+        </a:xfrm>
+      </p:grpSpPr>
+      <p:sp>
+        <p:nvSpPr>
+          <p:cNvPr id="7" name="Slide Number Placeholder 3"/>
+          <p:cNvSpPr>
+            <a:spLocks noGrp="1"/>
+          </p:cNvSpPr>
+          <p:nvPr>
+            <p:ph type="sldNum" sz="quarter" idx="4294967295"/>
+          </p:nvPr>
+        </p:nvSpPr>
+        <p:spPr>
+          <a:xfrm>
+            <a:off x="11568000" y="6525003"/>
+            <a:ext cx="428822" cy="196477"/>
+          </a:xfrm>
+          <a:prstGeom prst="rect">
+            <a:avLst/>
+          </a:prstGeom>
+        </p:spPr>
+        <p:txBody>
+          <a:bodyPr/>
+          <a:lstStyle/>
+          <a:p>
+            <a:pPr>
+              <a:defRPr/>
+            </a:pPr>
+            <a:fld id="{58452FF4-89E3-4D1B-9927-2DBDC00E58D7}" type="slidenum">
+              <a:rPr lang="en-US" smtClean="0"/>
+              <a:pPr>
+                <a:defRPr/>
+              </a:pPr>
+              <a:t>6</a:t>
+            </a:fld>
+            <a:endParaRPr lang="en-US" dirty="0"/>
+          </a:p>
+        </p:txBody>
+      </p:sp>
+      <p:sp>
+        <p:nvSpPr>
+          <p:cNvPr id="5" name="Content Placeholder 4"/>
+          <p:cNvSpPr>
+            <a:spLocks noGrp="1"/>
+          </p:cNvSpPr>
+          <p:nvPr>
+            <p:ph idx="1"/>
+          </p:nvPr>
+        </p:nvSpPr>
+        <p:spPr>
+          <a:xfrm>
+            <a:off x="1141413" y="1712549"/>
+            <a:ext cx="11696797" cy="5458202"/>
+          </a:xfrm>
+        </p:spPr>
+        <p:txBody>
+          <a:bodyPr>
+            <a:normAutofit/>
+          </a:bodyPr>
+          <a:lstStyle/>
+          <a:p>
+            <a:pPr>
+              <a:lnSpc>
+                <a:spcPct val="100000"/>
+              </a:lnSpc>
+            </a:pPr>
+            <a:r>
+              <a:rPr lang="en-US" dirty="0"/>
+              <a:t>A lot of companies realize cost efficiency</a:t>
+            </a:r>
+          </a:p>
+          <a:p>
+            <a:pPr>
+              <a:lnSpc>
+                <a:spcPct val="100000"/>
+              </a:lnSpc>
+            </a:pPr>
+            <a:r>
+              <a:rPr lang="en-US" dirty="0"/>
+              <a:t>Introducing containers (not only to microservices) solves</a:t>
+            </a:r>
+          </a:p>
+          <a:p>
+            <a:pPr lvl="1">
+              <a:lnSpc>
+                <a:spcPct val="100000"/>
+              </a:lnSpc>
+            </a:pPr>
+            <a:r>
+              <a:rPr lang="en-US" dirty="0"/>
+              <a:t>Production problems</a:t>
+            </a:r>
+          </a:p>
+          <a:p>
+            <a:pPr lvl="1">
+              <a:lnSpc>
+                <a:spcPct val="100000"/>
+              </a:lnSpc>
+            </a:pPr>
+            <a:r>
+              <a:rPr lang="en-US" dirty="0"/>
+              <a:t>Deployment problems</a:t>
+            </a:r>
+          </a:p>
+          <a:p>
+            <a:pPr lvl="1">
+              <a:lnSpc>
+                <a:spcPct val="100000"/>
+              </a:lnSpc>
+            </a:pPr>
+            <a:r>
+              <a:rPr lang="en-US" dirty="0"/>
+              <a:t>Improves DevOps</a:t>
+            </a:r>
+          </a:p>
+          <a:p>
+            <a:pPr>
+              <a:lnSpc>
+                <a:spcPct val="100000"/>
+              </a:lnSpc>
+            </a:pPr>
+            <a:r>
+              <a:rPr lang="en-US" dirty="0"/>
+              <a:t>Whatever the choice of stacks and technologies!</a:t>
+            </a:r>
+          </a:p>
+          <a:p>
+            <a:pPr>
+              <a:lnSpc>
+                <a:spcPct val="100000"/>
+              </a:lnSpc>
+            </a:pPr>
+            <a:r>
+              <a:rPr lang="en-US" dirty="0"/>
+              <a:t>Docker is becoming the standard for containers</a:t>
+            </a:r>
+          </a:p>
+          <a:p>
+            <a:pPr lvl="1">
+              <a:lnSpc>
+                <a:spcPct val="100000"/>
+              </a:lnSpc>
+            </a:pPr>
+            <a:r>
+              <a:rPr lang="en-US" dirty="0"/>
+              <a:t>In the future Docker may be part of every data center</a:t>
+            </a:r>
+          </a:p>
+          <a:p>
+            <a:pPr lvl="1">
+              <a:lnSpc>
+                <a:spcPct val="100000"/>
+              </a:lnSpc>
+            </a:pPr>
+            <a:r>
+              <a:rPr lang="en-US" dirty="0"/>
+              <a:t>Just like the current state of virtual machines </a:t>
+            </a:r>
+          </a:p>
+        </p:txBody>
+      </p:sp>
+      <p:sp>
+        <p:nvSpPr>
+          <p:cNvPr id="4" name="Title 3"/>
+          <p:cNvSpPr>
+            <a:spLocks noGrp="1"/>
+          </p:cNvSpPr>
+          <p:nvPr>
+            <p:ph type="title"/>
+          </p:nvPr>
+        </p:nvSpPr>
+        <p:spPr/>
+        <p:txBody>
+          <a:bodyPr/>
+          <a:lstStyle/>
+          <a:p>
+            <a:r>
+              <a:rPr lang="en-US" dirty="0" err="1"/>
+              <a:t>WhY</a:t>
+            </a:r>
+            <a:r>
+              <a:rPr lang="en-US" dirty="0"/>
+              <a:t>?</a:t>
+            </a:r>
+          </a:p>
+        </p:txBody>
+      </p:sp>
+    </p:spTree>
+    <p:extLst>
+      <p:ext uri="{BB962C8B-B14F-4D97-AF65-F5344CB8AC3E}">
+        <p14:creationId xmlns:p14="http://schemas.microsoft.com/office/powerpoint/2010/main" val="2052862686"/>
+      </p:ext>
+    </p:extLst>
+  </p:cSld>
+  <p:clrMapOvr>
+    <a:masterClrMapping/>
+  </p:clrMapOvr>
+</p:sld>
+</file>
+
+<file path=ppt/slides/slide60.xml><?xml version="1.0" encoding="utf-8"?>
+<p:sld xmlns:a="http://schemas.openxmlformats.org/drawingml/2006/main" xmlns:r="http://schemas.openxmlformats.org/officeDocument/2006/relationships" xmlns:p="http://schemas.openxmlformats.org/presentationml/2006/main">
+  <p:cSld>
+    <p:spTree>
+      <p:nvGrpSpPr>
+        <p:cNvPr id="1" name=""/>
+        <p:cNvGrpSpPr/>
+        <p:nvPr/>
+      </p:nvGrpSpPr>
+      <p:grpSpPr>
+        <a:xfrm>
+          <a:off x="0" y="0"/>
+          <a:ext cx="0" cy="0"/>
+          <a:chOff x="0" y="0"/>
+          <a:chExt cx="0" cy="0"/>
+        </a:xfrm>
+      </p:grpSpPr>
+      <p:sp>
+        <p:nvSpPr>
+          <p:cNvPr id="7" name="Slide Number Placeholder 3"/>
+          <p:cNvSpPr>
+            <a:spLocks noGrp="1"/>
+          </p:cNvSpPr>
+          <p:nvPr>
+            <p:ph type="sldNum" sz="quarter" idx="4294967295"/>
+          </p:nvPr>
+        </p:nvSpPr>
+        <p:spPr>
+          <a:xfrm>
+            <a:off x="11568000" y="6525003"/>
+            <a:ext cx="428822" cy="196477"/>
+          </a:xfrm>
+          <a:prstGeom prst="rect">
+            <a:avLst/>
+          </a:prstGeom>
+        </p:spPr>
+        <p:txBody>
+          <a:bodyPr/>
+          <a:lstStyle/>
+          <a:p>
+            <a:pPr>
+              <a:defRPr/>
+            </a:pPr>
+            <a:fld id="{58452FF4-89E3-4D1B-9927-2DBDC00E58D7}" type="slidenum">
+              <a:rPr lang="en-US" smtClean="0"/>
+              <a:pPr>
+                <a:defRPr/>
+              </a:pPr>
+              <a:t>60</a:t>
+            </a:fld>
+            <a:endParaRPr lang="en-US" dirty="0"/>
+          </a:p>
+        </p:txBody>
+      </p:sp>
+      <p:sp>
+        <p:nvSpPr>
           <p:cNvPr id="4" name="Title 3"/>
           <p:cNvSpPr>
             <a:spLocks noGrp="1"/>
@@ -21773,7 +23717,7 @@
 </p:sld>
 </file>
 
-<file path=ppt/slides/slide51.xml><?xml version="1.0" encoding="utf-8"?>
+<file path=ppt/slides/slide61.xml><?xml version="1.0" encoding="utf-8"?>
 <p:sld xmlns:a="http://schemas.openxmlformats.org/drawingml/2006/main" xmlns:r="http://schemas.openxmlformats.org/officeDocument/2006/relationships" xmlns:p="http://schemas.openxmlformats.org/presentationml/2006/main">
   <p:cSld>
     <p:spTree>
@@ -21821,7 +23765,7 @@
               <a:pPr>
                 <a:defRPr/>
               </a:pPr>
-              <a:t>51</a:t>
+              <a:t>61</a:t>
             </a:fld>
             <a:endParaRPr lang="en-US" dirty="0"/>
           </a:p>
@@ -21974,7 +23918,7 @@
 </p:sld>
 </file>
 
-<file path=ppt/slides/slide52.xml><?xml version="1.0" encoding="utf-8"?>
+<file path=ppt/slides/slide62.xml><?xml version="1.0" encoding="utf-8"?>
 <p:sld xmlns:a="http://schemas.openxmlformats.org/drawingml/2006/main" xmlns:r="http://schemas.openxmlformats.org/officeDocument/2006/relationships" xmlns:p="http://schemas.openxmlformats.org/presentationml/2006/main">
   <p:cSld>
     <p:spTree>
@@ -22022,7 +23966,7 @@
               <a:pPr>
                 <a:defRPr/>
               </a:pPr>
-              <a:t>52</a:t>
+              <a:t>62</a:t>
             </a:fld>
             <a:endParaRPr lang="en-US" dirty="0"/>
           </a:p>
@@ -22158,7 +24102,7 @@
 </p:sld>
 </file>
 
-<file path=ppt/slides/slide53.xml><?xml version="1.0" encoding="utf-8"?>
+<file path=ppt/slides/slide63.xml><?xml version="1.0" encoding="utf-8"?>
 <p:sld xmlns:a="http://schemas.openxmlformats.org/drawingml/2006/main" xmlns:r="http://schemas.openxmlformats.org/officeDocument/2006/relationships" xmlns:p="http://schemas.openxmlformats.org/presentationml/2006/main">
   <p:cSld>
     <p:spTree>
@@ -22206,7 +24150,7 @@
               <a:pPr>
                 <a:defRPr/>
               </a:pPr>
-              <a:t>53</a:t>
+              <a:t>63</a:t>
             </a:fld>
             <a:endParaRPr lang="en-US" dirty="0"/>
           </a:p>
@@ -22323,7 +24267,7 @@
 </p:sld>
 </file>
 
-<file path=ppt/slides/slide54.xml><?xml version="1.0" encoding="utf-8"?>
+<file path=ppt/slides/slide64.xml><?xml version="1.0" encoding="utf-8"?>
 <p:sld xmlns:a="http://schemas.openxmlformats.org/drawingml/2006/main" xmlns:r="http://schemas.openxmlformats.org/officeDocument/2006/relationships" xmlns:p="http://schemas.openxmlformats.org/presentationml/2006/main">
   <p:cSld>
     <p:spTree>
@@ -22371,7 +24315,7 @@
               <a:pPr>
                 <a:defRPr/>
               </a:pPr>
-              <a:t>54</a:t>
+              <a:t>64</a:t>
             </a:fld>
             <a:endParaRPr lang="en-US" dirty="0"/>
           </a:p>
@@ -22545,7 +24489,7 @@
 </p:sld>
 </file>
 
-<file path=ppt/slides/slide55.xml><?xml version="1.0" encoding="utf-8"?>
+<file path=ppt/slides/slide65.xml><?xml version="1.0" encoding="utf-8"?>
 <p:sld xmlns:a="http://schemas.openxmlformats.org/drawingml/2006/main" xmlns:r="http://schemas.openxmlformats.org/officeDocument/2006/relationships" xmlns:p="http://schemas.openxmlformats.org/presentationml/2006/main">
   <p:cSld>
     <p:spTree>
@@ -22593,7 +24537,7 @@
               <a:pPr>
                 <a:defRPr/>
               </a:pPr>
-              <a:t>55</a:t>
+              <a:t>65</a:t>
             </a:fld>
             <a:endParaRPr lang="en-US" dirty="0"/>
           </a:p>
@@ -22676,7 +24620,7 @@
 </p:sld>
 </file>
 
-<file path=ppt/slides/slide56.xml><?xml version="1.0" encoding="utf-8"?>
+<file path=ppt/slides/slide66.xml><?xml version="1.0" encoding="utf-8"?>
 <p:sld xmlns:a="http://schemas.openxmlformats.org/drawingml/2006/main" xmlns:r="http://schemas.openxmlformats.org/officeDocument/2006/relationships" xmlns:p="http://schemas.openxmlformats.org/presentationml/2006/main">
   <p:cSld>
     <p:spTree>
@@ -22724,7 +24668,7 @@
               <a:pPr>
                 <a:defRPr/>
               </a:pPr>
-              <a:t>56</a:t>
+              <a:t>66</a:t>
             </a:fld>
             <a:endParaRPr lang="en-US" dirty="0"/>
           </a:p>
@@ -22808,7 +24752,7 @@
 </p:sld>
 </file>
 
-<file path=ppt/slides/slide57.xml><?xml version="1.0" encoding="utf-8"?>
+<file path=ppt/slides/slide67.xml><?xml version="1.0" encoding="utf-8"?>
 <p:sld xmlns:a="http://schemas.openxmlformats.org/drawingml/2006/main" xmlns:r="http://schemas.openxmlformats.org/officeDocument/2006/relationships" xmlns:p="http://schemas.openxmlformats.org/presentationml/2006/main">
   <p:cSld>
     <p:spTree>
@@ -22856,7 +24800,7 @@
               <a:pPr>
                 <a:defRPr/>
               </a:pPr>
-              <a:t>57</a:t>
+              <a:t>67</a:t>
             </a:fld>
             <a:endParaRPr lang="en-US" dirty="0"/>
           </a:p>
@@ -23019,7 +24963,7 @@
 </p:sld>
 </file>
 
-<file path=ppt/slides/slide58.xml><?xml version="1.0" encoding="utf-8"?>
+<file path=ppt/slides/slide68.xml><?xml version="1.0" encoding="utf-8"?>
 <p:sld xmlns:a="http://schemas.openxmlformats.org/drawingml/2006/main" xmlns:r="http://schemas.openxmlformats.org/officeDocument/2006/relationships" xmlns:p="http://schemas.openxmlformats.org/presentationml/2006/main">
   <p:cSld>
     <p:spTree>
@@ -23067,7 +25011,7 @@
               <a:pPr>
                 <a:defRPr/>
               </a:pPr>
-              <a:t>58</a:t>
+              <a:t>68</a:t>
             </a:fld>
             <a:endParaRPr lang="en-US" dirty="0"/>
           </a:p>
@@ -23241,7 +25185,7 @@
 </p:sld>
 </file>
 
-<file path=ppt/slides/slide59.xml><?xml version="1.0" encoding="utf-8"?>
+<file path=ppt/slides/slide69.xml><?xml version="1.0" encoding="utf-8"?>
 <p:sld xmlns:a="http://schemas.openxmlformats.org/drawingml/2006/main" xmlns:r="http://schemas.openxmlformats.org/officeDocument/2006/relationships" xmlns:p="http://schemas.openxmlformats.org/presentationml/2006/main">
   <p:cSld>
     <p:spTree>
@@ -23289,7 +25233,7 @@
               <a:pPr>
                 <a:defRPr/>
               </a:pPr>
-              <a:t>59</a:t>
+              <a:t>69</a:t>
             </a:fld>
             <a:endParaRPr lang="en-US" dirty="0"/>
           </a:p>
@@ -23441,7 +25385,7 @@
 </p:sld>
 </file>
 
-<file path=ppt/slides/slide6.xml><?xml version="1.0" encoding="utf-8"?>
+<file path=ppt/slides/slide7.xml><?xml version="1.0" encoding="utf-8"?>
 <p:sld xmlns:a="http://schemas.openxmlformats.org/drawingml/2006/main" xmlns:r="http://schemas.openxmlformats.org/officeDocument/2006/relationships" xmlns:p="http://schemas.openxmlformats.org/presentationml/2006/main">
   <p:cSld>
     <p:spTree>
@@ -23460,185 +25404,40 @@
       </p:grpSpPr>
       <p:sp>
         <p:nvSpPr>
-          <p:cNvPr id="7" name="Slide Number Placeholder 3"/>
-          <p:cNvSpPr>
-            <a:spLocks noGrp="1"/>
-          </p:cNvSpPr>
-          <p:nvPr>
-            <p:ph type="sldNum" sz="quarter" idx="4294967295"/>
+          <p:cNvPr id="4" name="Title 3"/>
+          <p:cNvSpPr>
+            <a:spLocks noGrp="1"/>
+          </p:cNvSpPr>
+          <p:nvPr>
+            <p:ph type="ctrTitle"/>
           </p:nvPr>
         </p:nvSpPr>
         <p:spPr>
           <a:xfrm>
-            <a:off x="11568000" y="6525003"/>
-            <a:ext cx="428822" cy="196477"/>
+            <a:off x="914400" y="2667000"/>
+            <a:ext cx="10363200" cy="903700"/>
           </a:xfrm>
-          <a:prstGeom prst="rect">
-            <a:avLst/>
-          </a:prstGeom>
         </p:spPr>
         <p:txBody>
           <a:bodyPr/>
           <a:lstStyle/>
           <a:p>
             <a:pPr>
-              <a:defRPr/>
-            </a:pPr>
-            <a:fld id="{58452FF4-89E3-4D1B-9927-2DBDC00E58D7}" type="slidenum">
-              <a:rPr lang="en-US" smtClean="0"/>
-              <a:pPr>
-                <a:defRPr/>
-              </a:pPr>
-              <a:t>6</a:t>
-            </a:fld>
-            <a:endParaRPr lang="en-US" dirty="0"/>
-          </a:p>
-        </p:txBody>
-      </p:sp>
-      <p:sp>
-        <p:nvSpPr>
-          <p:cNvPr id="5" name="Content Placeholder 4"/>
-          <p:cNvSpPr>
-            <a:spLocks noGrp="1"/>
-          </p:cNvSpPr>
-          <p:nvPr>
-            <p:ph idx="1"/>
-          </p:nvPr>
-        </p:nvSpPr>
-        <p:spPr>
-          <a:xfrm>
-            <a:off x="1141413" y="1712549"/>
-            <a:ext cx="11696797" cy="5458202"/>
-          </a:xfrm>
-        </p:spPr>
-        <p:txBody>
-          <a:bodyPr>
-            <a:normAutofit/>
-          </a:bodyPr>
-          <a:lstStyle/>
-          <a:p>
-            <a:pPr>
-              <a:lnSpc>
-                <a:spcPct val="100000"/>
-              </a:lnSpc>
-            </a:pPr>
-            <a:r>
-              <a:rPr lang="en-US" dirty="0"/>
-              <a:t>A lot of companies realize cost efficiency</a:t>
-            </a:r>
-          </a:p>
-          <a:p>
-            <a:pPr>
-              <a:lnSpc>
-                <a:spcPct val="100000"/>
-              </a:lnSpc>
-            </a:pPr>
-            <a:r>
-              <a:rPr lang="en-US" dirty="0"/>
-              <a:t>Introducing containers (not only to microservices) solves</a:t>
-            </a:r>
-          </a:p>
-          <a:p>
-            <a:pPr lvl="1">
-              <a:lnSpc>
-                <a:spcPct val="100000"/>
-              </a:lnSpc>
-            </a:pPr>
-            <a:r>
-              <a:rPr lang="en-US" dirty="0"/>
-              <a:t>Production problems</a:t>
-            </a:r>
-          </a:p>
-          <a:p>
-            <a:pPr lvl="1">
-              <a:lnSpc>
-                <a:spcPct val="100000"/>
-              </a:lnSpc>
-            </a:pPr>
-            <a:r>
-              <a:rPr lang="en-US" dirty="0"/>
-              <a:t>Deployment problems</a:t>
-            </a:r>
-          </a:p>
-          <a:p>
-            <a:pPr lvl="1">
-              <a:lnSpc>
-                <a:spcPct val="100000"/>
-              </a:lnSpc>
-            </a:pPr>
-            <a:r>
-              <a:rPr lang="en-US" dirty="0"/>
-              <a:t>Improves DevOps</a:t>
-            </a:r>
-          </a:p>
-          <a:p>
-            <a:pPr>
-              <a:lnSpc>
-                <a:spcPct val="100000"/>
-              </a:lnSpc>
-            </a:pPr>
-            <a:r>
-              <a:rPr lang="en-US" dirty="0"/>
-              <a:t>Whatever the choice of stacks and technologies!</a:t>
-            </a:r>
-          </a:p>
-          <a:p>
-            <a:pPr>
-              <a:lnSpc>
-                <a:spcPct val="100000"/>
-              </a:lnSpc>
-            </a:pPr>
-            <a:r>
-              <a:rPr lang="en-US" dirty="0"/>
-              <a:t>Docker is becoming the standard for containers</a:t>
-            </a:r>
-          </a:p>
-          <a:p>
-            <a:pPr lvl="1">
-              <a:lnSpc>
-                <a:spcPct val="100000"/>
-              </a:lnSpc>
-            </a:pPr>
-            <a:r>
-              <a:rPr lang="en-US" dirty="0"/>
-              <a:t>In the future Docker may be part of every data center</a:t>
-            </a:r>
-          </a:p>
-          <a:p>
-            <a:pPr lvl="1">
-              <a:lnSpc>
-                <a:spcPct val="100000"/>
-              </a:lnSpc>
-            </a:pPr>
-            <a:r>
-              <a:rPr lang="en-US" dirty="0"/>
-              <a:t>Just like the current state of virtual machines </a:t>
-            </a:r>
-          </a:p>
-        </p:txBody>
-      </p:sp>
-      <p:sp>
-        <p:nvSpPr>
-          <p:cNvPr id="4" name="Title 3"/>
-          <p:cNvSpPr>
-            <a:spLocks noGrp="1"/>
-          </p:cNvSpPr>
-          <p:nvPr>
-            <p:ph type="title"/>
-          </p:nvPr>
-        </p:nvSpPr>
-        <p:spPr/>
-        <p:txBody>
-          <a:bodyPr/>
-          <a:lstStyle/>
-          <a:p>
-            <a:r>
-              <a:rPr lang="en-US" dirty="0" err="1"/>
-              <a:t>WhY</a:t>
-            </a:r>
-            <a:r>
-              <a:rPr lang="en-US" dirty="0"/>
-              <a:t>?</a:t>
+              <a:lnSpc>
+                <a:spcPct val="100000"/>
+              </a:lnSpc>
+            </a:pPr>
+            <a:r>
+              <a:rPr lang="en-US" dirty="0"/>
+              <a:t>Microservices</a:t>
+            </a:r>
+            <a:r>
+              <a:rPr lang="bg-BG" dirty="0"/>
+              <a:t> </a:t>
+            </a:r>
+            <a:r>
+              <a:rPr lang="en-US" dirty="0"/>
+              <a:t>Architecture</a:t>
             </a:r>
           </a:p>
         </p:txBody>
@@ -23646,7 +25445,7 @@
     </p:spTree>
     <p:extLst>
       <p:ext uri="{BB962C8B-B14F-4D97-AF65-F5344CB8AC3E}">
-        <p14:creationId xmlns:p14="http://schemas.microsoft.com/office/powerpoint/2010/main" val="2052862686"/>
+        <p14:creationId xmlns:p14="http://schemas.microsoft.com/office/powerpoint/2010/main" val="3824006647"/>
       </p:ext>
     </p:extLst>
   </p:cSld>
@@ -23656,7 +25455,7 @@
 </p:sld>
 </file>
 
-<file path=ppt/slides/slide60.xml><?xml version="1.0" encoding="utf-8"?>
+<file path=ppt/slides/slide70.xml><?xml version="1.0" encoding="utf-8"?>
 <p:sld xmlns:a="http://schemas.openxmlformats.org/drawingml/2006/main" xmlns:r="http://schemas.openxmlformats.org/officeDocument/2006/relationships" xmlns:p="http://schemas.openxmlformats.org/presentationml/2006/main">
   <p:cSld>
     <p:spTree>
@@ -23704,7 +25503,7 @@
               <a:pPr>
                 <a:defRPr/>
               </a:pPr>
-              <a:t>60</a:t>
+              <a:t>70</a:t>
             </a:fld>
             <a:endParaRPr lang="en-US" dirty="0"/>
           </a:p>
@@ -23787,7 +25586,7 @@
 </p:sld>
 </file>
 
-<file path=ppt/slides/slide61.xml><?xml version="1.0" encoding="utf-8"?>
+<file path=ppt/slides/slide71.xml><?xml version="1.0" encoding="utf-8"?>
 <p:sld xmlns:a="http://schemas.openxmlformats.org/drawingml/2006/main" xmlns:r="http://schemas.openxmlformats.org/officeDocument/2006/relationships" xmlns:p="http://schemas.openxmlformats.org/presentationml/2006/main">
   <p:cSld>
     <p:spTree>
@@ -23849,7 +25648,7 @@
 </p:sld>
 </file>
 
-<file path=ppt/slides/slide62.xml><?xml version="1.0" encoding="utf-8"?>
+<file path=ppt/slides/slide72.xml><?xml version="1.0" encoding="utf-8"?>
 <p:sld xmlns:a="http://schemas.openxmlformats.org/drawingml/2006/main" xmlns:r="http://schemas.openxmlformats.org/officeDocument/2006/relationships" xmlns:p="http://schemas.openxmlformats.org/presentationml/2006/main">
   <p:cSld>
     <p:spTree>
@@ -23897,7 +25696,7 @@
               <a:pPr>
                 <a:defRPr/>
               </a:pPr>
-              <a:t>62</a:t>
+              <a:t>72</a:t>
             </a:fld>
             <a:endParaRPr lang="en-US" dirty="0"/>
           </a:p>
@@ -24013,7 +25812,7 @@
 </p:sld>
 </file>
 
-<file path=ppt/slides/slide63.xml><?xml version="1.0" encoding="utf-8"?>
+<file path=ppt/slides/slide73.xml><?xml version="1.0" encoding="utf-8"?>
 <p:sld xmlns:a="http://schemas.openxmlformats.org/drawingml/2006/main" xmlns:r="http://schemas.openxmlformats.org/officeDocument/2006/relationships" xmlns:p="http://schemas.openxmlformats.org/presentationml/2006/main">
   <p:cSld>
     <p:spTree>
@@ -24061,7 +25860,7 @@
               <a:pPr>
                 <a:defRPr/>
               </a:pPr>
-              <a:t>63</a:t>
+              <a:t>73</a:t>
             </a:fld>
             <a:endParaRPr lang="en-US" dirty="0"/>
           </a:p>
@@ -24191,7 +25990,7 @@
 </p:sld>
 </file>
 
-<file path=ppt/slides/slide64.xml><?xml version="1.0" encoding="utf-8"?>
+<file path=ppt/slides/slide74.xml><?xml version="1.0" encoding="utf-8"?>
 <p:sld xmlns:a="http://schemas.openxmlformats.org/drawingml/2006/main" xmlns:r="http://schemas.openxmlformats.org/officeDocument/2006/relationships" xmlns:p="http://schemas.openxmlformats.org/presentationml/2006/main">
   <p:cSld>
     <p:spTree>
@@ -24239,7 +26038,7 @@
               <a:pPr>
                 <a:defRPr/>
               </a:pPr>
-              <a:t>64</a:t>
+              <a:t>74</a:t>
             </a:fld>
             <a:endParaRPr lang="en-US" dirty="0"/>
           </a:p>
@@ -24322,7 +26121,7 @@
 </p:sld>
 </file>
 
-<file path=ppt/slides/slide65.xml><?xml version="1.0" encoding="utf-8"?>
+<file path=ppt/slides/slide75.xml><?xml version="1.0" encoding="utf-8"?>
 <p:sld xmlns:a="http://schemas.openxmlformats.org/drawingml/2006/main" xmlns:r="http://schemas.openxmlformats.org/officeDocument/2006/relationships" xmlns:p="http://schemas.openxmlformats.org/presentationml/2006/main">
   <p:cSld>
     <p:spTree>
@@ -24370,7 +26169,7 @@
               <a:pPr>
                 <a:defRPr/>
               </a:pPr>
-              <a:t>65</a:t>
+              <a:t>75</a:t>
             </a:fld>
             <a:endParaRPr lang="en-US" dirty="0"/>
           </a:p>
@@ -24511,7 +26310,7 @@
 </p:sld>
 </file>
 
-<file path=ppt/slides/slide66.xml><?xml version="1.0" encoding="utf-8"?>
+<file path=ppt/slides/slide76.xml><?xml version="1.0" encoding="utf-8"?>
 <p:sld xmlns:a="http://schemas.openxmlformats.org/drawingml/2006/main" xmlns:r="http://schemas.openxmlformats.org/officeDocument/2006/relationships" xmlns:p="http://schemas.openxmlformats.org/presentationml/2006/main">
   <p:cSld>
     <p:spTree>
@@ -24573,7 +26372,7 @@
 </p:sld>
 </file>
 
-<file path=ppt/slides/slide67.xml><?xml version="1.0" encoding="utf-8"?>
+<file path=ppt/slides/slide77.xml><?xml version="1.0" encoding="utf-8"?>
 <p:sld xmlns:a="http://schemas.openxmlformats.org/drawingml/2006/main" xmlns:r="http://schemas.openxmlformats.org/officeDocument/2006/relationships" xmlns:p="http://schemas.openxmlformats.org/presentationml/2006/main">
   <p:cSld>
     <p:spTree>
@@ -24621,7 +26420,7 @@
               <a:pPr>
                 <a:defRPr/>
               </a:pPr>
-              <a:t>67</a:t>
+              <a:t>77</a:t>
             </a:fld>
             <a:endParaRPr lang="en-US" dirty="0"/>
           </a:p>
@@ -24804,7 +26603,7 @@
 </p:sld>
 </file>
 
-<file path=ppt/slides/slide68.xml><?xml version="1.0" encoding="utf-8"?>
+<file path=ppt/slides/slide78.xml><?xml version="1.0" encoding="utf-8"?>
 <p:sld xmlns:a="http://schemas.openxmlformats.org/drawingml/2006/main" xmlns:r="http://schemas.openxmlformats.org/officeDocument/2006/relationships" xmlns:p="http://schemas.openxmlformats.org/presentationml/2006/main">
   <p:cSld>
     <p:spTree>
@@ -24852,7 +26651,7 @@
               <a:pPr>
                 <a:defRPr/>
               </a:pPr>
-              <a:t>68</a:t>
+              <a:t>78</a:t>
             </a:fld>
             <a:endParaRPr lang="en-US" dirty="0"/>
           </a:p>
@@ -25035,7 +26834,7 @@
 </p:sld>
 </file>
 
-<file path=ppt/slides/slide69.xml><?xml version="1.0" encoding="utf-8"?>
+<file path=ppt/slides/slide79.xml><?xml version="1.0" encoding="utf-8"?>
 <p:sld xmlns:a="http://schemas.openxmlformats.org/drawingml/2006/main" xmlns:r="http://schemas.openxmlformats.org/officeDocument/2006/relationships" xmlns:p="http://schemas.openxmlformats.org/presentationml/2006/main">
   <p:cSld>
     <p:spTree>
@@ -25097,7 +26896,7 @@
 </p:sld>
 </file>
 
-<file path=ppt/slides/slide7.xml><?xml version="1.0" encoding="utf-8"?>
+<file path=ppt/slides/slide8.xml><?xml version="1.0" encoding="utf-8"?>
 <p:sld xmlns:a="http://schemas.openxmlformats.org/drawingml/2006/main" xmlns:r="http://schemas.openxmlformats.org/officeDocument/2006/relationships" xmlns:p="http://schemas.openxmlformats.org/presentationml/2006/main">
   <p:cSld>
     <p:spTree>
@@ -25116,40 +26915,193 @@
       </p:grpSpPr>
       <p:sp>
         <p:nvSpPr>
-          <p:cNvPr id="4" name="Title 3"/>
-          <p:cNvSpPr>
-            <a:spLocks noGrp="1"/>
-          </p:cNvSpPr>
-          <p:nvPr>
-            <p:ph type="ctrTitle"/>
+          <p:cNvPr id="7" name="Slide Number Placeholder 3"/>
+          <p:cNvSpPr>
+            <a:spLocks noGrp="1"/>
+          </p:cNvSpPr>
+          <p:nvPr>
+            <p:ph type="sldNum" sz="quarter" idx="4294967295"/>
           </p:nvPr>
         </p:nvSpPr>
         <p:spPr>
           <a:xfrm>
-            <a:off x="914400" y="2667000"/>
-            <a:ext cx="10363200" cy="903700"/>
+            <a:off x="11568000" y="6525003"/>
+            <a:ext cx="428822" cy="196477"/>
+          </a:xfrm>
+          <a:prstGeom prst="rect">
+            <a:avLst/>
+          </a:prstGeom>
+        </p:spPr>
+        <p:txBody>
+          <a:bodyPr/>
+          <a:lstStyle/>
+          <a:p>
+            <a:pPr>
+              <a:defRPr/>
+            </a:pPr>
+            <a:fld id="{58452FF4-89E3-4D1B-9927-2DBDC00E58D7}" type="slidenum">
+              <a:rPr lang="en-US" smtClean="0"/>
+              <a:pPr>
+                <a:defRPr/>
+              </a:pPr>
+              <a:t>8</a:t>
+            </a:fld>
+            <a:endParaRPr lang="en-US" dirty="0"/>
+          </a:p>
+        </p:txBody>
+      </p:sp>
+      <p:sp>
+        <p:nvSpPr>
+          <p:cNvPr id="5" name="Content Placeholder 4"/>
+          <p:cNvSpPr>
+            <a:spLocks noGrp="1"/>
+          </p:cNvSpPr>
+          <p:nvPr>
+            <p:ph idx="1"/>
+          </p:nvPr>
+        </p:nvSpPr>
+        <p:spPr>
+          <a:xfrm>
+            <a:off x="1141413" y="1712549"/>
+            <a:ext cx="11696797" cy="5458202"/>
           </a:xfrm>
         </p:spPr>
         <p:txBody>
+          <a:bodyPr>
+            <a:normAutofit/>
+          </a:bodyPr>
+          <a:lstStyle/>
+          <a:p>
+            <a:pPr>
+              <a:lnSpc>
+                <a:spcPct val="100000"/>
+              </a:lnSpc>
+            </a:pPr>
+            <a:r>
+              <a:rPr lang="en-US" dirty="0"/>
+              <a:t>Externally, a monolith is an application which</a:t>
+            </a:r>
+          </a:p>
+          <a:p>
+            <a:pPr lvl="1">
+              <a:lnSpc>
+                <a:spcPct val="100000"/>
+              </a:lnSpc>
+            </a:pPr>
+            <a:r>
+              <a:rPr lang="en-US" dirty="0"/>
+              <a:t>Is deployed as a single process</a:t>
+            </a:r>
+          </a:p>
+          <a:p>
+            <a:pPr lvl="1">
+              <a:lnSpc>
+                <a:spcPct val="100000"/>
+              </a:lnSpc>
+            </a:pPr>
+            <a:r>
+              <a:rPr lang="en-US" dirty="0"/>
+              <a:t>A single web application, solving all business requirements</a:t>
+            </a:r>
+          </a:p>
+          <a:p>
+            <a:pPr lvl="1">
+              <a:lnSpc>
+                <a:spcPct val="100000"/>
+              </a:lnSpc>
+            </a:pPr>
+            <a:r>
+              <a:rPr lang="en-US" dirty="0"/>
+              <a:t>A single process</a:t>
+            </a:r>
+          </a:p>
+          <a:p>
+            <a:pPr lvl="1">
+              <a:lnSpc>
+                <a:spcPct val="100000"/>
+              </a:lnSpc>
+            </a:pPr>
+            <a:r>
+              <a:rPr lang="en-US" dirty="0"/>
+              <a:t>You may use a container to simplify deployment</a:t>
+            </a:r>
+          </a:p>
+          <a:p>
+            <a:pPr>
+              <a:lnSpc>
+                <a:spcPct val="100000"/>
+              </a:lnSpc>
+            </a:pPr>
+            <a:r>
+              <a:rPr lang="en-US" dirty="0"/>
+              <a:t>Internally, a monolith application is separated</a:t>
+            </a:r>
+          </a:p>
+          <a:p>
+            <a:pPr lvl="1">
+              <a:lnSpc>
+                <a:spcPct val="100000"/>
+              </a:lnSpc>
+            </a:pPr>
+            <a:r>
+              <a:rPr lang="en-US" dirty="0"/>
+              <a:t>Different layers – web layer, domain layer, service layer, etc.</a:t>
+            </a:r>
+          </a:p>
+          <a:p>
+            <a:pPr>
+              <a:lnSpc>
+                <a:spcPct val="100000"/>
+              </a:lnSpc>
+            </a:pPr>
+            <a:r>
+              <a:rPr lang="en-US" dirty="0"/>
+              <a:t>You scale these by replicating them</a:t>
+            </a:r>
+          </a:p>
+          <a:p>
+            <a:pPr lvl="1">
+              <a:lnSpc>
+                <a:spcPct val="100000"/>
+              </a:lnSpc>
+            </a:pPr>
+            <a:r>
+              <a:rPr lang="en-US" dirty="0"/>
+              <a:t>And adding a load balancer in front of them</a:t>
+            </a:r>
+          </a:p>
+          <a:p>
+            <a:pPr marL="0" indent="0">
+              <a:lnSpc>
+                <a:spcPct val="100000"/>
+              </a:lnSpc>
+              <a:buNone/>
+            </a:pPr>
+            <a:r>
+              <a:rPr lang="en-US" dirty="0"/>
+              <a:t>	</a:t>
+            </a:r>
+          </a:p>
+        </p:txBody>
+      </p:sp>
+      <p:sp>
+        <p:nvSpPr>
+          <p:cNvPr id="4" name="Title 3"/>
+          <p:cNvSpPr>
+            <a:spLocks noGrp="1"/>
+          </p:cNvSpPr>
+          <p:nvPr>
+            <p:ph type="title"/>
+          </p:nvPr>
+        </p:nvSpPr>
+        <p:spPr/>
+        <p:txBody>
           <a:bodyPr/>
           <a:lstStyle/>
           <a:p>
-            <a:pPr>
-              <a:lnSpc>
-                <a:spcPct val="100000"/>
-              </a:lnSpc>
-            </a:pPr>
-            <a:r>
-              <a:rPr lang="en-US" dirty="0"/>
-              <a:t>Microservices</a:t>
-            </a:r>
-            <a:r>
-              <a:rPr lang="bg-BG" dirty="0"/>
-              <a:t> </a:t>
-            </a:r>
-            <a:r>
-              <a:rPr lang="en-US" dirty="0"/>
-              <a:t>Architecture</a:t>
+            <a:r>
+              <a:rPr lang="en-US" dirty="0"/>
+              <a:t>Let’s start with monoliths</a:t>
             </a:r>
           </a:p>
         </p:txBody>
@@ -25157,7 +27109,7 @@
     </p:spTree>
     <p:extLst>
       <p:ext uri="{BB962C8B-B14F-4D97-AF65-F5344CB8AC3E}">
-        <p14:creationId xmlns:p14="http://schemas.microsoft.com/office/powerpoint/2010/main" val="3824006647"/>
+        <p14:creationId xmlns:p14="http://schemas.microsoft.com/office/powerpoint/2010/main" val="653318825"/>
       </p:ext>
     </p:extLst>
   </p:cSld>
@@ -25167,7 +27119,7 @@
 </p:sld>
 </file>
 
-<file path=ppt/slides/slide70.xml><?xml version="1.0" encoding="utf-8"?>
+<file path=ppt/slides/slide80.xml><?xml version="1.0" encoding="utf-8"?>
 <p:sld xmlns:a="http://schemas.openxmlformats.org/drawingml/2006/main" xmlns:r="http://schemas.openxmlformats.org/officeDocument/2006/relationships" xmlns:p="http://schemas.openxmlformats.org/presentationml/2006/main">
   <p:cSld>
     <p:spTree>
@@ -25215,7 +27167,7 @@
               <a:pPr>
                 <a:defRPr/>
               </a:pPr>
-              <a:t>70</a:t>
+              <a:t>80</a:t>
             </a:fld>
             <a:endParaRPr lang="en-US" dirty="0"/>
           </a:p>
@@ -25428,7 +27380,7 @@
 </p:sld>
 </file>
 
-<file path=ppt/slides/slide71.xml><?xml version="1.0" encoding="utf-8"?>
+<file path=ppt/slides/slide81.xml><?xml version="1.0" encoding="utf-8"?>
 <p:sld xmlns:a="http://schemas.openxmlformats.org/drawingml/2006/main" xmlns:r="http://schemas.openxmlformats.org/officeDocument/2006/relationships" xmlns:p="http://schemas.openxmlformats.org/presentationml/2006/main">
   <p:cSld>
     <p:spTree>
@@ -25476,7 +27428,7 @@
               <a:pPr>
                 <a:defRPr/>
               </a:pPr>
-              <a:t>71</a:t>
+              <a:t>81</a:t>
             </a:fld>
             <a:endParaRPr lang="en-US" dirty="0"/>
           </a:p>
@@ -25668,7 +27620,7 @@
 </p:sld>
 </file>
 
-<file path=ppt/slides/slide72.xml><?xml version="1.0" encoding="utf-8"?>
+<file path=ppt/slides/slide82.xml><?xml version="1.0" encoding="utf-8"?>
 <p:sld xmlns:a="http://schemas.openxmlformats.org/drawingml/2006/main" xmlns:r="http://schemas.openxmlformats.org/officeDocument/2006/relationships" xmlns:p="http://schemas.openxmlformats.org/presentationml/2006/main">
   <p:cSld>
     <p:spTree>
@@ -25716,7 +27668,7 @@
               <a:pPr>
                 <a:defRPr/>
               </a:pPr>
-              <a:t>72</a:t>
+              <a:t>82</a:t>
             </a:fld>
             <a:endParaRPr lang="en-US" dirty="0"/>
           </a:p>
@@ -25901,7 +27853,7 @@
 </p:sld>
 </file>
 
-<file path=ppt/slides/slide73.xml><?xml version="1.0" encoding="utf-8"?>
+<file path=ppt/slides/slide83.xml><?xml version="1.0" encoding="utf-8"?>
 <p:sld xmlns:a="http://schemas.openxmlformats.org/drawingml/2006/main" xmlns:r="http://schemas.openxmlformats.org/officeDocument/2006/relationships" xmlns:p="http://schemas.openxmlformats.org/presentationml/2006/main">
   <p:cSld>
     <p:spTree>
@@ -25949,7 +27901,7 @@
               <a:pPr>
                 <a:defRPr/>
               </a:pPr>
-              <a:t>73</a:t>
+              <a:t>83</a:t>
             </a:fld>
             <a:endParaRPr lang="en-US" dirty="0"/>
           </a:p>
@@ -26136,7 +28088,7 @@
 </p:sld>
 </file>
 
-<file path=ppt/slides/slide74.xml><?xml version="1.0" encoding="utf-8"?>
+<file path=ppt/slides/slide84.xml><?xml version="1.0" encoding="utf-8"?>
 <p:sld xmlns:a="http://schemas.openxmlformats.org/drawingml/2006/main" xmlns:r="http://schemas.openxmlformats.org/officeDocument/2006/relationships" xmlns:p="http://schemas.openxmlformats.org/presentationml/2006/main">
   <p:cSld>
     <p:spTree>
@@ -26184,7 +28136,7 @@
               <a:pPr>
                 <a:defRPr/>
               </a:pPr>
-              <a:t>74</a:t>
+              <a:t>84</a:t>
             </a:fld>
             <a:endParaRPr lang="en-US" dirty="0"/>
           </a:p>
@@ -26359,7 +28311,7 @@
 </p:sld>
 </file>
 
-<file path=ppt/slides/slide75.xml><?xml version="1.0" encoding="utf-8"?>
+<file path=ppt/slides/slide85.xml><?xml version="1.0" encoding="utf-8"?>
 <p:sld xmlns:a="http://schemas.openxmlformats.org/drawingml/2006/main" xmlns:r="http://schemas.openxmlformats.org/officeDocument/2006/relationships" xmlns:p="http://schemas.openxmlformats.org/presentationml/2006/main">
   <p:cSld>
     <p:spTree>
@@ -26407,7 +28359,7 @@
               <a:pPr>
                 <a:defRPr/>
               </a:pPr>
-              <a:t>75</a:t>
+              <a:t>85</a:t>
             </a:fld>
             <a:endParaRPr lang="en-US" dirty="0"/>
           </a:p>
@@ -26581,7 +28533,7 @@
 </p:sld>
 </file>
 
-<file path=ppt/slides/slide76.xml><?xml version="1.0" encoding="utf-8"?>
+<file path=ppt/slides/slide86.xml><?xml version="1.0" encoding="utf-8"?>
 <p:sld xmlns:a="http://schemas.openxmlformats.org/drawingml/2006/main" xmlns:r="http://schemas.openxmlformats.org/officeDocument/2006/relationships" xmlns:p="http://schemas.openxmlformats.org/presentationml/2006/main">
   <p:cSld>
     <p:spTree>
@@ -26629,7 +28581,7 @@
               <a:pPr>
                 <a:defRPr/>
               </a:pPr>
-              <a:t>76</a:t>
+              <a:t>86</a:t>
             </a:fld>
             <a:endParaRPr lang="en-US" dirty="0"/>
           </a:p>
@@ -26759,7 +28711,7 @@
 </p:sld>
 </file>
 
-<file path=ppt/slides/slide77.xml><?xml version="1.0" encoding="utf-8"?>
+<file path=ppt/slides/slide87.xml><?xml version="1.0" encoding="utf-8"?>
 <p:sld xmlns:a="http://schemas.openxmlformats.org/drawingml/2006/main" xmlns:r="http://schemas.openxmlformats.org/officeDocument/2006/relationships" xmlns:p="http://schemas.openxmlformats.org/presentationml/2006/main">
   <p:cSld>
     <p:spTree>
@@ -26807,7 +28759,7 @@
               <a:pPr>
                 <a:defRPr/>
               </a:pPr>
-              <a:t>77</a:t>
+              <a:t>87</a:t>
             </a:fld>
             <a:endParaRPr lang="en-US" dirty="0"/>
           </a:p>
@@ -26890,7 +28842,7 @@
 </p:sld>
 </file>
 
-<file path=ppt/slides/slide78.xml><?xml version="1.0" encoding="utf-8"?>
+<file path=ppt/slides/slide88.xml><?xml version="1.0" encoding="utf-8"?>
 <p:sld xmlns:a="http://schemas.openxmlformats.org/drawingml/2006/main" xmlns:r="http://schemas.openxmlformats.org/officeDocument/2006/relationships" xmlns:p="http://schemas.openxmlformats.org/presentationml/2006/main">
   <p:cSld>
     <p:spTree>
@@ -26952,7 +28904,7 @@
 </p:sld>
 </file>
 
-<file path=ppt/slides/slide79.xml><?xml version="1.0" encoding="utf-8"?>
+<file path=ppt/slides/slide89.xml><?xml version="1.0" encoding="utf-8"?>
 <p:sld xmlns:a="http://schemas.openxmlformats.org/drawingml/2006/main" xmlns:r="http://schemas.openxmlformats.org/officeDocument/2006/relationships" xmlns:p="http://schemas.openxmlformats.org/presentationml/2006/main">
   <p:cSld>
     <p:spTree>
@@ -27000,7 +28952,7 @@
               <a:pPr>
                 <a:defRPr/>
               </a:pPr>
-              <a:t>79</a:t>
+              <a:t>89</a:t>
             </a:fld>
             <a:endParaRPr lang="en-US" dirty="0"/>
           </a:p>
@@ -27165,1109 +29117,6 @@
     <p:extLst>
       <p:ext uri="{BB962C8B-B14F-4D97-AF65-F5344CB8AC3E}">
         <p14:creationId xmlns:p14="http://schemas.microsoft.com/office/powerpoint/2010/main" val="401814062"/>
-      </p:ext>
-    </p:extLst>
-  </p:cSld>
-  <p:clrMapOvr>
-    <a:masterClrMapping/>
-  </p:clrMapOvr>
-</p:sld>
-</file>
-
-<file path=ppt/slides/slide8.xml><?xml version="1.0" encoding="utf-8"?>
-<p:sld xmlns:a="http://schemas.openxmlformats.org/drawingml/2006/main" xmlns:r="http://schemas.openxmlformats.org/officeDocument/2006/relationships" xmlns:p="http://schemas.openxmlformats.org/presentationml/2006/main">
-  <p:cSld>
-    <p:spTree>
-      <p:nvGrpSpPr>
-        <p:cNvPr id="1" name=""/>
-        <p:cNvGrpSpPr/>
-        <p:nvPr/>
-      </p:nvGrpSpPr>
-      <p:grpSpPr>
-        <a:xfrm>
-          <a:off x="0" y="0"/>
-          <a:ext cx="0" cy="0"/>
-          <a:chOff x="0" y="0"/>
-          <a:chExt cx="0" cy="0"/>
-        </a:xfrm>
-      </p:grpSpPr>
-      <p:sp>
-        <p:nvSpPr>
-          <p:cNvPr id="7" name="Slide Number Placeholder 3"/>
-          <p:cNvSpPr>
-            <a:spLocks noGrp="1"/>
-          </p:cNvSpPr>
-          <p:nvPr>
-            <p:ph type="sldNum" sz="quarter" idx="4294967295"/>
-          </p:nvPr>
-        </p:nvSpPr>
-        <p:spPr>
-          <a:xfrm>
-            <a:off x="11568000" y="6525003"/>
-            <a:ext cx="428822" cy="196477"/>
-          </a:xfrm>
-          <a:prstGeom prst="rect">
-            <a:avLst/>
-          </a:prstGeom>
-        </p:spPr>
-        <p:txBody>
-          <a:bodyPr/>
-          <a:lstStyle/>
-          <a:p>
-            <a:pPr>
-              <a:defRPr/>
-            </a:pPr>
-            <a:fld id="{58452FF4-89E3-4D1B-9927-2DBDC00E58D7}" type="slidenum">
-              <a:rPr lang="en-US" smtClean="0"/>
-              <a:pPr>
-                <a:defRPr/>
-              </a:pPr>
-              <a:t>8</a:t>
-            </a:fld>
-            <a:endParaRPr lang="en-US" dirty="0"/>
-          </a:p>
-        </p:txBody>
-      </p:sp>
-      <p:sp>
-        <p:nvSpPr>
-          <p:cNvPr id="5" name="Content Placeholder 4"/>
-          <p:cNvSpPr>
-            <a:spLocks noGrp="1"/>
-          </p:cNvSpPr>
-          <p:nvPr>
-            <p:ph idx="1"/>
-          </p:nvPr>
-        </p:nvSpPr>
-        <p:spPr>
-          <a:xfrm>
-            <a:off x="1141413" y="1712549"/>
-            <a:ext cx="11696797" cy="5458202"/>
-          </a:xfrm>
-        </p:spPr>
-        <p:txBody>
-          <a:bodyPr>
-            <a:normAutofit/>
-          </a:bodyPr>
-          <a:lstStyle/>
-          <a:p>
-            <a:pPr>
-              <a:lnSpc>
-                <a:spcPct val="100000"/>
-              </a:lnSpc>
-            </a:pPr>
-            <a:r>
-              <a:rPr lang="en-US" dirty="0"/>
-              <a:t>Externally, a monolith is an application which</a:t>
-            </a:r>
-          </a:p>
-          <a:p>
-            <a:pPr lvl="1">
-              <a:lnSpc>
-                <a:spcPct val="100000"/>
-              </a:lnSpc>
-            </a:pPr>
-            <a:r>
-              <a:rPr lang="en-US" dirty="0"/>
-              <a:t>Is deployed as a single process</a:t>
-            </a:r>
-          </a:p>
-          <a:p>
-            <a:pPr lvl="1">
-              <a:lnSpc>
-                <a:spcPct val="100000"/>
-              </a:lnSpc>
-            </a:pPr>
-            <a:r>
-              <a:rPr lang="en-US" dirty="0"/>
-              <a:t>A single web application, solving all business requirements</a:t>
-            </a:r>
-          </a:p>
-          <a:p>
-            <a:pPr lvl="1">
-              <a:lnSpc>
-                <a:spcPct val="100000"/>
-              </a:lnSpc>
-            </a:pPr>
-            <a:r>
-              <a:rPr lang="en-US" dirty="0"/>
-              <a:t>A single process</a:t>
-            </a:r>
-          </a:p>
-          <a:p>
-            <a:pPr lvl="1">
-              <a:lnSpc>
-                <a:spcPct val="100000"/>
-              </a:lnSpc>
-            </a:pPr>
-            <a:r>
-              <a:rPr lang="en-US" dirty="0"/>
-              <a:t>You may use a container to simplify deployment</a:t>
-            </a:r>
-          </a:p>
-          <a:p>
-            <a:pPr>
-              <a:lnSpc>
-                <a:spcPct val="100000"/>
-              </a:lnSpc>
-            </a:pPr>
-            <a:r>
-              <a:rPr lang="en-US" dirty="0"/>
-              <a:t>Internally, a monolith application is separated</a:t>
-            </a:r>
-          </a:p>
-          <a:p>
-            <a:pPr lvl="1">
-              <a:lnSpc>
-                <a:spcPct val="100000"/>
-              </a:lnSpc>
-            </a:pPr>
-            <a:r>
-              <a:rPr lang="en-US" dirty="0"/>
-              <a:t>Different layers – web layer, domain layer, service layer, etc.</a:t>
-            </a:r>
-          </a:p>
-          <a:p>
-            <a:pPr>
-              <a:lnSpc>
-                <a:spcPct val="100000"/>
-              </a:lnSpc>
-            </a:pPr>
-            <a:r>
-              <a:rPr lang="en-US" dirty="0"/>
-              <a:t>You scale these by replicating them</a:t>
-            </a:r>
-          </a:p>
-          <a:p>
-            <a:pPr lvl="1">
-              <a:lnSpc>
-                <a:spcPct val="100000"/>
-              </a:lnSpc>
-            </a:pPr>
-            <a:r>
-              <a:rPr lang="en-US" dirty="0"/>
-              <a:t>And adding a load balancer in front of them</a:t>
-            </a:r>
-          </a:p>
-          <a:p>
-            <a:pPr marL="0" indent="0">
-              <a:lnSpc>
-                <a:spcPct val="100000"/>
-              </a:lnSpc>
-              <a:buNone/>
-            </a:pPr>
-            <a:r>
-              <a:rPr lang="en-US" dirty="0"/>
-              <a:t>	</a:t>
-            </a:r>
-          </a:p>
-        </p:txBody>
-      </p:sp>
-      <p:sp>
-        <p:nvSpPr>
-          <p:cNvPr id="4" name="Title 3"/>
-          <p:cNvSpPr>
-            <a:spLocks noGrp="1"/>
-          </p:cNvSpPr>
-          <p:nvPr>
-            <p:ph type="title"/>
-          </p:nvPr>
-        </p:nvSpPr>
-        <p:spPr/>
-        <p:txBody>
-          <a:bodyPr/>
-          <a:lstStyle/>
-          <a:p>
-            <a:r>
-              <a:rPr lang="en-US" dirty="0"/>
-              <a:t>Let’s start with monoliths</a:t>
-            </a:r>
-          </a:p>
-        </p:txBody>
-      </p:sp>
-    </p:spTree>
-    <p:extLst>
-      <p:ext uri="{BB962C8B-B14F-4D97-AF65-F5344CB8AC3E}">
-        <p14:creationId xmlns:p14="http://schemas.microsoft.com/office/powerpoint/2010/main" val="653318825"/>
-      </p:ext>
-    </p:extLst>
-  </p:cSld>
-  <p:clrMapOvr>
-    <a:masterClrMapping/>
-  </p:clrMapOvr>
-</p:sld>
-</file>
-
-<file path=ppt/slides/slide80.xml><?xml version="1.0" encoding="utf-8"?>
-<p:sld xmlns:a="http://schemas.openxmlformats.org/drawingml/2006/main" xmlns:r="http://schemas.openxmlformats.org/officeDocument/2006/relationships" xmlns:p="http://schemas.openxmlformats.org/presentationml/2006/main">
-  <p:cSld>
-    <p:spTree>
-      <p:nvGrpSpPr>
-        <p:cNvPr id="1" name=""/>
-        <p:cNvGrpSpPr/>
-        <p:nvPr/>
-      </p:nvGrpSpPr>
-      <p:grpSpPr>
-        <a:xfrm>
-          <a:off x="0" y="0"/>
-          <a:ext cx="0" cy="0"/>
-          <a:chOff x="0" y="0"/>
-          <a:chExt cx="0" cy="0"/>
-        </a:xfrm>
-      </p:grpSpPr>
-      <p:sp>
-        <p:nvSpPr>
-          <p:cNvPr id="4" name="Title 3"/>
-          <p:cNvSpPr>
-            <a:spLocks noGrp="1"/>
-          </p:cNvSpPr>
-          <p:nvPr>
-            <p:ph type="ctrTitle"/>
-          </p:nvPr>
-        </p:nvSpPr>
-        <p:spPr>
-          <a:xfrm>
-            <a:off x="914400" y="2667000"/>
-            <a:ext cx="10363200" cy="903700"/>
-          </a:xfrm>
-        </p:spPr>
-        <p:txBody>
-          <a:bodyPr/>
-          <a:lstStyle/>
-          <a:p>
-            <a:pPr>
-              <a:lnSpc>
-                <a:spcPct val="100000"/>
-              </a:lnSpc>
-            </a:pPr>
-            <a:r>
-              <a:rPr lang="en-US" dirty="0"/>
-              <a:t>Verdict</a:t>
-            </a:r>
-          </a:p>
-        </p:txBody>
-      </p:sp>
-    </p:spTree>
-    <p:extLst>
-      <p:ext uri="{BB962C8B-B14F-4D97-AF65-F5344CB8AC3E}">
-        <p14:creationId xmlns:p14="http://schemas.microsoft.com/office/powerpoint/2010/main" val="1552033239"/>
-      </p:ext>
-    </p:extLst>
-  </p:cSld>
-  <p:clrMapOvr>
-    <a:masterClrMapping/>
-  </p:clrMapOvr>
-</p:sld>
-</file>
-
-<file path=ppt/slides/slide81.xml><?xml version="1.0" encoding="utf-8"?>
-<p:sld xmlns:a="http://schemas.openxmlformats.org/drawingml/2006/main" xmlns:r="http://schemas.openxmlformats.org/officeDocument/2006/relationships" xmlns:p="http://schemas.openxmlformats.org/presentationml/2006/main">
-  <p:cSld>
-    <p:spTree>
-      <p:nvGrpSpPr>
-        <p:cNvPr id="1" name=""/>
-        <p:cNvGrpSpPr/>
-        <p:nvPr/>
-      </p:nvGrpSpPr>
-      <p:grpSpPr>
-        <a:xfrm>
-          <a:off x="0" y="0"/>
-          <a:ext cx="0" cy="0"/>
-          <a:chOff x="0" y="0"/>
-          <a:chExt cx="0" cy="0"/>
-        </a:xfrm>
-      </p:grpSpPr>
-      <p:sp>
-        <p:nvSpPr>
-          <p:cNvPr id="7" name="Slide Number Placeholder 3"/>
-          <p:cNvSpPr>
-            <a:spLocks noGrp="1"/>
-          </p:cNvSpPr>
-          <p:nvPr>
-            <p:ph type="sldNum" sz="quarter" idx="4294967295"/>
-          </p:nvPr>
-        </p:nvSpPr>
-        <p:spPr>
-          <a:xfrm>
-            <a:off x="11568000" y="6525003"/>
-            <a:ext cx="428822" cy="196477"/>
-          </a:xfrm>
-          <a:prstGeom prst="rect">
-            <a:avLst/>
-          </a:prstGeom>
-        </p:spPr>
-        <p:txBody>
-          <a:bodyPr/>
-          <a:lstStyle/>
-          <a:p>
-            <a:pPr>
-              <a:defRPr/>
-            </a:pPr>
-            <a:fld id="{58452FF4-89E3-4D1B-9927-2DBDC00E58D7}" type="slidenum">
-              <a:rPr lang="en-US" smtClean="0"/>
-              <a:pPr>
-                <a:defRPr/>
-              </a:pPr>
-              <a:t>81</a:t>
-            </a:fld>
-            <a:endParaRPr lang="en-US" dirty="0"/>
-          </a:p>
-        </p:txBody>
-      </p:sp>
-      <p:sp>
-        <p:nvSpPr>
-          <p:cNvPr id="5" name="Content Placeholder 4"/>
-          <p:cNvSpPr>
-            <a:spLocks noGrp="1"/>
-          </p:cNvSpPr>
-          <p:nvPr>
-            <p:ph idx="1"/>
-          </p:nvPr>
-        </p:nvSpPr>
-        <p:spPr>
-          <a:xfrm>
-            <a:off x="1141413" y="1712549"/>
-            <a:ext cx="11696797" cy="5458202"/>
-          </a:xfrm>
-        </p:spPr>
-        <p:txBody>
-          <a:bodyPr>
-            <a:normAutofit/>
-          </a:bodyPr>
-          <a:lstStyle/>
-          <a:p>
-            <a:pPr>
-              <a:lnSpc>
-                <a:spcPct val="100000"/>
-              </a:lnSpc>
-            </a:pPr>
-            <a:r>
-              <a:rPr lang="en-US" dirty="0"/>
-              <a:t>Are you Netflix?</a:t>
-            </a:r>
-          </a:p>
-          <a:p>
-            <a:pPr>
-              <a:lnSpc>
-                <a:spcPct val="100000"/>
-              </a:lnSpc>
-            </a:pPr>
-            <a:r>
-              <a:rPr lang="en-US" dirty="0"/>
-              <a:t>Are you Amazon?</a:t>
-            </a:r>
-          </a:p>
-          <a:p>
-            <a:pPr>
-              <a:lnSpc>
-                <a:spcPct val="100000"/>
-              </a:lnSpc>
-            </a:pPr>
-            <a:r>
-              <a:rPr lang="en-US" dirty="0"/>
-              <a:t>Do you have a worldwide scale and customers? </a:t>
-            </a:r>
-          </a:p>
-          <a:p>
-            <a:pPr>
-              <a:lnSpc>
-                <a:spcPct val="100000"/>
-              </a:lnSpc>
-            </a:pPr>
-            <a:r>
-              <a:rPr lang="en-US" dirty="0"/>
-              <a:t>Do you expect a huge increase in your customer base soon?</a:t>
-            </a:r>
-          </a:p>
-          <a:p>
-            <a:pPr>
-              <a:lnSpc>
-                <a:spcPct val="100000"/>
-              </a:lnSpc>
-            </a:pPr>
-            <a:r>
-              <a:rPr lang="en-US" dirty="0"/>
-              <a:t>Do you have a struggling with performance monolith?</a:t>
-            </a:r>
-          </a:p>
-          <a:p>
-            <a:pPr>
-              <a:lnSpc>
-                <a:spcPct val="100000"/>
-              </a:lnSpc>
-            </a:pPr>
-            <a:r>
-              <a:rPr lang="en-US" dirty="0"/>
-              <a:t>Do you have the recourses to develop microservices?</a:t>
-            </a:r>
-          </a:p>
-          <a:p>
-            <a:pPr>
-              <a:lnSpc>
-                <a:spcPct val="100000"/>
-              </a:lnSpc>
-            </a:pPr>
-            <a:r>
-              <a:rPr lang="en-US" dirty="0"/>
-              <a:t>If any of this is “Yes”, then do them!</a:t>
-            </a:r>
-          </a:p>
-          <a:p>
-            <a:pPr>
-              <a:lnSpc>
-                <a:spcPct val="100000"/>
-              </a:lnSpc>
-            </a:pPr>
-            <a:r>
-              <a:rPr lang="en-US" dirty="0"/>
-              <a:t>It is always better to start with a monolith</a:t>
-            </a:r>
-          </a:p>
-          <a:p>
-            <a:pPr lvl="1">
-              <a:lnSpc>
-                <a:spcPct val="100000"/>
-              </a:lnSpc>
-            </a:pPr>
-            <a:r>
-              <a:rPr lang="en-US" dirty="0"/>
-              <a:t>And then extract microservices!</a:t>
-            </a:r>
-          </a:p>
-          <a:p>
-            <a:pPr>
-              <a:lnSpc>
-                <a:spcPct val="100000"/>
-              </a:lnSpc>
-            </a:pPr>
-            <a:r>
-              <a:rPr lang="en-US" dirty="0"/>
-              <a:t>Also – make sure every team member is on the same page!</a:t>
-            </a:r>
-          </a:p>
-        </p:txBody>
-      </p:sp>
-      <p:sp>
-        <p:nvSpPr>
-          <p:cNvPr id="4" name="Title 3"/>
-          <p:cNvSpPr>
-            <a:spLocks noGrp="1"/>
-          </p:cNvSpPr>
-          <p:nvPr>
-            <p:ph type="title"/>
-          </p:nvPr>
-        </p:nvSpPr>
-        <p:spPr/>
-        <p:txBody>
-          <a:bodyPr/>
-          <a:lstStyle/>
-          <a:p>
-            <a:r>
-              <a:rPr lang="en-US" dirty="0"/>
-              <a:t>The microservices Decision Tree</a:t>
-            </a:r>
-          </a:p>
-        </p:txBody>
-      </p:sp>
-    </p:spTree>
-    <p:extLst>
-      <p:ext uri="{BB962C8B-B14F-4D97-AF65-F5344CB8AC3E}">
-        <p14:creationId xmlns:p14="http://schemas.microsoft.com/office/powerpoint/2010/main" val="1823107321"/>
-      </p:ext>
-    </p:extLst>
-  </p:cSld>
-  <p:clrMapOvr>
-    <a:masterClrMapping/>
-  </p:clrMapOvr>
-</p:sld>
-</file>
-
-<file path=ppt/slides/slide82.xml><?xml version="1.0" encoding="utf-8"?>
-<p:sld xmlns:a="http://schemas.openxmlformats.org/drawingml/2006/main" xmlns:r="http://schemas.openxmlformats.org/officeDocument/2006/relationships" xmlns:p="http://schemas.openxmlformats.org/presentationml/2006/main">
-  <p:cSld>
-    <p:spTree>
-      <p:nvGrpSpPr>
-        <p:cNvPr id="1" name=""/>
-        <p:cNvGrpSpPr/>
-        <p:nvPr/>
-      </p:nvGrpSpPr>
-      <p:grpSpPr>
-        <a:xfrm>
-          <a:off x="0" y="0"/>
-          <a:ext cx="0" cy="0"/>
-          <a:chOff x="0" y="0"/>
-          <a:chExt cx="0" cy="0"/>
-        </a:xfrm>
-      </p:grpSpPr>
-      <p:sp>
-        <p:nvSpPr>
-          <p:cNvPr id="4" name="Title 3"/>
-          <p:cNvSpPr>
-            <a:spLocks noGrp="1"/>
-          </p:cNvSpPr>
-          <p:nvPr>
-            <p:ph type="ctrTitle"/>
-          </p:nvPr>
-        </p:nvSpPr>
-        <p:spPr>
-          <a:xfrm>
-            <a:off x="914400" y="2667000"/>
-            <a:ext cx="10363200" cy="903700"/>
-          </a:xfrm>
-        </p:spPr>
-        <p:txBody>
-          <a:bodyPr/>
-          <a:lstStyle/>
-          <a:p>
-            <a:pPr>
-              <a:lnSpc>
-                <a:spcPct val="100000"/>
-              </a:lnSpc>
-            </a:pPr>
-            <a:r>
-              <a:rPr lang="en-US" dirty="0"/>
-              <a:t>FINAL WORDS</a:t>
-            </a:r>
-          </a:p>
-        </p:txBody>
-      </p:sp>
-    </p:spTree>
-    <p:extLst>
-      <p:ext uri="{BB962C8B-B14F-4D97-AF65-F5344CB8AC3E}">
-        <p14:creationId xmlns:p14="http://schemas.microsoft.com/office/powerpoint/2010/main" val="2054220743"/>
-      </p:ext>
-    </p:extLst>
-  </p:cSld>
-  <p:clrMapOvr>
-    <a:masterClrMapping/>
-  </p:clrMapOvr>
-</p:sld>
-</file>
-
-<file path=ppt/slides/slide83.xml><?xml version="1.0" encoding="utf-8"?>
-<p:sld xmlns:a="http://schemas.openxmlformats.org/drawingml/2006/main" xmlns:r="http://schemas.openxmlformats.org/officeDocument/2006/relationships" xmlns:p="http://schemas.openxmlformats.org/presentationml/2006/main">
-  <p:cSld>
-    <p:spTree>
-      <p:nvGrpSpPr>
-        <p:cNvPr id="1" name=""/>
-        <p:cNvGrpSpPr/>
-        <p:nvPr/>
-      </p:nvGrpSpPr>
-      <p:grpSpPr>
-        <a:xfrm>
-          <a:off x="0" y="0"/>
-          <a:ext cx="0" cy="0"/>
-          <a:chOff x="0" y="0"/>
-          <a:chExt cx="0" cy="0"/>
-        </a:xfrm>
-      </p:grpSpPr>
-      <p:sp>
-        <p:nvSpPr>
-          <p:cNvPr id="7" name="Slide Number Placeholder 3"/>
-          <p:cNvSpPr>
-            <a:spLocks noGrp="1"/>
-          </p:cNvSpPr>
-          <p:nvPr>
-            <p:ph type="sldNum" sz="quarter" idx="4294967295"/>
-          </p:nvPr>
-        </p:nvSpPr>
-        <p:spPr>
-          <a:xfrm>
-            <a:off x="11568000" y="6525003"/>
-            <a:ext cx="428822" cy="196477"/>
-          </a:xfrm>
-          <a:prstGeom prst="rect">
-            <a:avLst/>
-          </a:prstGeom>
-        </p:spPr>
-        <p:txBody>
-          <a:bodyPr/>
-          <a:lstStyle/>
-          <a:p>
-            <a:pPr>
-              <a:defRPr/>
-            </a:pPr>
-            <a:fld id="{58452FF4-89E3-4D1B-9927-2DBDC00E58D7}" type="slidenum">
-              <a:rPr lang="en-US" smtClean="0"/>
-              <a:pPr>
-                <a:defRPr/>
-              </a:pPr>
-              <a:t>83</a:t>
-            </a:fld>
-            <a:endParaRPr lang="en-US" dirty="0"/>
-          </a:p>
-        </p:txBody>
-      </p:sp>
-      <p:sp>
-        <p:nvSpPr>
-          <p:cNvPr id="5" name="Content Placeholder 4"/>
-          <p:cNvSpPr>
-            <a:spLocks noGrp="1"/>
-          </p:cNvSpPr>
-          <p:nvPr>
-            <p:ph idx="1"/>
-          </p:nvPr>
-        </p:nvSpPr>
-        <p:spPr>
-          <a:xfrm>
-            <a:off x="1141413" y="2196398"/>
-            <a:ext cx="11696797" cy="5458202"/>
-          </a:xfrm>
-        </p:spPr>
-        <p:txBody>
-          <a:bodyPr>
-            <a:normAutofit/>
-          </a:bodyPr>
-          <a:lstStyle/>
-          <a:p>
-            <a:pPr>
-              <a:lnSpc>
-                <a:spcPct val="100000"/>
-              </a:lnSpc>
-            </a:pPr>
-            <a:r>
-              <a:rPr lang="en-US" sz="2800" dirty="0"/>
-              <a:t>Why Microservices?</a:t>
-            </a:r>
-          </a:p>
-          <a:p>
-            <a:pPr>
-              <a:lnSpc>
-                <a:spcPct val="100000"/>
-              </a:lnSpc>
-            </a:pPr>
-            <a:r>
-              <a:rPr lang="en-GB" sz="2800" dirty="0"/>
-              <a:t>Microservices Architecture</a:t>
-            </a:r>
-          </a:p>
-          <a:p>
-            <a:pPr>
-              <a:lnSpc>
-                <a:spcPct val="100000"/>
-              </a:lnSpc>
-            </a:pPr>
-            <a:r>
-              <a:rPr lang="en-GB" sz="2800" dirty="0"/>
-              <a:t>Data in Microservices</a:t>
-            </a:r>
-          </a:p>
-          <a:p>
-            <a:pPr>
-              <a:lnSpc>
-                <a:spcPct val="100000"/>
-              </a:lnSpc>
-            </a:pPr>
-            <a:r>
-              <a:rPr lang="en-GB" sz="2800" dirty="0"/>
-              <a:t>The Bounded Context</a:t>
-            </a:r>
-          </a:p>
-          <a:p>
-            <a:pPr>
-              <a:lnSpc>
-                <a:spcPct val="100000"/>
-              </a:lnSpc>
-            </a:pPr>
-            <a:r>
-              <a:rPr lang="en-GB" sz="2800" dirty="0"/>
-              <a:t>Logical VS Physical Architecture</a:t>
-            </a:r>
-          </a:p>
-          <a:p>
-            <a:pPr>
-              <a:lnSpc>
-                <a:spcPct val="100000"/>
-              </a:lnSpc>
-            </a:pPr>
-            <a:r>
-              <a:rPr lang="en-GB" sz="2800" dirty="0"/>
-              <a:t>Distributed Data Challenges</a:t>
-            </a:r>
-            <a:endParaRPr lang="en-US" sz="2800" dirty="0"/>
-          </a:p>
-          <a:p>
-            <a:pPr>
-              <a:lnSpc>
-                <a:spcPct val="100000"/>
-              </a:lnSpc>
-            </a:pPr>
-            <a:endParaRPr lang="en-US" sz="2800" dirty="0"/>
-          </a:p>
-          <a:p>
-            <a:pPr>
-              <a:lnSpc>
-                <a:spcPct val="100000"/>
-              </a:lnSpc>
-            </a:pPr>
-            <a:endParaRPr lang="en-US" sz="1600" dirty="0"/>
-          </a:p>
-        </p:txBody>
-      </p:sp>
-      <p:sp>
-        <p:nvSpPr>
-          <p:cNvPr id="4" name="Title 3"/>
-          <p:cNvSpPr>
-            <a:spLocks noGrp="1"/>
-          </p:cNvSpPr>
-          <p:nvPr>
-            <p:ph type="title"/>
-          </p:nvPr>
-        </p:nvSpPr>
-        <p:spPr/>
-        <p:txBody>
-          <a:bodyPr/>
-          <a:lstStyle/>
-          <a:p>
-            <a:r>
-              <a:rPr lang="en-US" dirty="0"/>
-              <a:t>Summary</a:t>
-            </a:r>
-          </a:p>
-        </p:txBody>
-      </p:sp>
-      <p:sp>
-        <p:nvSpPr>
-          <p:cNvPr id="6" name="Content Placeholder 4">
-            <a:extLst>
-              <a:ext uri="{FF2B5EF4-FFF2-40B4-BE49-F238E27FC236}">
-                <a16:creationId xmlns:a16="http://schemas.microsoft.com/office/drawing/2014/main" id="{FD86B125-F331-4A80-9449-EAABC8C699C2}"/>
-              </a:ext>
-            </a:extLst>
-          </p:cNvPr>
-          <p:cNvSpPr txBox="1">
-            <a:spLocks/>
-          </p:cNvSpPr>
-          <p:nvPr/>
-        </p:nvSpPr>
-        <p:spPr>
-          <a:xfrm>
-            <a:off x="6343601" y="2196398"/>
-            <a:ext cx="11696797" cy="5458202"/>
-          </a:xfrm>
-          <a:prstGeom prst="rect">
-            <a:avLst/>
-          </a:prstGeom>
-        </p:spPr>
-        <p:txBody>
-          <a:bodyPr vert="horz" lIns="91440" tIns="45720" rIns="91440" bIns="45720" rtlCol="0">
-            <a:normAutofit/>
-          </a:bodyPr>
-          <a:lstStyle>
-            <a:lvl1pPr marL="228600" indent="-228600" algn="l" defTabSz="914400" rtl="0" eaLnBrk="1" latinLnBrk="0" hangingPunct="1">
-              <a:lnSpc>
-                <a:spcPct val="120000"/>
-              </a:lnSpc>
-              <a:spcBef>
-                <a:spcPts val="1000"/>
-              </a:spcBef>
-              <a:buSzPct val="125000"/>
-              <a:buFont typeface="Arial" panose="020B0604020202020204" pitchFamily="34" charset="0"/>
-              <a:buChar char="•"/>
-              <a:defRPr sz="2400" kern="1200">
-                <a:solidFill>
-                  <a:schemeClr val="tx1"/>
-                </a:solidFill>
-                <a:latin typeface="+mn-lt"/>
-                <a:ea typeface="+mn-ea"/>
-                <a:cs typeface="+mn-cs"/>
-              </a:defRPr>
-            </a:lvl1pPr>
-            <a:lvl2pPr marL="685800" indent="-228600" algn="l" defTabSz="914400" rtl="0" eaLnBrk="1" latinLnBrk="0" hangingPunct="1">
-              <a:lnSpc>
-                <a:spcPct val="120000"/>
-              </a:lnSpc>
-              <a:spcBef>
-                <a:spcPts val="500"/>
-              </a:spcBef>
-              <a:buSzPct val="125000"/>
-              <a:buFont typeface="Arial" panose="020B0604020202020204" pitchFamily="34" charset="0"/>
-              <a:buChar char="•"/>
-              <a:defRPr sz="2000" kern="1200">
-                <a:solidFill>
-                  <a:schemeClr val="tx1"/>
-                </a:solidFill>
-                <a:latin typeface="+mn-lt"/>
-                <a:ea typeface="+mn-ea"/>
-                <a:cs typeface="+mn-cs"/>
-              </a:defRPr>
-            </a:lvl2pPr>
-            <a:lvl3pPr marL="1143000" indent="-228600" algn="l" defTabSz="914400" rtl="0" eaLnBrk="1" latinLnBrk="0" hangingPunct="1">
-              <a:lnSpc>
-                <a:spcPct val="120000"/>
-              </a:lnSpc>
-              <a:spcBef>
-                <a:spcPts val="500"/>
-              </a:spcBef>
-              <a:buSzPct val="125000"/>
-              <a:buFont typeface="Arial" panose="020B0604020202020204" pitchFamily="34" charset="0"/>
-              <a:buChar char="•"/>
-              <a:defRPr sz="1800" kern="1200">
-                <a:solidFill>
-                  <a:schemeClr val="tx1"/>
-                </a:solidFill>
-                <a:latin typeface="+mn-lt"/>
-                <a:ea typeface="+mn-ea"/>
-                <a:cs typeface="+mn-cs"/>
-              </a:defRPr>
-            </a:lvl3pPr>
-            <a:lvl4pPr marL="1600200" indent="-228600" algn="l" defTabSz="914400" rtl="0" eaLnBrk="1" latinLnBrk="0" hangingPunct="1">
-              <a:lnSpc>
-                <a:spcPct val="120000"/>
-              </a:lnSpc>
-              <a:spcBef>
-                <a:spcPts val="500"/>
-              </a:spcBef>
-              <a:buSzPct val="125000"/>
-              <a:buFont typeface="Arial" panose="020B0604020202020204" pitchFamily="34" charset="0"/>
-              <a:buChar char="•"/>
-              <a:defRPr sz="1600" kern="1200">
-                <a:solidFill>
-                  <a:schemeClr val="tx1"/>
-                </a:solidFill>
-                <a:latin typeface="+mn-lt"/>
-                <a:ea typeface="+mn-ea"/>
-                <a:cs typeface="+mn-cs"/>
-              </a:defRPr>
-            </a:lvl4pPr>
-            <a:lvl5pPr marL="2057400" indent="-228600" algn="l" defTabSz="914400" rtl="0" eaLnBrk="1" latinLnBrk="0" hangingPunct="1">
-              <a:lnSpc>
-                <a:spcPct val="120000"/>
-              </a:lnSpc>
-              <a:spcBef>
-                <a:spcPts val="500"/>
-              </a:spcBef>
-              <a:buSzPct val="125000"/>
-              <a:buFont typeface="Arial" panose="020B0604020202020204" pitchFamily="34" charset="0"/>
-              <a:buChar char="•"/>
-              <a:defRPr sz="1600" kern="1200">
-                <a:solidFill>
-                  <a:schemeClr val="tx1"/>
-                </a:solidFill>
-                <a:latin typeface="+mn-lt"/>
-                <a:ea typeface="+mn-ea"/>
-                <a:cs typeface="+mn-cs"/>
-              </a:defRPr>
-            </a:lvl5pPr>
-            <a:lvl6pPr marL="2514600" indent="-228600" algn="l" defTabSz="914400" rtl="0" eaLnBrk="1" latinLnBrk="0" hangingPunct="1">
-              <a:lnSpc>
-                <a:spcPct val="120000"/>
-              </a:lnSpc>
-              <a:spcBef>
-                <a:spcPts val="500"/>
-              </a:spcBef>
-              <a:buSzPct val="125000"/>
-              <a:buFont typeface="Arial" panose="020B0604020202020204" pitchFamily="34" charset="0"/>
-              <a:buChar char="•"/>
-              <a:defRPr sz="1400" kern="1200">
-                <a:solidFill>
-                  <a:schemeClr val="tx1"/>
-                </a:solidFill>
-                <a:latin typeface="+mn-lt"/>
-                <a:ea typeface="+mn-ea"/>
-                <a:cs typeface="+mn-cs"/>
-              </a:defRPr>
-            </a:lvl6pPr>
-            <a:lvl7pPr marL="2971800" indent="-228600" algn="l" defTabSz="914400" rtl="0" eaLnBrk="1" latinLnBrk="0" hangingPunct="1">
-              <a:lnSpc>
-                <a:spcPct val="120000"/>
-              </a:lnSpc>
-              <a:spcBef>
-                <a:spcPts val="500"/>
-              </a:spcBef>
-              <a:buSzPct val="125000"/>
-              <a:buFont typeface="Arial" panose="020B0604020202020204" pitchFamily="34" charset="0"/>
-              <a:buChar char="•"/>
-              <a:defRPr sz="1400" kern="1200">
-                <a:solidFill>
-                  <a:schemeClr val="tx1"/>
-                </a:solidFill>
-                <a:latin typeface="+mn-lt"/>
-                <a:ea typeface="+mn-ea"/>
-                <a:cs typeface="+mn-cs"/>
-              </a:defRPr>
-            </a:lvl7pPr>
-            <a:lvl8pPr marL="3429000" indent="-228600" algn="l" defTabSz="914400" rtl="0" eaLnBrk="1" latinLnBrk="0" hangingPunct="1">
-              <a:lnSpc>
-                <a:spcPct val="120000"/>
-              </a:lnSpc>
-              <a:spcBef>
-                <a:spcPts val="500"/>
-              </a:spcBef>
-              <a:buSzPct val="125000"/>
-              <a:buFont typeface="Arial" panose="020B0604020202020204" pitchFamily="34" charset="0"/>
-              <a:buChar char="•"/>
-              <a:defRPr sz="1400" kern="1200">
-                <a:solidFill>
-                  <a:schemeClr val="tx1"/>
-                </a:solidFill>
-                <a:latin typeface="+mn-lt"/>
-                <a:ea typeface="+mn-ea"/>
-                <a:cs typeface="+mn-cs"/>
-              </a:defRPr>
-            </a:lvl8pPr>
-            <a:lvl9pPr marL="3886200" indent="-228600" algn="l" defTabSz="914400" rtl="0" eaLnBrk="1" latinLnBrk="0" hangingPunct="1">
-              <a:lnSpc>
-                <a:spcPct val="120000"/>
-              </a:lnSpc>
-              <a:spcBef>
-                <a:spcPts val="500"/>
-              </a:spcBef>
-              <a:buSzPct val="125000"/>
-              <a:buFont typeface="Arial" panose="020B0604020202020204" pitchFamily="34" charset="0"/>
-              <a:buChar char="•"/>
-              <a:defRPr sz="1400" kern="1200">
-                <a:solidFill>
-                  <a:schemeClr val="tx1"/>
-                </a:solidFill>
-                <a:latin typeface="+mn-lt"/>
-                <a:ea typeface="+mn-ea"/>
-                <a:cs typeface="+mn-cs"/>
-              </a:defRPr>
-            </a:lvl9pPr>
-          </a:lstStyle>
-          <a:p>
-            <a:pPr>
-              <a:lnSpc>
-                <a:spcPct val="100000"/>
-              </a:lnSpc>
-            </a:pPr>
-            <a:r>
-              <a:rPr lang="en-GB" sz="2800" dirty="0"/>
-              <a:t>Identifying Boundaries</a:t>
-            </a:r>
-          </a:p>
-          <a:p>
-            <a:pPr>
-              <a:lnSpc>
-                <a:spcPct val="100000"/>
-              </a:lnSpc>
-            </a:pPr>
-            <a:r>
-              <a:rPr lang="en-GB" sz="2800" dirty="0"/>
-              <a:t>The API Gateway</a:t>
-            </a:r>
-          </a:p>
-          <a:p>
-            <a:pPr>
-              <a:lnSpc>
-                <a:spcPct val="100000"/>
-              </a:lnSpc>
-            </a:pPr>
-            <a:r>
-              <a:rPr lang="en-GB" sz="2800" dirty="0"/>
-              <a:t>Communication</a:t>
-            </a:r>
-          </a:p>
-          <a:p>
-            <a:pPr>
-              <a:lnSpc>
-                <a:spcPct val="100000"/>
-              </a:lnSpc>
-            </a:pPr>
-            <a:r>
-              <a:rPr lang="en-GB" sz="2800" dirty="0"/>
-              <a:t>Containers &amp; Orchestration</a:t>
-            </a:r>
-          </a:p>
-          <a:p>
-            <a:pPr>
-              <a:lnSpc>
-                <a:spcPct val="100000"/>
-              </a:lnSpc>
-            </a:pPr>
-            <a:r>
-              <a:rPr lang="en-GB" sz="2800" dirty="0"/>
-              <a:t>Other Considerations</a:t>
-            </a:r>
-          </a:p>
-          <a:p>
-            <a:pPr>
-              <a:lnSpc>
-                <a:spcPct val="100000"/>
-              </a:lnSpc>
-            </a:pPr>
-            <a:r>
-              <a:rPr lang="en-GB" sz="2800" dirty="0"/>
-              <a:t>Avoiding Disasters</a:t>
-            </a:r>
-            <a:endParaRPr lang="en-US" sz="2800" dirty="0"/>
-          </a:p>
-          <a:p>
-            <a:pPr>
-              <a:lnSpc>
-                <a:spcPct val="100000"/>
-              </a:lnSpc>
-            </a:pPr>
-            <a:endParaRPr lang="en-US" sz="1600" dirty="0"/>
-          </a:p>
-        </p:txBody>
-      </p:sp>
-    </p:spTree>
-    <p:extLst>
-      <p:ext uri="{BB962C8B-B14F-4D97-AF65-F5344CB8AC3E}">
-        <p14:creationId xmlns:p14="http://schemas.microsoft.com/office/powerpoint/2010/main" val="1886689013"/>
-      </p:ext>
-    </p:extLst>
-  </p:cSld>
-  <p:clrMapOvr>
-    <a:masterClrMapping/>
-  </p:clrMapOvr>
-</p:sld>
-</file>
-
-<file path=ppt/slides/slide84.xml><?xml version="1.0" encoding="utf-8"?>
-<p:sld xmlns:a="http://schemas.openxmlformats.org/drawingml/2006/main" xmlns:r="http://schemas.openxmlformats.org/officeDocument/2006/relationships" xmlns:p="http://schemas.openxmlformats.org/presentationml/2006/main">
-  <p:cSld>
-    <p:spTree>
-      <p:nvGrpSpPr>
-        <p:cNvPr id="1" name=""/>
-        <p:cNvGrpSpPr/>
-        <p:nvPr/>
-      </p:nvGrpSpPr>
-      <p:grpSpPr>
-        <a:xfrm>
-          <a:off x="0" y="0"/>
-          <a:ext cx="0" cy="0"/>
-          <a:chOff x="0" y="0"/>
-          <a:chExt cx="0" cy="0"/>
-        </a:xfrm>
-      </p:grpSpPr>
-      <p:sp>
-        <p:nvSpPr>
-          <p:cNvPr id="4" name="Title 3"/>
-          <p:cNvSpPr>
-            <a:spLocks noGrp="1"/>
-          </p:cNvSpPr>
-          <p:nvPr>
-            <p:ph type="ctrTitle"/>
-          </p:nvPr>
-        </p:nvSpPr>
-        <p:spPr>
-          <a:xfrm>
-            <a:off x="1415475" y="2618509"/>
-            <a:ext cx="10363200" cy="903700"/>
-          </a:xfrm>
-        </p:spPr>
-        <p:txBody>
-          <a:bodyPr/>
-          <a:lstStyle/>
-          <a:p>
-            <a:pPr>
-              <a:lnSpc>
-                <a:spcPct val="100000"/>
-              </a:lnSpc>
-            </a:pPr>
-            <a:r>
-              <a:rPr lang="en-US" dirty="0"/>
-              <a:t>QUESTIONS?</a:t>
-            </a:r>
-          </a:p>
-        </p:txBody>
-      </p:sp>
-    </p:spTree>
-    <p:extLst>
-      <p:ext uri="{BB962C8B-B14F-4D97-AF65-F5344CB8AC3E}">
-        <p14:creationId xmlns:p14="http://schemas.microsoft.com/office/powerpoint/2010/main" val="1593309709"/>
       </p:ext>
     </p:extLst>
   </p:cSld>
@@ -28529,6 +29378,886 @@
     <p:extLst>
       <p:ext uri="{BB962C8B-B14F-4D97-AF65-F5344CB8AC3E}">
         <p14:creationId xmlns:p14="http://schemas.microsoft.com/office/powerpoint/2010/main" val="734787226"/>
+      </p:ext>
+    </p:extLst>
+  </p:cSld>
+  <p:clrMapOvr>
+    <a:masterClrMapping/>
+  </p:clrMapOvr>
+</p:sld>
+</file>
+
+<file path=ppt/slides/slide90.xml><?xml version="1.0" encoding="utf-8"?>
+<p:sld xmlns:a="http://schemas.openxmlformats.org/drawingml/2006/main" xmlns:r="http://schemas.openxmlformats.org/officeDocument/2006/relationships" xmlns:p="http://schemas.openxmlformats.org/presentationml/2006/main">
+  <p:cSld>
+    <p:spTree>
+      <p:nvGrpSpPr>
+        <p:cNvPr id="1" name=""/>
+        <p:cNvGrpSpPr/>
+        <p:nvPr/>
+      </p:nvGrpSpPr>
+      <p:grpSpPr>
+        <a:xfrm>
+          <a:off x="0" y="0"/>
+          <a:ext cx="0" cy="0"/>
+          <a:chOff x="0" y="0"/>
+          <a:chExt cx="0" cy="0"/>
+        </a:xfrm>
+      </p:grpSpPr>
+      <p:sp>
+        <p:nvSpPr>
+          <p:cNvPr id="4" name="Title 3"/>
+          <p:cNvSpPr>
+            <a:spLocks noGrp="1"/>
+          </p:cNvSpPr>
+          <p:nvPr>
+            <p:ph type="ctrTitle"/>
+          </p:nvPr>
+        </p:nvSpPr>
+        <p:spPr>
+          <a:xfrm>
+            <a:off x="914400" y="2667000"/>
+            <a:ext cx="10363200" cy="903700"/>
+          </a:xfrm>
+        </p:spPr>
+        <p:txBody>
+          <a:bodyPr/>
+          <a:lstStyle/>
+          <a:p>
+            <a:pPr>
+              <a:lnSpc>
+                <a:spcPct val="100000"/>
+              </a:lnSpc>
+            </a:pPr>
+            <a:r>
+              <a:rPr lang="en-US" dirty="0"/>
+              <a:t>Verdict</a:t>
+            </a:r>
+          </a:p>
+        </p:txBody>
+      </p:sp>
+    </p:spTree>
+    <p:extLst>
+      <p:ext uri="{BB962C8B-B14F-4D97-AF65-F5344CB8AC3E}">
+        <p14:creationId xmlns:p14="http://schemas.microsoft.com/office/powerpoint/2010/main" val="1552033239"/>
+      </p:ext>
+    </p:extLst>
+  </p:cSld>
+  <p:clrMapOvr>
+    <a:masterClrMapping/>
+  </p:clrMapOvr>
+</p:sld>
+</file>
+
+<file path=ppt/slides/slide91.xml><?xml version="1.0" encoding="utf-8"?>
+<p:sld xmlns:a="http://schemas.openxmlformats.org/drawingml/2006/main" xmlns:r="http://schemas.openxmlformats.org/officeDocument/2006/relationships" xmlns:p="http://schemas.openxmlformats.org/presentationml/2006/main">
+  <p:cSld>
+    <p:spTree>
+      <p:nvGrpSpPr>
+        <p:cNvPr id="1" name=""/>
+        <p:cNvGrpSpPr/>
+        <p:nvPr/>
+      </p:nvGrpSpPr>
+      <p:grpSpPr>
+        <a:xfrm>
+          <a:off x="0" y="0"/>
+          <a:ext cx="0" cy="0"/>
+          <a:chOff x="0" y="0"/>
+          <a:chExt cx="0" cy="0"/>
+        </a:xfrm>
+      </p:grpSpPr>
+      <p:sp>
+        <p:nvSpPr>
+          <p:cNvPr id="7" name="Slide Number Placeholder 3"/>
+          <p:cNvSpPr>
+            <a:spLocks noGrp="1"/>
+          </p:cNvSpPr>
+          <p:nvPr>
+            <p:ph type="sldNum" sz="quarter" idx="4294967295"/>
+          </p:nvPr>
+        </p:nvSpPr>
+        <p:spPr>
+          <a:xfrm>
+            <a:off x="11568000" y="6525003"/>
+            <a:ext cx="428822" cy="196477"/>
+          </a:xfrm>
+          <a:prstGeom prst="rect">
+            <a:avLst/>
+          </a:prstGeom>
+        </p:spPr>
+        <p:txBody>
+          <a:bodyPr/>
+          <a:lstStyle/>
+          <a:p>
+            <a:pPr>
+              <a:defRPr/>
+            </a:pPr>
+            <a:fld id="{58452FF4-89E3-4D1B-9927-2DBDC00E58D7}" type="slidenum">
+              <a:rPr lang="en-US" smtClean="0"/>
+              <a:pPr>
+                <a:defRPr/>
+              </a:pPr>
+              <a:t>91</a:t>
+            </a:fld>
+            <a:endParaRPr lang="en-US" dirty="0"/>
+          </a:p>
+        </p:txBody>
+      </p:sp>
+      <p:sp>
+        <p:nvSpPr>
+          <p:cNvPr id="5" name="Content Placeholder 4"/>
+          <p:cNvSpPr>
+            <a:spLocks noGrp="1"/>
+          </p:cNvSpPr>
+          <p:nvPr>
+            <p:ph idx="1"/>
+          </p:nvPr>
+        </p:nvSpPr>
+        <p:spPr>
+          <a:xfrm>
+            <a:off x="1141413" y="1712549"/>
+            <a:ext cx="11696797" cy="5458202"/>
+          </a:xfrm>
+        </p:spPr>
+        <p:txBody>
+          <a:bodyPr>
+            <a:normAutofit/>
+          </a:bodyPr>
+          <a:lstStyle/>
+          <a:p>
+            <a:pPr>
+              <a:lnSpc>
+                <a:spcPct val="100000"/>
+              </a:lnSpc>
+            </a:pPr>
+            <a:r>
+              <a:rPr lang="en-US" dirty="0"/>
+              <a:t>Are you Netflix?</a:t>
+            </a:r>
+          </a:p>
+          <a:p>
+            <a:pPr>
+              <a:lnSpc>
+                <a:spcPct val="100000"/>
+              </a:lnSpc>
+            </a:pPr>
+            <a:r>
+              <a:rPr lang="en-US" dirty="0"/>
+              <a:t>Are you Amazon?</a:t>
+            </a:r>
+          </a:p>
+          <a:p>
+            <a:pPr>
+              <a:lnSpc>
+                <a:spcPct val="100000"/>
+              </a:lnSpc>
+            </a:pPr>
+            <a:r>
+              <a:rPr lang="en-US" dirty="0"/>
+              <a:t>Do you have a worldwide scale and customers? </a:t>
+            </a:r>
+          </a:p>
+          <a:p>
+            <a:pPr>
+              <a:lnSpc>
+                <a:spcPct val="100000"/>
+              </a:lnSpc>
+            </a:pPr>
+            <a:r>
+              <a:rPr lang="en-US" dirty="0"/>
+              <a:t>Do you expect a huge increase in your customer base soon?</a:t>
+            </a:r>
+          </a:p>
+          <a:p>
+            <a:pPr>
+              <a:lnSpc>
+                <a:spcPct val="100000"/>
+              </a:lnSpc>
+            </a:pPr>
+            <a:r>
+              <a:rPr lang="en-US" dirty="0"/>
+              <a:t>Do you have a struggling with performance monolith?</a:t>
+            </a:r>
+          </a:p>
+          <a:p>
+            <a:pPr>
+              <a:lnSpc>
+                <a:spcPct val="100000"/>
+              </a:lnSpc>
+            </a:pPr>
+            <a:r>
+              <a:rPr lang="en-US" dirty="0"/>
+              <a:t>Do you have the recourses to develop microservices?</a:t>
+            </a:r>
+          </a:p>
+          <a:p>
+            <a:pPr>
+              <a:lnSpc>
+                <a:spcPct val="100000"/>
+              </a:lnSpc>
+            </a:pPr>
+            <a:r>
+              <a:rPr lang="en-US" dirty="0"/>
+              <a:t>If any of this is “Yes”, then do them!</a:t>
+            </a:r>
+          </a:p>
+          <a:p>
+            <a:pPr>
+              <a:lnSpc>
+                <a:spcPct val="100000"/>
+              </a:lnSpc>
+            </a:pPr>
+            <a:r>
+              <a:rPr lang="en-US" dirty="0"/>
+              <a:t>It is always better to start with a monolith</a:t>
+            </a:r>
+          </a:p>
+          <a:p>
+            <a:pPr lvl="1">
+              <a:lnSpc>
+                <a:spcPct val="100000"/>
+              </a:lnSpc>
+            </a:pPr>
+            <a:r>
+              <a:rPr lang="en-US" dirty="0"/>
+              <a:t>And then extract microservices!</a:t>
+            </a:r>
+          </a:p>
+          <a:p>
+            <a:pPr>
+              <a:lnSpc>
+                <a:spcPct val="100000"/>
+              </a:lnSpc>
+            </a:pPr>
+            <a:r>
+              <a:rPr lang="en-US" dirty="0"/>
+              <a:t>Also – make sure every team member is on the same page!</a:t>
+            </a:r>
+          </a:p>
+        </p:txBody>
+      </p:sp>
+      <p:sp>
+        <p:nvSpPr>
+          <p:cNvPr id="4" name="Title 3"/>
+          <p:cNvSpPr>
+            <a:spLocks noGrp="1"/>
+          </p:cNvSpPr>
+          <p:nvPr>
+            <p:ph type="title"/>
+          </p:nvPr>
+        </p:nvSpPr>
+        <p:spPr/>
+        <p:txBody>
+          <a:bodyPr/>
+          <a:lstStyle/>
+          <a:p>
+            <a:r>
+              <a:rPr lang="en-US" dirty="0"/>
+              <a:t>The microservices Decision Tree</a:t>
+            </a:r>
+          </a:p>
+        </p:txBody>
+      </p:sp>
+    </p:spTree>
+    <p:extLst>
+      <p:ext uri="{BB962C8B-B14F-4D97-AF65-F5344CB8AC3E}">
+        <p14:creationId xmlns:p14="http://schemas.microsoft.com/office/powerpoint/2010/main" val="1823107321"/>
+      </p:ext>
+    </p:extLst>
+  </p:cSld>
+  <p:clrMapOvr>
+    <a:masterClrMapping/>
+  </p:clrMapOvr>
+</p:sld>
+</file>
+
+<file path=ppt/slides/slide92.xml><?xml version="1.0" encoding="utf-8"?>
+<p:sld xmlns:a="http://schemas.openxmlformats.org/drawingml/2006/main" xmlns:r="http://schemas.openxmlformats.org/officeDocument/2006/relationships" xmlns:p="http://schemas.openxmlformats.org/presentationml/2006/main">
+  <p:cSld>
+    <p:spTree>
+      <p:nvGrpSpPr>
+        <p:cNvPr id="1" name=""/>
+        <p:cNvGrpSpPr/>
+        <p:nvPr/>
+      </p:nvGrpSpPr>
+      <p:grpSpPr>
+        <a:xfrm>
+          <a:off x="0" y="0"/>
+          <a:ext cx="0" cy="0"/>
+          <a:chOff x="0" y="0"/>
+          <a:chExt cx="0" cy="0"/>
+        </a:xfrm>
+      </p:grpSpPr>
+      <p:sp>
+        <p:nvSpPr>
+          <p:cNvPr id="4" name="Title 3"/>
+          <p:cNvSpPr>
+            <a:spLocks noGrp="1"/>
+          </p:cNvSpPr>
+          <p:nvPr>
+            <p:ph type="ctrTitle"/>
+          </p:nvPr>
+        </p:nvSpPr>
+        <p:spPr>
+          <a:xfrm>
+            <a:off x="914400" y="2667000"/>
+            <a:ext cx="10363200" cy="903700"/>
+          </a:xfrm>
+        </p:spPr>
+        <p:txBody>
+          <a:bodyPr/>
+          <a:lstStyle/>
+          <a:p>
+            <a:pPr>
+              <a:lnSpc>
+                <a:spcPct val="100000"/>
+              </a:lnSpc>
+            </a:pPr>
+            <a:r>
+              <a:rPr lang="en-US" dirty="0"/>
+              <a:t>FINAL WORDS</a:t>
+            </a:r>
+          </a:p>
+        </p:txBody>
+      </p:sp>
+    </p:spTree>
+    <p:extLst>
+      <p:ext uri="{BB962C8B-B14F-4D97-AF65-F5344CB8AC3E}">
+        <p14:creationId xmlns:p14="http://schemas.microsoft.com/office/powerpoint/2010/main" val="2054220743"/>
+      </p:ext>
+    </p:extLst>
+  </p:cSld>
+  <p:clrMapOvr>
+    <a:masterClrMapping/>
+  </p:clrMapOvr>
+</p:sld>
+</file>
+
+<file path=ppt/slides/slide93.xml><?xml version="1.0" encoding="utf-8"?>
+<p:sld xmlns:a="http://schemas.openxmlformats.org/drawingml/2006/main" xmlns:r="http://schemas.openxmlformats.org/officeDocument/2006/relationships" xmlns:p="http://schemas.openxmlformats.org/presentationml/2006/main">
+  <p:cSld>
+    <p:spTree>
+      <p:nvGrpSpPr>
+        <p:cNvPr id="1" name=""/>
+        <p:cNvGrpSpPr/>
+        <p:nvPr/>
+      </p:nvGrpSpPr>
+      <p:grpSpPr>
+        <a:xfrm>
+          <a:off x="0" y="0"/>
+          <a:ext cx="0" cy="0"/>
+          <a:chOff x="0" y="0"/>
+          <a:chExt cx="0" cy="0"/>
+        </a:xfrm>
+      </p:grpSpPr>
+      <p:sp>
+        <p:nvSpPr>
+          <p:cNvPr id="7" name="Slide Number Placeholder 3"/>
+          <p:cNvSpPr>
+            <a:spLocks noGrp="1"/>
+          </p:cNvSpPr>
+          <p:nvPr>
+            <p:ph type="sldNum" sz="quarter" idx="4294967295"/>
+          </p:nvPr>
+        </p:nvSpPr>
+        <p:spPr>
+          <a:xfrm>
+            <a:off x="11568000" y="6525003"/>
+            <a:ext cx="428822" cy="196477"/>
+          </a:xfrm>
+          <a:prstGeom prst="rect">
+            <a:avLst/>
+          </a:prstGeom>
+        </p:spPr>
+        <p:txBody>
+          <a:bodyPr/>
+          <a:lstStyle/>
+          <a:p>
+            <a:pPr>
+              <a:defRPr/>
+            </a:pPr>
+            <a:fld id="{58452FF4-89E3-4D1B-9927-2DBDC00E58D7}" type="slidenum">
+              <a:rPr lang="en-US" smtClean="0"/>
+              <a:pPr>
+                <a:defRPr/>
+              </a:pPr>
+              <a:t>93</a:t>
+            </a:fld>
+            <a:endParaRPr lang="en-US" dirty="0"/>
+          </a:p>
+        </p:txBody>
+      </p:sp>
+      <p:sp>
+        <p:nvSpPr>
+          <p:cNvPr id="5" name="Content Placeholder 4"/>
+          <p:cNvSpPr>
+            <a:spLocks noGrp="1"/>
+          </p:cNvSpPr>
+          <p:nvPr>
+            <p:ph idx="1"/>
+          </p:nvPr>
+        </p:nvSpPr>
+        <p:spPr>
+          <a:xfrm>
+            <a:off x="1141413" y="2196398"/>
+            <a:ext cx="11696797" cy="5458202"/>
+          </a:xfrm>
+        </p:spPr>
+        <p:txBody>
+          <a:bodyPr>
+            <a:normAutofit/>
+          </a:bodyPr>
+          <a:lstStyle/>
+          <a:p>
+            <a:pPr>
+              <a:lnSpc>
+                <a:spcPct val="100000"/>
+              </a:lnSpc>
+            </a:pPr>
+            <a:r>
+              <a:rPr lang="en-US" sz="2800" dirty="0"/>
+              <a:t>Why Microservices?</a:t>
+            </a:r>
+          </a:p>
+          <a:p>
+            <a:pPr>
+              <a:lnSpc>
+                <a:spcPct val="100000"/>
+              </a:lnSpc>
+            </a:pPr>
+            <a:r>
+              <a:rPr lang="en-GB" sz="2800" dirty="0"/>
+              <a:t>Microservices Architecture</a:t>
+            </a:r>
+          </a:p>
+          <a:p>
+            <a:pPr>
+              <a:lnSpc>
+                <a:spcPct val="100000"/>
+              </a:lnSpc>
+            </a:pPr>
+            <a:r>
+              <a:rPr lang="en-GB" sz="2800" dirty="0"/>
+              <a:t>Data in Microservices</a:t>
+            </a:r>
+          </a:p>
+          <a:p>
+            <a:pPr>
+              <a:lnSpc>
+                <a:spcPct val="100000"/>
+              </a:lnSpc>
+            </a:pPr>
+            <a:r>
+              <a:rPr lang="en-GB" sz="2800" dirty="0"/>
+              <a:t>The Bounded Context</a:t>
+            </a:r>
+          </a:p>
+          <a:p>
+            <a:pPr>
+              <a:lnSpc>
+                <a:spcPct val="100000"/>
+              </a:lnSpc>
+            </a:pPr>
+            <a:r>
+              <a:rPr lang="en-GB" sz="2800" dirty="0"/>
+              <a:t>Logical VS Physical Architecture</a:t>
+            </a:r>
+          </a:p>
+          <a:p>
+            <a:pPr>
+              <a:lnSpc>
+                <a:spcPct val="100000"/>
+              </a:lnSpc>
+            </a:pPr>
+            <a:r>
+              <a:rPr lang="en-GB" sz="2800" dirty="0"/>
+              <a:t>Distributed Data Challenges</a:t>
+            </a:r>
+            <a:endParaRPr lang="en-US" sz="2800" dirty="0"/>
+          </a:p>
+          <a:p>
+            <a:pPr>
+              <a:lnSpc>
+                <a:spcPct val="100000"/>
+              </a:lnSpc>
+            </a:pPr>
+            <a:endParaRPr lang="en-US" sz="2800" dirty="0"/>
+          </a:p>
+          <a:p>
+            <a:pPr>
+              <a:lnSpc>
+                <a:spcPct val="100000"/>
+              </a:lnSpc>
+            </a:pPr>
+            <a:endParaRPr lang="en-US" sz="1600" dirty="0"/>
+          </a:p>
+        </p:txBody>
+      </p:sp>
+      <p:sp>
+        <p:nvSpPr>
+          <p:cNvPr id="4" name="Title 3"/>
+          <p:cNvSpPr>
+            <a:spLocks noGrp="1"/>
+          </p:cNvSpPr>
+          <p:nvPr>
+            <p:ph type="title"/>
+          </p:nvPr>
+        </p:nvSpPr>
+        <p:spPr/>
+        <p:txBody>
+          <a:bodyPr/>
+          <a:lstStyle/>
+          <a:p>
+            <a:r>
+              <a:rPr lang="en-US" dirty="0"/>
+              <a:t>Summary</a:t>
+            </a:r>
+          </a:p>
+        </p:txBody>
+      </p:sp>
+      <p:sp>
+        <p:nvSpPr>
+          <p:cNvPr id="6" name="Content Placeholder 4">
+            <a:extLst>
+              <a:ext uri="{FF2B5EF4-FFF2-40B4-BE49-F238E27FC236}">
+                <a16:creationId xmlns:a16="http://schemas.microsoft.com/office/drawing/2014/main" id="{FD86B125-F331-4A80-9449-EAABC8C699C2}"/>
+              </a:ext>
+            </a:extLst>
+          </p:cNvPr>
+          <p:cNvSpPr txBox="1">
+            <a:spLocks/>
+          </p:cNvSpPr>
+          <p:nvPr/>
+        </p:nvSpPr>
+        <p:spPr>
+          <a:xfrm>
+            <a:off x="6343601" y="2196398"/>
+            <a:ext cx="11696797" cy="5458202"/>
+          </a:xfrm>
+          <a:prstGeom prst="rect">
+            <a:avLst/>
+          </a:prstGeom>
+        </p:spPr>
+        <p:txBody>
+          <a:bodyPr vert="horz" lIns="91440" tIns="45720" rIns="91440" bIns="45720" rtlCol="0">
+            <a:normAutofit/>
+          </a:bodyPr>
+          <a:lstStyle>
+            <a:lvl1pPr marL="228600" indent="-228600" algn="l" defTabSz="914400" rtl="0" eaLnBrk="1" latinLnBrk="0" hangingPunct="1">
+              <a:lnSpc>
+                <a:spcPct val="120000"/>
+              </a:lnSpc>
+              <a:spcBef>
+                <a:spcPts val="1000"/>
+              </a:spcBef>
+              <a:buSzPct val="125000"/>
+              <a:buFont typeface="Arial" panose="020B0604020202020204" pitchFamily="34" charset="0"/>
+              <a:buChar char="•"/>
+              <a:defRPr sz="2400" kern="1200">
+                <a:solidFill>
+                  <a:schemeClr val="tx1"/>
+                </a:solidFill>
+                <a:latin typeface="+mn-lt"/>
+                <a:ea typeface="+mn-ea"/>
+                <a:cs typeface="+mn-cs"/>
+              </a:defRPr>
+            </a:lvl1pPr>
+            <a:lvl2pPr marL="685800" indent="-228600" algn="l" defTabSz="914400" rtl="0" eaLnBrk="1" latinLnBrk="0" hangingPunct="1">
+              <a:lnSpc>
+                <a:spcPct val="120000"/>
+              </a:lnSpc>
+              <a:spcBef>
+                <a:spcPts val="500"/>
+              </a:spcBef>
+              <a:buSzPct val="125000"/>
+              <a:buFont typeface="Arial" panose="020B0604020202020204" pitchFamily="34" charset="0"/>
+              <a:buChar char="•"/>
+              <a:defRPr sz="2000" kern="1200">
+                <a:solidFill>
+                  <a:schemeClr val="tx1"/>
+                </a:solidFill>
+                <a:latin typeface="+mn-lt"/>
+                <a:ea typeface="+mn-ea"/>
+                <a:cs typeface="+mn-cs"/>
+              </a:defRPr>
+            </a:lvl2pPr>
+            <a:lvl3pPr marL="1143000" indent="-228600" algn="l" defTabSz="914400" rtl="0" eaLnBrk="1" latinLnBrk="0" hangingPunct="1">
+              <a:lnSpc>
+                <a:spcPct val="120000"/>
+              </a:lnSpc>
+              <a:spcBef>
+                <a:spcPts val="500"/>
+              </a:spcBef>
+              <a:buSzPct val="125000"/>
+              <a:buFont typeface="Arial" panose="020B0604020202020204" pitchFamily="34" charset="0"/>
+              <a:buChar char="•"/>
+              <a:defRPr sz="1800" kern="1200">
+                <a:solidFill>
+                  <a:schemeClr val="tx1"/>
+                </a:solidFill>
+                <a:latin typeface="+mn-lt"/>
+                <a:ea typeface="+mn-ea"/>
+                <a:cs typeface="+mn-cs"/>
+              </a:defRPr>
+            </a:lvl3pPr>
+            <a:lvl4pPr marL="1600200" indent="-228600" algn="l" defTabSz="914400" rtl="0" eaLnBrk="1" latinLnBrk="0" hangingPunct="1">
+              <a:lnSpc>
+                <a:spcPct val="120000"/>
+              </a:lnSpc>
+              <a:spcBef>
+                <a:spcPts val="500"/>
+              </a:spcBef>
+              <a:buSzPct val="125000"/>
+              <a:buFont typeface="Arial" panose="020B0604020202020204" pitchFamily="34" charset="0"/>
+              <a:buChar char="•"/>
+              <a:defRPr sz="1600" kern="1200">
+                <a:solidFill>
+                  <a:schemeClr val="tx1"/>
+                </a:solidFill>
+                <a:latin typeface="+mn-lt"/>
+                <a:ea typeface="+mn-ea"/>
+                <a:cs typeface="+mn-cs"/>
+              </a:defRPr>
+            </a:lvl4pPr>
+            <a:lvl5pPr marL="2057400" indent="-228600" algn="l" defTabSz="914400" rtl="0" eaLnBrk="1" latinLnBrk="0" hangingPunct="1">
+              <a:lnSpc>
+                <a:spcPct val="120000"/>
+              </a:lnSpc>
+              <a:spcBef>
+                <a:spcPts val="500"/>
+              </a:spcBef>
+              <a:buSzPct val="125000"/>
+              <a:buFont typeface="Arial" panose="020B0604020202020204" pitchFamily="34" charset="0"/>
+              <a:buChar char="•"/>
+              <a:defRPr sz="1600" kern="1200">
+                <a:solidFill>
+                  <a:schemeClr val="tx1"/>
+                </a:solidFill>
+                <a:latin typeface="+mn-lt"/>
+                <a:ea typeface="+mn-ea"/>
+                <a:cs typeface="+mn-cs"/>
+              </a:defRPr>
+            </a:lvl5pPr>
+            <a:lvl6pPr marL="2514600" indent="-228600" algn="l" defTabSz="914400" rtl="0" eaLnBrk="1" latinLnBrk="0" hangingPunct="1">
+              <a:lnSpc>
+                <a:spcPct val="120000"/>
+              </a:lnSpc>
+              <a:spcBef>
+                <a:spcPts val="500"/>
+              </a:spcBef>
+              <a:buSzPct val="125000"/>
+              <a:buFont typeface="Arial" panose="020B0604020202020204" pitchFamily="34" charset="0"/>
+              <a:buChar char="•"/>
+              <a:defRPr sz="1400" kern="1200">
+                <a:solidFill>
+                  <a:schemeClr val="tx1"/>
+                </a:solidFill>
+                <a:latin typeface="+mn-lt"/>
+                <a:ea typeface="+mn-ea"/>
+                <a:cs typeface="+mn-cs"/>
+              </a:defRPr>
+            </a:lvl6pPr>
+            <a:lvl7pPr marL="2971800" indent="-228600" algn="l" defTabSz="914400" rtl="0" eaLnBrk="1" latinLnBrk="0" hangingPunct="1">
+              <a:lnSpc>
+                <a:spcPct val="120000"/>
+              </a:lnSpc>
+              <a:spcBef>
+                <a:spcPts val="500"/>
+              </a:spcBef>
+              <a:buSzPct val="125000"/>
+              <a:buFont typeface="Arial" panose="020B0604020202020204" pitchFamily="34" charset="0"/>
+              <a:buChar char="•"/>
+              <a:defRPr sz="1400" kern="1200">
+                <a:solidFill>
+                  <a:schemeClr val="tx1"/>
+                </a:solidFill>
+                <a:latin typeface="+mn-lt"/>
+                <a:ea typeface="+mn-ea"/>
+                <a:cs typeface="+mn-cs"/>
+              </a:defRPr>
+            </a:lvl7pPr>
+            <a:lvl8pPr marL="3429000" indent="-228600" algn="l" defTabSz="914400" rtl="0" eaLnBrk="1" latinLnBrk="0" hangingPunct="1">
+              <a:lnSpc>
+                <a:spcPct val="120000"/>
+              </a:lnSpc>
+              <a:spcBef>
+                <a:spcPts val="500"/>
+              </a:spcBef>
+              <a:buSzPct val="125000"/>
+              <a:buFont typeface="Arial" panose="020B0604020202020204" pitchFamily="34" charset="0"/>
+              <a:buChar char="•"/>
+              <a:defRPr sz="1400" kern="1200">
+                <a:solidFill>
+                  <a:schemeClr val="tx1"/>
+                </a:solidFill>
+                <a:latin typeface="+mn-lt"/>
+                <a:ea typeface="+mn-ea"/>
+                <a:cs typeface="+mn-cs"/>
+              </a:defRPr>
+            </a:lvl8pPr>
+            <a:lvl9pPr marL="3886200" indent="-228600" algn="l" defTabSz="914400" rtl="0" eaLnBrk="1" latinLnBrk="0" hangingPunct="1">
+              <a:lnSpc>
+                <a:spcPct val="120000"/>
+              </a:lnSpc>
+              <a:spcBef>
+                <a:spcPts val="500"/>
+              </a:spcBef>
+              <a:buSzPct val="125000"/>
+              <a:buFont typeface="Arial" panose="020B0604020202020204" pitchFamily="34" charset="0"/>
+              <a:buChar char="•"/>
+              <a:defRPr sz="1400" kern="1200">
+                <a:solidFill>
+                  <a:schemeClr val="tx1"/>
+                </a:solidFill>
+                <a:latin typeface="+mn-lt"/>
+                <a:ea typeface="+mn-ea"/>
+                <a:cs typeface="+mn-cs"/>
+              </a:defRPr>
+            </a:lvl9pPr>
+          </a:lstStyle>
+          <a:p>
+            <a:pPr>
+              <a:lnSpc>
+                <a:spcPct val="100000"/>
+              </a:lnSpc>
+            </a:pPr>
+            <a:r>
+              <a:rPr lang="en-GB" sz="2800" dirty="0"/>
+              <a:t>Identifying Boundaries</a:t>
+            </a:r>
+          </a:p>
+          <a:p>
+            <a:pPr>
+              <a:lnSpc>
+                <a:spcPct val="100000"/>
+              </a:lnSpc>
+            </a:pPr>
+            <a:r>
+              <a:rPr lang="en-GB" sz="2800" dirty="0"/>
+              <a:t>The API Gateway</a:t>
+            </a:r>
+          </a:p>
+          <a:p>
+            <a:pPr>
+              <a:lnSpc>
+                <a:spcPct val="100000"/>
+              </a:lnSpc>
+            </a:pPr>
+            <a:r>
+              <a:rPr lang="en-GB" sz="2800" dirty="0"/>
+              <a:t>Communication</a:t>
+            </a:r>
+          </a:p>
+          <a:p>
+            <a:pPr>
+              <a:lnSpc>
+                <a:spcPct val="100000"/>
+              </a:lnSpc>
+            </a:pPr>
+            <a:r>
+              <a:rPr lang="en-GB" sz="2800" dirty="0"/>
+              <a:t>Containers &amp; Orchestration</a:t>
+            </a:r>
+          </a:p>
+          <a:p>
+            <a:pPr>
+              <a:lnSpc>
+                <a:spcPct val="100000"/>
+              </a:lnSpc>
+            </a:pPr>
+            <a:r>
+              <a:rPr lang="en-GB" sz="2800" dirty="0"/>
+              <a:t>Other Considerations</a:t>
+            </a:r>
+          </a:p>
+          <a:p>
+            <a:pPr>
+              <a:lnSpc>
+                <a:spcPct val="100000"/>
+              </a:lnSpc>
+            </a:pPr>
+            <a:r>
+              <a:rPr lang="en-GB" sz="2800" dirty="0"/>
+              <a:t>Avoiding Disasters</a:t>
+            </a:r>
+            <a:endParaRPr lang="en-US" sz="2800" dirty="0"/>
+          </a:p>
+          <a:p>
+            <a:pPr>
+              <a:lnSpc>
+                <a:spcPct val="100000"/>
+              </a:lnSpc>
+            </a:pPr>
+            <a:endParaRPr lang="en-US" sz="1600" dirty="0"/>
+          </a:p>
+        </p:txBody>
+      </p:sp>
+    </p:spTree>
+    <p:extLst>
+      <p:ext uri="{BB962C8B-B14F-4D97-AF65-F5344CB8AC3E}">
+        <p14:creationId xmlns:p14="http://schemas.microsoft.com/office/powerpoint/2010/main" val="1886689013"/>
+      </p:ext>
+    </p:extLst>
+  </p:cSld>
+  <p:clrMapOvr>
+    <a:masterClrMapping/>
+  </p:clrMapOvr>
+</p:sld>
+</file>
+
+<file path=ppt/slides/slide94.xml><?xml version="1.0" encoding="utf-8"?>
+<p:sld xmlns:a="http://schemas.openxmlformats.org/drawingml/2006/main" xmlns:r="http://schemas.openxmlformats.org/officeDocument/2006/relationships" xmlns:p="http://schemas.openxmlformats.org/presentationml/2006/main">
+  <p:cSld>
+    <p:spTree>
+      <p:nvGrpSpPr>
+        <p:cNvPr id="1" name=""/>
+        <p:cNvGrpSpPr/>
+        <p:nvPr/>
+      </p:nvGrpSpPr>
+      <p:grpSpPr>
+        <a:xfrm>
+          <a:off x="0" y="0"/>
+          <a:ext cx="0" cy="0"/>
+          <a:chOff x="0" y="0"/>
+          <a:chExt cx="0" cy="0"/>
+        </a:xfrm>
+      </p:grpSpPr>
+      <p:sp>
+        <p:nvSpPr>
+          <p:cNvPr id="4" name="Title 3"/>
+          <p:cNvSpPr>
+            <a:spLocks noGrp="1"/>
+          </p:cNvSpPr>
+          <p:nvPr>
+            <p:ph type="ctrTitle"/>
+          </p:nvPr>
+        </p:nvSpPr>
+        <p:spPr>
+          <a:xfrm>
+            <a:off x="1415475" y="2618509"/>
+            <a:ext cx="10363200" cy="903700"/>
+          </a:xfrm>
+        </p:spPr>
+        <p:txBody>
+          <a:bodyPr/>
+          <a:lstStyle/>
+          <a:p>
+            <a:pPr>
+              <a:lnSpc>
+                <a:spcPct val="100000"/>
+              </a:lnSpc>
+            </a:pPr>
+            <a:r>
+              <a:rPr lang="en-US" dirty="0"/>
+              <a:t>QUESTIONS?</a:t>
+            </a:r>
+          </a:p>
+        </p:txBody>
+      </p:sp>
+    </p:spTree>
+    <p:extLst>
+      <p:ext uri="{BB962C8B-B14F-4D97-AF65-F5344CB8AC3E}">
+        <p14:creationId xmlns:p14="http://schemas.microsoft.com/office/powerpoint/2010/main" val="1593309709"/>
       </p:ext>
     </p:extLst>
   </p:cSld>
